--- a/docs/Praesentation_Prototyp/Prototyp_Präsentation_2.pptx
+++ b/docs/Praesentation_Prototyp/Prototyp_Präsentation_2.pptx
@@ -9600,7 +9600,19 @@
             </a:pPr>
             <a:r>
               <a:rPr lang="en" sz="9600" dirty="0"/>
-              <a:t>Hello!</a:t>
+              <a:t>H</a:t>
+            </a:r>
+            <a:r>
+              <a:rPr lang="en-US" sz="9600"/>
+              <a:t>a</a:t>
+            </a:r>
+            <a:r>
+              <a:rPr lang="en" sz="9600"/>
+              <a:t>llo</a:t>
+            </a:r>
+            <a:r>
+              <a:rPr lang="en" sz="9600" dirty="0"/>
+              <a:t>!</a:t>
             </a:r>
             <a:endParaRPr sz="9600" dirty="0"/>
           </a:p>

--- a/docs/Praesentation_Prototyp/Prototyp_Präsentation_2.pptx
+++ b/docs/Praesentation_Prototyp/Prototyp_Präsentation_2.pptx
@@ -7853,7 +7853,7 @@
           <a:p>
             <a:r>
               <a:rPr lang="en-US" spc="-1" dirty="0" err="1"/>
-              <a:t>Ausbilck</a:t>
+              <a:t>Ausblick</a:t>
             </a:r>
             <a:endParaRPr lang="en-US" b="0" spc="-1" dirty="0">
               <a:latin typeface="Arial"/>

--- a/docs/Praesentation_Prototyp/Prototyp_Präsentation_2.pptx
+++ b/docs/Praesentation_Prototyp/Prototyp_Präsentation_2.pptx
@@ -5,40 +5,42 @@
     <p:sldMasterId id="2147483660" r:id="rId1"/>
   </p:sldMasterIdLst>
   <p:notesMasterIdLst>
-    <p:notesMasterId r:id="rId16"/>
+    <p:notesMasterId r:id="rId18"/>
   </p:notesMasterIdLst>
   <p:sldIdLst>
     <p:sldId id="256" r:id="rId2"/>
     <p:sldId id="258" r:id="rId3"/>
     <p:sldId id="261" r:id="rId4"/>
     <p:sldId id="259" r:id="rId5"/>
-    <p:sldId id="260" r:id="rId6"/>
-    <p:sldId id="290" r:id="rId7"/>
-    <p:sldId id="283" r:id="rId8"/>
-    <p:sldId id="262" r:id="rId9"/>
-    <p:sldId id="285" r:id="rId10"/>
-    <p:sldId id="291" r:id="rId11"/>
+    <p:sldId id="290" r:id="rId6"/>
+    <p:sldId id="296" r:id="rId7"/>
+    <p:sldId id="260" r:id="rId8"/>
+    <p:sldId id="295" r:id="rId9"/>
+    <p:sldId id="262" r:id="rId10"/>
+    <p:sldId id="294" r:id="rId11"/>
     <p:sldId id="286" r:id="rId12"/>
-    <p:sldId id="288" r:id="rId13"/>
-    <p:sldId id="289" r:id="rId14"/>
-    <p:sldId id="282" r:id="rId15"/>
+    <p:sldId id="292" r:id="rId13"/>
+    <p:sldId id="293" r:id="rId14"/>
+    <p:sldId id="288" r:id="rId15"/>
+    <p:sldId id="289" r:id="rId16"/>
+    <p:sldId id="282" r:id="rId17"/>
   </p:sldIdLst>
   <p:sldSz cx="9144000" cy="5143500" type="screen16x9"/>
   <p:notesSz cx="6858000" cy="9144000"/>
   <p:embeddedFontLst>
     <p:embeddedFont>
       <p:font typeface="Poppins" panose="020B0604020202020204" charset="0"/>
-      <p:regular r:id="rId17"/>
-      <p:bold r:id="rId18"/>
-      <p:italic r:id="rId19"/>
-      <p:boldItalic r:id="rId20"/>
+      <p:regular r:id="rId19"/>
+      <p:bold r:id="rId20"/>
+      <p:italic r:id="rId21"/>
+      <p:boldItalic r:id="rId22"/>
     </p:embeddedFont>
     <p:embeddedFont>
       <p:font typeface="Poppins Light" panose="020B0604020202020204" charset="0"/>
-      <p:regular r:id="rId21"/>
-      <p:bold r:id="rId22"/>
-      <p:italic r:id="rId23"/>
-      <p:boldItalic r:id="rId24"/>
+      <p:regular r:id="rId23"/>
+      <p:bold r:id="rId24"/>
+      <p:italic r:id="rId25"/>
+      <p:boldItalic r:id="rId26"/>
     </p:embeddedFont>
   </p:embeddedFontLst>
   <p:defaultTextStyle>
@@ -809,7 +811,7 @@
               </a:spcAft>
               <a:buNone/>
             </a:pPr>
-            <a:endParaRPr/>
+            <a:endParaRPr dirty="0"/>
           </a:p>
         </p:txBody>
       </p:sp>
@@ -822,6 +824,421 @@
 </file>
 
 <file path=ppt/notesSlides/notesSlide10.xml><?xml version="1.0" encoding="utf-8"?>
+<p:notes xmlns:a="http://schemas.openxmlformats.org/drawingml/2006/main" xmlns:r="http://schemas.openxmlformats.org/officeDocument/2006/relationships" xmlns:p="http://schemas.openxmlformats.org/presentationml/2006/main">
+  <p:cSld>
+    <p:spTree>
+      <p:nvGrpSpPr>
+        <p:cNvPr id="1" name=""/>
+        <p:cNvGrpSpPr/>
+        <p:nvPr/>
+      </p:nvGrpSpPr>
+      <p:grpSpPr>
+        <a:xfrm>
+          <a:off x="0" y="0"/>
+          <a:ext cx="0" cy="0"/>
+          <a:chOff x="0" y="0"/>
+          <a:chExt cx="0" cy="0"/>
+        </a:xfrm>
+      </p:grpSpPr>
+      <p:sp>
+        <p:nvSpPr>
+          <p:cNvPr id="2" name="Slide Image Placeholder 1"/>
+          <p:cNvSpPr>
+            <a:spLocks noGrp="1" noRot="1" noChangeAspect="1"/>
+          </p:cNvSpPr>
+          <p:nvPr>
+            <p:ph type="sldImg"/>
+          </p:nvPr>
+        </p:nvSpPr>
+        <p:spPr>
+          <a:xfrm>
+            <a:off x="381000" y="685800"/>
+            <a:ext cx="6096000" cy="3429000"/>
+          </a:xfrm>
+        </p:spPr>
+      </p:sp>
+      <p:sp>
+        <p:nvSpPr>
+          <p:cNvPr id="3" name="Notes Placeholder 2"/>
+          <p:cNvSpPr>
+            <a:spLocks noGrp="1"/>
+          </p:cNvSpPr>
+          <p:nvPr>
+            <p:ph type="body" idx="1"/>
+          </p:nvPr>
+        </p:nvSpPr>
+        <p:spPr/>
+        <p:txBody>
+          <a:bodyPr/>
+          <a:lstStyle/>
+          <a:p>
+            <a:pPr marL="139700" indent="0">
+              <a:buNone/>
+            </a:pPr>
+            <a:r>
+              <a:rPr lang="en-US" dirty="0" err="1"/>
+              <a:t>Savety</a:t>
+            </a:r>
+            <a:r>
+              <a:rPr lang="en-US" dirty="0"/>
+              <a:t> first.</a:t>
+            </a:r>
+          </a:p>
+          <a:p>
+            <a:pPr marL="139700" indent="0">
+              <a:buNone/>
+            </a:pPr>
+            <a:r>
+              <a:rPr lang="en-US" dirty="0"/>
+              <a:t>Falls DEMO </a:t>
+            </a:r>
+            <a:r>
+              <a:rPr lang="en-US" dirty="0" err="1"/>
+              <a:t>aus</a:t>
+            </a:r>
+            <a:r>
+              <a:rPr lang="en-US" dirty="0"/>
+              <a:t> </a:t>
+            </a:r>
+            <a:r>
+              <a:rPr lang="en-US" dirty="0" err="1"/>
+              <a:t>irgendeinem</a:t>
+            </a:r>
+            <a:r>
+              <a:rPr lang="en-US" dirty="0"/>
+              <a:t> </a:t>
+            </a:r>
+            <a:r>
+              <a:rPr lang="en-US" dirty="0" err="1"/>
+              <a:t>Grund</a:t>
+            </a:r>
+            <a:r>
+              <a:rPr lang="en-US" dirty="0"/>
+              <a:t> </a:t>
+            </a:r>
+            <a:r>
+              <a:rPr lang="en-US" dirty="0" err="1"/>
+              <a:t>nicht</a:t>
+            </a:r>
+            <a:r>
+              <a:rPr lang="en-US" dirty="0"/>
+              <a:t> </a:t>
+            </a:r>
+            <a:r>
+              <a:rPr lang="en-US" dirty="0" err="1"/>
+              <a:t>funktioniert</a:t>
+            </a:r>
+            <a:r>
+              <a:rPr lang="en-US" dirty="0"/>
+              <a:t> </a:t>
+            </a:r>
+            <a:r>
+              <a:rPr lang="en-US" dirty="0" err="1"/>
+              <a:t>bzw</a:t>
+            </a:r>
+            <a:r>
+              <a:rPr lang="en-US" dirty="0"/>
+              <a:t>. </a:t>
+            </a:r>
+            <a:r>
+              <a:rPr lang="en-US" dirty="0" err="1"/>
+              <a:t>Für</a:t>
+            </a:r>
+            <a:r>
+              <a:rPr lang="en-US" dirty="0"/>
+              <a:t> die PDF</a:t>
+            </a:r>
+          </a:p>
+          <a:p>
+            <a:pPr marL="139700" indent="0">
+              <a:buNone/>
+            </a:pPr>
+            <a:endParaRPr lang="en-US" dirty="0"/>
+          </a:p>
+          <a:p>
+            <a:pPr marL="139700" indent="0">
+              <a:buNone/>
+            </a:pPr>
+            <a:r>
+              <a:rPr lang="en-US" dirty="0"/>
+              <a:t>Am </a:t>
+            </a:r>
+            <a:r>
+              <a:rPr lang="en-US" dirty="0" err="1"/>
+              <a:t>Besten</a:t>
+            </a:r>
+            <a:r>
+              <a:rPr lang="en-US" dirty="0"/>
+              <a:t> </a:t>
+            </a:r>
+            <a:r>
+              <a:rPr lang="en-US" dirty="0" err="1"/>
+              <a:t>als</a:t>
+            </a:r>
+            <a:r>
+              <a:rPr lang="en-US" dirty="0"/>
+              <a:t> Story </a:t>
+            </a:r>
+            <a:r>
+              <a:rPr lang="en-US" dirty="0" err="1"/>
+              <a:t>verpacken</a:t>
+            </a:r>
+            <a:r>
+              <a:rPr lang="en-US" dirty="0"/>
+              <a:t>.</a:t>
+            </a:r>
+          </a:p>
+          <a:p>
+            <a:pPr marL="139700" indent="0">
+              <a:buNone/>
+            </a:pPr>
+            <a:endParaRPr lang="en-US" dirty="0"/>
+          </a:p>
+          <a:p>
+            <a:pPr marL="139700" indent="0">
+              <a:buNone/>
+            </a:pPr>
+            <a:r>
+              <a:rPr lang="en-US" dirty="0"/>
+              <a:t>Web: Demo: </a:t>
+            </a:r>
+            <a:r>
+              <a:rPr lang="en-US" dirty="0" err="1"/>
+              <a:t>Hauptseite</a:t>
+            </a:r>
+            <a:r>
+              <a:rPr lang="en-US" dirty="0"/>
+              <a:t>, Filter </a:t>
+            </a:r>
+            <a:r>
+              <a:rPr lang="en-US" dirty="0" err="1"/>
+              <a:t>Beispiele</a:t>
+            </a:r>
+            <a:endParaRPr lang="en-US" dirty="0"/>
+          </a:p>
+          <a:p>
+            <a:pPr marL="139700" indent="0">
+              <a:buNone/>
+            </a:pPr>
+            <a:r>
+              <a:rPr lang="en-US" dirty="0"/>
+              <a:t>Mobile </a:t>
+            </a:r>
+            <a:r>
+              <a:rPr lang="en-US" dirty="0" err="1"/>
+              <a:t>Ansicht</a:t>
+            </a:r>
+            <a:endParaRPr lang="en-US" dirty="0"/>
+          </a:p>
+          <a:p>
+            <a:pPr marL="139700" indent="0">
+              <a:buNone/>
+            </a:pPr>
+            <a:endParaRPr lang="en-US" dirty="0"/>
+          </a:p>
+          <a:p>
+            <a:pPr marL="139700" indent="0">
+              <a:buNone/>
+            </a:pPr>
+            <a:r>
+              <a:rPr lang="en-US" dirty="0" err="1"/>
+              <a:t>Wenn</a:t>
+            </a:r>
+            <a:r>
+              <a:rPr lang="en-US" dirty="0"/>
+              <a:t> </a:t>
+            </a:r>
+            <a:r>
+              <a:rPr lang="en-US" dirty="0" err="1"/>
+              <a:t>zu</a:t>
+            </a:r>
+            <a:r>
+              <a:rPr lang="en-US" dirty="0"/>
+              <a:t> schnell, </a:t>
+            </a:r>
+            <a:r>
+              <a:rPr lang="en-US" dirty="0" err="1"/>
+              <a:t>dann</a:t>
+            </a:r>
+            <a:r>
+              <a:rPr lang="en-US" dirty="0"/>
+              <a:t> </a:t>
+            </a:r>
+            <a:r>
+              <a:rPr lang="en-US" dirty="0" err="1"/>
+              <a:t>kurz</a:t>
+            </a:r>
+            <a:r>
+              <a:rPr lang="en-US" dirty="0"/>
+              <a:t> die </a:t>
+            </a:r>
+            <a:r>
+              <a:rPr lang="en-US" dirty="0" err="1"/>
+              <a:t>Reistrierung</a:t>
+            </a:r>
+            <a:r>
+              <a:rPr lang="en-US" dirty="0"/>
+              <a:t> und </a:t>
+            </a:r>
+            <a:r>
+              <a:rPr lang="en-US" dirty="0" err="1"/>
+              <a:t>Anmelde</a:t>
+            </a:r>
+            <a:r>
+              <a:rPr lang="en-US" dirty="0"/>
+              <a:t> </a:t>
+            </a:r>
+            <a:r>
+              <a:rPr lang="en-US" dirty="0" err="1"/>
+              <a:t>Maske</a:t>
+            </a:r>
+            <a:r>
+              <a:rPr lang="en-US" dirty="0"/>
+              <a:t> </a:t>
+            </a:r>
+            <a:r>
+              <a:rPr lang="en-US" dirty="0" err="1"/>
+              <a:t>zeigen</a:t>
+            </a:r>
+            <a:r>
+              <a:rPr lang="en-US" dirty="0"/>
+              <a:t>.</a:t>
+            </a:r>
+            <a:endParaRPr lang="en-DE" dirty="0"/>
+          </a:p>
+        </p:txBody>
+      </p:sp>
+    </p:spTree>
+    <p:extLst>
+      <p:ext uri="{BB962C8B-B14F-4D97-AF65-F5344CB8AC3E}">
+        <p14:creationId xmlns:p14="http://schemas.microsoft.com/office/powerpoint/2010/main" val="1855404744"/>
+      </p:ext>
+    </p:extLst>
+  </p:cSld>
+  <p:clrMapOvr>
+    <a:masterClrMapping/>
+  </p:clrMapOvr>
+</p:notes>
+</file>
+
+<file path=ppt/notesSlides/notesSlide11.xml><?xml version="1.0" encoding="utf-8"?>
+<p:notes xmlns:a="http://schemas.openxmlformats.org/drawingml/2006/main" xmlns:r="http://schemas.openxmlformats.org/officeDocument/2006/relationships" xmlns:p="http://schemas.openxmlformats.org/presentationml/2006/main">
+  <p:cSld>
+    <p:spTree>
+      <p:nvGrpSpPr>
+        <p:cNvPr id="1" name=""/>
+        <p:cNvGrpSpPr/>
+        <p:nvPr/>
+      </p:nvGrpSpPr>
+      <p:grpSpPr>
+        <a:xfrm>
+          <a:off x="0" y="0"/>
+          <a:ext cx="0" cy="0"/>
+          <a:chOff x="0" y="0"/>
+          <a:chExt cx="0" cy="0"/>
+        </a:xfrm>
+      </p:grpSpPr>
+      <p:sp>
+        <p:nvSpPr>
+          <p:cNvPr id="2" name="Slide Image Placeholder 1"/>
+          <p:cNvSpPr>
+            <a:spLocks noGrp="1" noRot="1" noChangeAspect="1"/>
+          </p:cNvSpPr>
+          <p:nvPr>
+            <p:ph type="sldImg"/>
+          </p:nvPr>
+        </p:nvSpPr>
+        <p:spPr>
+          <a:xfrm>
+            <a:off x="381000" y="685800"/>
+            <a:ext cx="6096000" cy="3429000"/>
+          </a:xfrm>
+        </p:spPr>
+      </p:sp>
+      <p:sp>
+        <p:nvSpPr>
+          <p:cNvPr id="3" name="Notes Placeholder 2"/>
+          <p:cNvSpPr>
+            <a:spLocks noGrp="1"/>
+          </p:cNvSpPr>
+          <p:nvPr>
+            <p:ph type="body" idx="1"/>
+          </p:nvPr>
+        </p:nvSpPr>
+        <p:spPr/>
+        <p:txBody>
+          <a:bodyPr/>
+          <a:lstStyle/>
+          <a:p>
+            <a:pPr marL="139700" indent="0">
+              <a:buNone/>
+            </a:pPr>
+            <a:r>
+              <a:rPr lang="en-US" dirty="0" err="1"/>
+              <a:t>Besondere</a:t>
+            </a:r>
+            <a:r>
+              <a:rPr lang="en-US" dirty="0"/>
+              <a:t> </a:t>
+            </a:r>
+            <a:r>
+              <a:rPr lang="en-US" dirty="0" err="1"/>
+              <a:t>teschniche</a:t>
+            </a:r>
+            <a:r>
+              <a:rPr lang="en-US" dirty="0"/>
+              <a:t> </a:t>
+            </a:r>
+            <a:r>
+              <a:rPr lang="en-US" dirty="0" err="1"/>
+              <a:t>Herausforderung</a:t>
+            </a:r>
+            <a:r>
+              <a:rPr lang="en-US" dirty="0"/>
+              <a:t>: </a:t>
+            </a:r>
+            <a:r>
+              <a:rPr lang="en-US" dirty="0" err="1"/>
+              <a:t>Applikation</a:t>
+            </a:r>
+            <a:r>
+              <a:rPr lang="en-US" dirty="0"/>
+              <a:t> von </a:t>
+            </a:r>
+            <a:r>
+              <a:rPr lang="en-US" dirty="0" err="1"/>
+              <a:t>überall</a:t>
+            </a:r>
+            <a:r>
+              <a:rPr lang="en-US" dirty="0"/>
+              <a:t> </a:t>
+            </a:r>
+            <a:r>
+              <a:rPr lang="en-US" dirty="0" err="1"/>
+              <a:t>erreichbar</a:t>
+            </a:r>
+            <a:r>
+              <a:rPr lang="en-US" dirty="0"/>
+              <a:t>. Web, Mobile, etc.</a:t>
+            </a:r>
+            <a:endParaRPr lang="en-DE" dirty="0"/>
+          </a:p>
+        </p:txBody>
+      </p:sp>
+    </p:spTree>
+    <p:extLst>
+      <p:ext uri="{BB962C8B-B14F-4D97-AF65-F5344CB8AC3E}">
+        <p14:creationId xmlns:p14="http://schemas.microsoft.com/office/powerpoint/2010/main" val="3009084432"/>
+      </p:ext>
+    </p:extLst>
+  </p:cSld>
+  <p:clrMapOvr>
+    <a:masterClrMapping/>
+  </p:clrMapOvr>
+</p:notes>
+</file>
+
+<file path=ppt/notesSlides/notesSlide12.xml><?xml version="1.0" encoding="utf-8"?>
 <p:notes xmlns:a="http://schemas.openxmlformats.org/drawingml/2006/main" xmlns:r="http://schemas.openxmlformats.org/officeDocument/2006/relationships" xmlns:p="http://schemas.openxmlformats.org/presentationml/2006/main" showMasterSp="0" showMasterPhAnim="0">
   <p:cSld>
     <p:spTree>
@@ -913,7 +1330,39 @@
               </a:spcAft>
               <a:buNone/>
             </a:pPr>
-            <a:endParaRPr/>
+            <a:r>
+              <a:rPr lang="en-US" dirty="0"/>
+              <a:t>Was </a:t>
+            </a:r>
+            <a:r>
+              <a:rPr lang="en-US" dirty="0" err="1"/>
+              <a:t>noch</a:t>
+            </a:r>
+            <a:r>
+              <a:rPr lang="en-US" dirty="0"/>
+              <a:t> </a:t>
+            </a:r>
+            <a:r>
+              <a:rPr lang="en-US" dirty="0" err="1"/>
+              <a:t>vor</a:t>
+            </a:r>
+            <a:r>
+              <a:rPr lang="en-US" dirty="0"/>
+              <a:t> </a:t>
+            </a:r>
+            <a:r>
+              <a:rPr lang="en-US" dirty="0" err="1"/>
+              <a:t>uns</a:t>
+            </a:r>
+            <a:r>
+              <a:rPr lang="en-US" dirty="0"/>
+              <a:t> </a:t>
+            </a:r>
+            <a:r>
+              <a:rPr lang="en-US" dirty="0" err="1"/>
+              <a:t>liegt</a:t>
+            </a:r>
+            <a:endParaRPr dirty="0"/>
           </a:p>
         </p:txBody>
       </p:sp>
@@ -930,7 +1379,197 @@
 </p:notes>
 </file>
 
-<file path=ppt/notesSlides/notesSlide11.xml><?xml version="1.0" encoding="utf-8"?>
+<file path=ppt/notesSlides/notesSlide13.xml><?xml version="1.0" encoding="utf-8"?>
+<p:notes xmlns:a="http://schemas.openxmlformats.org/drawingml/2006/main" xmlns:r="http://schemas.openxmlformats.org/officeDocument/2006/relationships" xmlns:p="http://schemas.openxmlformats.org/presentationml/2006/main">
+  <p:cSld>
+    <p:spTree>
+      <p:nvGrpSpPr>
+        <p:cNvPr id="1" name=""/>
+        <p:cNvGrpSpPr/>
+        <p:nvPr/>
+      </p:nvGrpSpPr>
+      <p:grpSpPr>
+        <a:xfrm>
+          <a:off x="0" y="0"/>
+          <a:ext cx="0" cy="0"/>
+          <a:chOff x="0" y="0"/>
+          <a:chExt cx="0" cy="0"/>
+        </a:xfrm>
+      </p:grpSpPr>
+      <p:sp>
+        <p:nvSpPr>
+          <p:cNvPr id="2" name="Slide Image Placeholder 1"/>
+          <p:cNvSpPr>
+            <a:spLocks noGrp="1" noRot="1" noChangeAspect="1"/>
+          </p:cNvSpPr>
+          <p:nvPr>
+            <p:ph type="sldImg"/>
+          </p:nvPr>
+        </p:nvSpPr>
+        <p:spPr>
+          <a:xfrm>
+            <a:off x="381000" y="685800"/>
+            <a:ext cx="6096000" cy="3429000"/>
+          </a:xfrm>
+        </p:spPr>
+      </p:sp>
+      <p:sp>
+        <p:nvSpPr>
+          <p:cNvPr id="3" name="Notes Placeholder 2"/>
+          <p:cNvSpPr>
+            <a:spLocks noGrp="1"/>
+          </p:cNvSpPr>
+          <p:nvPr>
+            <p:ph type="body" idx="1"/>
+          </p:nvPr>
+        </p:nvSpPr>
+        <p:spPr/>
+        <p:txBody>
+          <a:bodyPr/>
+          <a:lstStyle/>
+          <a:p>
+            <a:pPr marL="139700" indent="0">
+              <a:buNone/>
+            </a:pPr>
+            <a:r>
+              <a:rPr lang="en-US" dirty="0" err="1"/>
+              <a:t>Unsere</a:t>
+            </a:r>
+            <a:r>
+              <a:rPr lang="en-US" dirty="0"/>
+              <a:t> </a:t>
+            </a:r>
+            <a:r>
+              <a:rPr lang="en-US" dirty="0" err="1"/>
+              <a:t>Hauptaufgaben</a:t>
+            </a:r>
+            <a:r>
+              <a:rPr lang="en-US" dirty="0"/>
+              <a:t> die </a:t>
+            </a:r>
+            <a:r>
+              <a:rPr lang="en-US" dirty="0" err="1"/>
+              <a:t>noch</a:t>
+            </a:r>
+            <a:r>
+              <a:rPr lang="en-US" dirty="0"/>
+              <a:t> </a:t>
+            </a:r>
+            <a:r>
+              <a:rPr lang="en-US" dirty="0" err="1"/>
+              <a:t>vor</a:t>
+            </a:r>
+            <a:r>
+              <a:rPr lang="en-US" dirty="0"/>
+              <a:t> </a:t>
+            </a:r>
+            <a:r>
+              <a:rPr lang="en-US" dirty="0" err="1"/>
+              <a:t>uns</a:t>
+            </a:r>
+            <a:r>
+              <a:rPr lang="en-US" dirty="0"/>
+              <a:t> </a:t>
+            </a:r>
+            <a:r>
+              <a:rPr lang="en-US" dirty="0" err="1"/>
+              <a:t>liegen</a:t>
+            </a:r>
+            <a:r>
+              <a:rPr lang="en-US" dirty="0"/>
+              <a:t>:</a:t>
+            </a:r>
+          </a:p>
+          <a:p>
+            <a:pPr marL="368300" indent="-228600">
+              <a:buAutoNum type="arabicPeriod"/>
+            </a:pPr>
+            <a:r>
+              <a:rPr lang="en-US" dirty="0" err="1"/>
+              <a:t>Restliche</a:t>
+            </a:r>
+            <a:r>
+              <a:rPr lang="en-US" dirty="0"/>
+              <a:t> Filter </a:t>
+            </a:r>
+            <a:r>
+              <a:rPr lang="en-US" dirty="0" err="1"/>
+              <a:t>definieren</a:t>
+            </a:r>
+            <a:endParaRPr lang="en-US" dirty="0"/>
+          </a:p>
+          <a:p>
+            <a:pPr marL="368300" indent="-228600">
+              <a:buAutoNum type="arabicPeriod"/>
+            </a:pPr>
+            <a:r>
+              <a:rPr lang="en-US" dirty="0" err="1"/>
+              <a:t>Mehr</a:t>
+            </a:r>
+            <a:r>
+              <a:rPr lang="en-US" dirty="0"/>
+              <a:t> Demo </a:t>
+            </a:r>
+            <a:r>
+              <a:rPr lang="en-US" dirty="0" err="1"/>
+              <a:t>Daten</a:t>
+            </a:r>
+            <a:endParaRPr lang="en-US" dirty="0"/>
+          </a:p>
+          <a:p>
+            <a:pPr marL="368300" indent="-228600">
+              <a:buAutoNum type="arabicPeriod"/>
+            </a:pPr>
+            <a:r>
+              <a:rPr lang="en-US" dirty="0"/>
+              <a:t>Detail </a:t>
+            </a:r>
+            <a:r>
+              <a:rPr lang="en-US" dirty="0" err="1"/>
+              <a:t>ansicht</a:t>
+            </a:r>
+            <a:r>
+              <a:rPr lang="en-US" dirty="0"/>
+              <a:t> </a:t>
+            </a:r>
+            <a:r>
+              <a:rPr lang="en-US" dirty="0" err="1"/>
+              <a:t>einzelner</a:t>
+            </a:r>
+            <a:r>
+              <a:rPr lang="en-US" dirty="0"/>
+              <a:t> Autos </a:t>
+            </a:r>
+            <a:r>
+              <a:rPr lang="en-US" dirty="0" err="1"/>
+              <a:t>mit</a:t>
+            </a:r>
+            <a:r>
+              <a:rPr lang="en-US" dirty="0"/>
+              <a:t> </a:t>
+            </a:r>
+            <a:r>
+              <a:rPr lang="en-US" dirty="0" err="1"/>
+              <a:t>Bewertung</a:t>
+            </a:r>
+            <a:endParaRPr lang="en-US" dirty="0"/>
+          </a:p>
+        </p:txBody>
+      </p:sp>
+    </p:spTree>
+    <p:extLst>
+      <p:ext uri="{BB962C8B-B14F-4D97-AF65-F5344CB8AC3E}">
+        <p14:creationId xmlns:p14="http://schemas.microsoft.com/office/powerpoint/2010/main" val="3109595441"/>
+      </p:ext>
+    </p:extLst>
+  </p:cSld>
+  <p:clrMapOvr>
+    <a:masterClrMapping/>
+  </p:clrMapOvr>
+</p:notes>
+</file>
+
+<file path=ppt/notesSlides/notesSlide14.xml><?xml version="1.0" encoding="utf-8"?>
 <p:notes xmlns:a="http://schemas.openxmlformats.org/drawingml/2006/main" xmlns:r="http://schemas.openxmlformats.org/officeDocument/2006/relationships" xmlns:p="http://schemas.openxmlformats.org/presentationml/2006/main" showMasterSp="0" showMasterPhAnim="0">
   <p:cSld>
     <p:spTree>
@@ -1022,7 +1661,27 @@
               </a:spcAft>
               <a:buNone/>
             </a:pPr>
-            <a:endParaRPr/>
+            <a:r>
+              <a:rPr lang="en-US" dirty="0"/>
+              <a:t>Hoch </a:t>
+            </a:r>
+            <a:r>
+              <a:rPr lang="en-US" dirty="0" err="1"/>
+              <a:t>fragen</a:t>
+            </a:r>
+            <a:r>
+              <a:rPr lang="en-US" dirty="0"/>
+              <a:t>? (</a:t>
+            </a:r>
+            <a:r>
+              <a:rPr lang="en-US" dirty="0" err="1"/>
+              <a:t>Noch</a:t>
+            </a:r>
+            <a:r>
+              <a:rPr lang="en-US" dirty="0"/>
+              <a:t> Zeit?)</a:t>
+            </a:r>
+            <a:endParaRPr dirty="0"/>
           </a:p>
         </p:txBody>
       </p:sp>
@@ -1126,7 +1785,162 @@
               </a:spcAft>
               <a:buNone/>
             </a:pPr>
-            <a:endParaRPr/>
+            <a:r>
+              <a:rPr lang="en-US" dirty="0" err="1"/>
+              <a:t>Aufhänger</a:t>
+            </a:r>
+            <a:r>
+              <a:rPr lang="en-US" dirty="0"/>
+              <a:t>, Interesse </a:t>
+            </a:r>
+            <a:r>
+              <a:rPr lang="en-US" dirty="0" err="1"/>
+              <a:t>wecken</a:t>
+            </a:r>
+            <a:endParaRPr lang="en-US" dirty="0"/>
+          </a:p>
+          <a:p>
+            <a:pPr marL="0" lvl="0" indent="0" algn="l" rtl="0">
+              <a:spcBef>
+                <a:spcPts val="0"/>
+              </a:spcBef>
+              <a:spcAft>
+                <a:spcPts val="0"/>
+              </a:spcAft>
+              <a:buNone/>
+            </a:pPr>
+            <a:endParaRPr lang="en-US" dirty="0"/>
+          </a:p>
+          <a:p>
+            <a:pPr marL="0" lvl="0" indent="0" algn="l" rtl="0">
+              <a:spcBef>
+                <a:spcPts val="0"/>
+              </a:spcBef>
+              <a:spcAft>
+                <a:spcPts val="0"/>
+              </a:spcAft>
+              <a:buNone/>
+            </a:pPr>
+            <a:r>
+              <a:rPr lang="en-US" dirty="0" err="1"/>
+              <a:t>Marktlücke</a:t>
+            </a:r>
+            <a:r>
+              <a:rPr lang="en-US" dirty="0"/>
+              <a:t>??</a:t>
+            </a:r>
+          </a:p>
+          <a:p>
+            <a:pPr marL="0" lvl="0" indent="0" algn="l" rtl="0">
+              <a:spcBef>
+                <a:spcPts val="0"/>
+              </a:spcBef>
+              <a:spcAft>
+                <a:spcPts val="0"/>
+              </a:spcAft>
+              <a:buNone/>
+            </a:pPr>
+            <a:endParaRPr lang="en-US" dirty="0"/>
+          </a:p>
+          <a:p>
+            <a:pPr marL="0" lvl="0" indent="0" algn="l" rtl="0">
+              <a:spcBef>
+                <a:spcPts val="0"/>
+              </a:spcBef>
+              <a:spcAft>
+                <a:spcPts val="0"/>
+              </a:spcAft>
+              <a:buNone/>
+            </a:pPr>
+            <a:r>
+              <a:rPr lang="en-US" dirty="0" err="1"/>
+              <a:t>Kurze</a:t>
+            </a:r>
+            <a:r>
+              <a:rPr lang="en-US" dirty="0"/>
+              <a:t> </a:t>
+            </a:r>
+            <a:r>
+              <a:rPr lang="en-US" dirty="0" err="1"/>
+              <a:t>Vorstellung</a:t>
+            </a:r>
+            <a:r>
+              <a:rPr lang="en-US" dirty="0"/>
+              <a:t> der </a:t>
+            </a:r>
+            <a:r>
+              <a:rPr lang="en-US" dirty="0" err="1"/>
+              <a:t>Personen</a:t>
+            </a:r>
+            <a:endParaRPr lang="en-US" dirty="0"/>
+          </a:p>
+          <a:p>
+            <a:pPr marL="0" lvl="0" indent="0" algn="l" rtl="0">
+              <a:spcBef>
+                <a:spcPts val="0"/>
+              </a:spcBef>
+              <a:spcAft>
+                <a:spcPts val="0"/>
+              </a:spcAft>
+              <a:buNone/>
+            </a:pPr>
+            <a:r>
+              <a:rPr lang="en-US" dirty="0" err="1"/>
+              <a:t>Wann</a:t>
+            </a:r>
+            <a:r>
+              <a:rPr lang="en-US" dirty="0"/>
+              <a:t> </a:t>
+            </a:r>
+            <a:r>
+              <a:rPr lang="en-US" dirty="0" err="1"/>
+              <a:t>Fragen</a:t>
+            </a:r>
+            <a:r>
+              <a:rPr lang="en-US" dirty="0"/>
+              <a:t> </a:t>
+            </a:r>
+            <a:r>
+              <a:rPr lang="en-US" dirty="0" err="1"/>
+              <a:t>stellen</a:t>
+            </a:r>
+            <a:r>
+              <a:rPr lang="en-US" dirty="0"/>
+              <a:t>? (-&gt; Am Ende, </a:t>
+            </a:r>
+            <a:r>
+              <a:rPr lang="en-US" dirty="0" err="1"/>
+              <a:t>wenn</a:t>
+            </a:r>
+            <a:r>
+              <a:rPr lang="en-US" dirty="0"/>
+              <a:t> Zeit und </a:t>
+            </a:r>
+            <a:r>
+              <a:rPr lang="en-US" dirty="0" err="1"/>
+              <a:t>bei</a:t>
+            </a:r>
+            <a:r>
+              <a:rPr lang="en-US" dirty="0"/>
+              <a:t> </a:t>
+            </a:r>
+            <a:r>
+              <a:rPr lang="en-US" dirty="0" err="1"/>
+              <a:t>Verständis</a:t>
+            </a:r>
+            <a:r>
+              <a:rPr lang="en-US" dirty="0"/>
+              <a:t> </a:t>
+            </a:r>
+            <a:r>
+              <a:rPr lang="en-US" dirty="0" err="1"/>
+              <a:t>direkt</a:t>
+            </a:r>
+            <a:r>
+              <a:rPr lang="en-US" dirty="0"/>
+              <a:t>)</a:t>
+            </a:r>
+            <a:endParaRPr dirty="0"/>
           </a:p>
         </p:txBody>
       </p:sp>
@@ -1347,6 +2161,98 @@
 </file>
 
 <file path=ppt/notesSlides/notesSlide5.xml><?xml version="1.0" encoding="utf-8"?>
+<p:notes xmlns:a="http://schemas.openxmlformats.org/drawingml/2006/main" xmlns:r="http://schemas.openxmlformats.org/officeDocument/2006/relationships" xmlns:p="http://schemas.openxmlformats.org/presentationml/2006/main">
+  <p:cSld>
+    <p:spTree>
+      <p:nvGrpSpPr>
+        <p:cNvPr id="1" name=""/>
+        <p:cNvGrpSpPr/>
+        <p:nvPr/>
+      </p:nvGrpSpPr>
+      <p:grpSpPr>
+        <a:xfrm>
+          <a:off x="0" y="0"/>
+          <a:ext cx="0" cy="0"/>
+          <a:chOff x="0" y="0"/>
+          <a:chExt cx="0" cy="0"/>
+        </a:xfrm>
+      </p:grpSpPr>
+      <p:sp>
+        <p:nvSpPr>
+          <p:cNvPr id="2" name="Slide Image Placeholder 1"/>
+          <p:cNvSpPr>
+            <a:spLocks noGrp="1" noRot="1" noChangeAspect="1"/>
+          </p:cNvSpPr>
+          <p:nvPr>
+            <p:ph type="sldImg"/>
+          </p:nvPr>
+        </p:nvSpPr>
+        <p:spPr>
+          <a:xfrm>
+            <a:off x="381000" y="685800"/>
+            <a:ext cx="6096000" cy="3429000"/>
+          </a:xfrm>
+        </p:spPr>
+      </p:sp>
+      <p:sp>
+        <p:nvSpPr>
+          <p:cNvPr id="3" name="Notes Placeholder 2"/>
+          <p:cNvSpPr>
+            <a:spLocks noGrp="1"/>
+          </p:cNvSpPr>
+          <p:nvPr>
+            <p:ph type="body" idx="1"/>
+          </p:nvPr>
+        </p:nvSpPr>
+        <p:spPr/>
+        <p:txBody>
+          <a:bodyPr/>
+          <a:lstStyle/>
+          <a:p>
+            <a:pPr marL="139700" indent="0">
+              <a:buNone/>
+            </a:pPr>
+            <a:r>
+              <a:rPr lang="en-US" dirty="0"/>
+              <a:t>Da </a:t>
+            </a:r>
+            <a:r>
+              <a:rPr lang="en-US" dirty="0" err="1"/>
+              <a:t>kommt</a:t>
+            </a:r>
+            <a:r>
+              <a:rPr lang="en-US" dirty="0"/>
+              <a:t> Driving-E-Car.de ins Spiel!</a:t>
+            </a:r>
+          </a:p>
+          <a:p>
+            <a:pPr marL="139700" indent="0">
+              <a:buNone/>
+            </a:pPr>
+            <a:endParaRPr lang="en-US" dirty="0"/>
+          </a:p>
+          <a:p>
+            <a:pPr marL="139700" indent="0">
+              <a:buNone/>
+            </a:pPr>
+            <a:endParaRPr lang="en-DE" dirty="0"/>
+          </a:p>
+        </p:txBody>
+      </p:sp>
+    </p:spTree>
+    <p:extLst>
+      <p:ext uri="{BB962C8B-B14F-4D97-AF65-F5344CB8AC3E}">
+        <p14:creationId xmlns:p14="http://schemas.microsoft.com/office/powerpoint/2010/main" val="1734127509"/>
+      </p:ext>
+    </p:extLst>
+  </p:cSld>
+  <p:clrMapOvr>
+    <a:masterClrMapping/>
+  </p:clrMapOvr>
+</p:notes>
+</file>
+
+<file path=ppt/notesSlides/notesSlide6.xml><?xml version="1.0" encoding="utf-8"?>
 <p:notes xmlns:a="http://schemas.openxmlformats.org/drawingml/2006/main" xmlns:r="http://schemas.openxmlformats.org/officeDocument/2006/relationships" xmlns:p="http://schemas.openxmlformats.org/presentationml/2006/main" showMasterSp="0" showMasterPhAnim="0">
   <p:cSld>
     <p:spTree>
@@ -1438,7 +2344,221 @@
               </a:spcAft>
               <a:buNone/>
             </a:pPr>
-            <a:endParaRPr/>
+            <a:r>
+              <a:rPr lang="en-US" dirty="0" err="1"/>
+              <a:t>Kunden</a:t>
+            </a:r>
+            <a:r>
+              <a:rPr lang="en-US" dirty="0"/>
+              <a:t> direct </a:t>
+            </a:r>
+            <a:r>
+              <a:rPr lang="en-US" dirty="0" err="1"/>
+              <a:t>ansprechen</a:t>
+            </a:r>
+            <a:endParaRPr lang="en-US" dirty="0"/>
+          </a:p>
+          <a:p>
+            <a:pPr marL="0" lvl="0" indent="0" algn="l" rtl="0">
+              <a:spcBef>
+                <a:spcPts val="0"/>
+              </a:spcBef>
+              <a:spcAft>
+                <a:spcPts val="0"/>
+              </a:spcAft>
+              <a:buNone/>
+            </a:pPr>
+            <a:endParaRPr lang="en-US" dirty="0"/>
+          </a:p>
+          <a:p>
+            <a:pPr marL="0" lvl="0" indent="0" algn="l" rtl="0">
+              <a:spcBef>
+                <a:spcPts val="0"/>
+              </a:spcBef>
+              <a:spcAft>
+                <a:spcPts val="0"/>
+              </a:spcAft>
+              <a:buNone/>
+            </a:pPr>
+            <a:r>
+              <a:rPr lang="en-US" dirty="0"/>
+              <a:t>“Herr </a:t>
+            </a:r>
+            <a:r>
+              <a:rPr lang="en-US" dirty="0" err="1"/>
+              <a:t>Jarzina</a:t>
+            </a:r>
+            <a:r>
+              <a:rPr lang="en-US" dirty="0"/>
+              <a:t>, </a:t>
+            </a:r>
+            <a:r>
+              <a:rPr lang="en-US" dirty="0" err="1"/>
+              <a:t>vielleicht</a:t>
+            </a:r>
+            <a:r>
+              <a:rPr lang="en-US" dirty="0"/>
+              <a:t> </a:t>
+            </a:r>
+            <a:r>
+              <a:rPr lang="en-US" dirty="0" err="1"/>
+              <a:t>erinneren</a:t>
+            </a:r>
+            <a:r>
+              <a:rPr lang="en-US" dirty="0"/>
+              <a:t> Sie </a:t>
+            </a:r>
+            <a:r>
+              <a:rPr lang="en-US" dirty="0" err="1"/>
+              <a:t>sich</a:t>
+            </a:r>
+            <a:r>
+              <a:rPr lang="en-US" dirty="0"/>
+              <a:t>, </a:t>
+            </a:r>
+            <a:r>
+              <a:rPr lang="en-US" dirty="0" err="1"/>
+              <a:t>ihr</a:t>
+            </a:r>
+            <a:r>
+              <a:rPr lang="en-US" dirty="0"/>
+              <a:t> </a:t>
+            </a:r>
+            <a:r>
+              <a:rPr lang="en-US" dirty="0" err="1"/>
+              <a:t>Einstieg</a:t>
+            </a:r>
+            <a:r>
+              <a:rPr lang="en-US" dirty="0"/>
+              <a:t> </a:t>
+            </a:r>
+            <a:r>
+              <a:rPr lang="en-US" dirty="0" err="1"/>
+              <a:t>im</a:t>
+            </a:r>
+            <a:r>
+              <a:rPr lang="en-US" dirty="0"/>
+              <a:t> </a:t>
+            </a:r>
+            <a:r>
+              <a:rPr lang="en-US" dirty="0" err="1"/>
+              <a:t>ersten</a:t>
+            </a:r>
+            <a:r>
+              <a:rPr lang="en-US" dirty="0"/>
+              <a:t> Meeting was …”</a:t>
+            </a:r>
+          </a:p>
+          <a:p>
+            <a:pPr marL="0" marR="0" lvl="0" indent="0" algn="l" defTabSz="914400" rtl="0" eaLnBrk="1" fontAlgn="auto" latinLnBrk="0" hangingPunct="1">
+              <a:lnSpc>
+                <a:spcPct val="100000"/>
+              </a:lnSpc>
+              <a:spcBef>
+                <a:spcPts val="0"/>
+              </a:spcBef>
+              <a:spcAft>
+                <a:spcPts val="0"/>
+              </a:spcAft>
+              <a:buClr>
+                <a:srgbClr val="000000"/>
+              </a:buClr>
+              <a:buSzPts val="1400"/>
+              <a:buFont typeface="Arial"/>
+              <a:buNone/>
+              <a:tabLst/>
+              <a:defRPr/>
+            </a:pPr>
+            <a:endParaRPr lang="en-US" dirty="0"/>
+          </a:p>
+          <a:p>
+            <a:pPr marL="0" marR="0" lvl="0" indent="0" algn="l" defTabSz="914400" rtl="0" eaLnBrk="1" fontAlgn="auto" latinLnBrk="0" hangingPunct="1">
+              <a:lnSpc>
+                <a:spcPct val="100000"/>
+              </a:lnSpc>
+              <a:spcBef>
+                <a:spcPts val="0"/>
+              </a:spcBef>
+              <a:spcAft>
+                <a:spcPts val="0"/>
+              </a:spcAft>
+              <a:buClr>
+                <a:srgbClr val="000000"/>
+              </a:buClr>
+              <a:buSzPts val="1400"/>
+              <a:buFont typeface="Arial"/>
+              <a:buNone/>
+              <a:tabLst/>
+              <a:defRPr/>
+            </a:pPr>
+            <a:r>
+              <a:rPr lang="en-US" dirty="0" err="1"/>
+              <a:t>Unsere</a:t>
+            </a:r>
+            <a:r>
+              <a:rPr lang="en-US" dirty="0"/>
+              <a:t> </a:t>
+            </a:r>
+            <a:r>
+              <a:rPr lang="en-US" dirty="0" err="1"/>
+              <a:t>persönliche</a:t>
+            </a:r>
+            <a:r>
+              <a:rPr lang="en-US" dirty="0"/>
+              <a:t> und </a:t>
+            </a:r>
+            <a:r>
+              <a:rPr lang="en-US" dirty="0" err="1"/>
+              <a:t>technischer</a:t>
+            </a:r>
+            <a:r>
+              <a:rPr lang="en-US" dirty="0"/>
+              <a:t> </a:t>
+            </a:r>
+            <a:r>
+              <a:rPr lang="en-US" dirty="0" err="1"/>
+              <a:t>Herausforderung</a:t>
+            </a:r>
+            <a:r>
+              <a:rPr lang="en-US" dirty="0"/>
+              <a:t>: von </a:t>
+            </a:r>
+            <a:r>
+              <a:rPr lang="en-US" dirty="0" err="1"/>
+              <a:t>überall</a:t>
+            </a:r>
+            <a:r>
+              <a:rPr lang="en-US" dirty="0"/>
+              <a:t> </a:t>
+            </a:r>
+            <a:r>
+              <a:rPr lang="en-US" dirty="0" err="1"/>
+              <a:t>erreichbar</a:t>
+            </a:r>
+            <a:r>
+              <a:rPr lang="en-US" dirty="0"/>
+              <a:t> (Web, Mobile, </a:t>
+            </a:r>
+            <a:r>
+              <a:rPr lang="en-US" dirty="0" err="1"/>
+              <a:t>ect</a:t>
+            </a:r>
+            <a:r>
+              <a:rPr lang="en-US" dirty="0"/>
+              <a:t>.)</a:t>
+            </a:r>
+          </a:p>
+          <a:p>
+            <a:pPr marL="0" lvl="0" indent="0" algn="l" rtl="0">
+              <a:spcBef>
+                <a:spcPts val="0"/>
+              </a:spcBef>
+              <a:spcAft>
+                <a:spcPts val="0"/>
+              </a:spcAft>
+              <a:buNone/>
+            </a:pPr>
+            <a:endParaRPr dirty="0"/>
           </a:p>
         </p:txBody>
       </p:sp>
@@ -1450,7 +2570,7 @@
 </p:notes>
 </file>
 
-<file path=ppt/notesSlides/notesSlide6.xml><?xml version="1.0" encoding="utf-8"?>
+<file path=ppt/notesSlides/notesSlide7.xml><?xml version="1.0" encoding="utf-8"?>
 <p:notes xmlns:a="http://schemas.openxmlformats.org/drawingml/2006/main" xmlns:r="http://schemas.openxmlformats.org/officeDocument/2006/relationships" xmlns:p="http://schemas.openxmlformats.org/presentationml/2006/main" showMasterSp="0" showMasterPhAnim="0">
   <p:cSld>
     <p:spTree>
@@ -1533,23 +2653,54 @@
           </a:bodyPr>
           <a:lstStyle/>
           <a:p>
-            <a:pPr marL="0" lvl="0" indent="0" algn="l" rtl="0">
+            <a:pPr marL="228600" lvl="0" indent="-228600" algn="l" rtl="0">
               <a:spcBef>
                 <a:spcPts val="0"/>
               </a:spcBef>
               <a:spcAft>
                 <a:spcPts val="0"/>
               </a:spcAft>
-              <a:buNone/>
+              <a:buAutoNum type="arabicPeriod"/>
             </a:pPr>
-            <a:endParaRPr/>
+            <a:r>
+              <a:rPr lang="en-US" dirty="0" err="1"/>
+              <a:t>Entscheidung</a:t>
+            </a:r>
+            <a:r>
+              <a:rPr lang="en-US" dirty="0"/>
+              <a:t>: </a:t>
+            </a:r>
+            <a:r>
+              <a:rPr lang="en-US" dirty="0" err="1"/>
+              <a:t>Adminbereich</a:t>
+            </a:r>
+            <a:r>
+              <a:rPr lang="en-US" dirty="0"/>
+              <a:t> -&gt; phpMyAdmin</a:t>
+            </a:r>
+          </a:p>
+          <a:p>
+            <a:pPr marL="228600" lvl="0" indent="-228600" algn="l" rtl="0">
+              <a:spcBef>
+                <a:spcPts val="0"/>
+              </a:spcBef>
+              <a:spcAft>
+                <a:spcPts val="0"/>
+              </a:spcAft>
+              <a:buAutoNum type="arabicPeriod"/>
+            </a:pPr>
+            <a:r>
+              <a:rPr lang="en-US" dirty="0"/>
+              <a:t>Next page</a:t>
+            </a:r>
+            <a:endParaRPr dirty="0"/>
           </a:p>
         </p:txBody>
       </p:sp>
     </p:spTree>
     <p:extLst>
       <p:ext uri="{BB962C8B-B14F-4D97-AF65-F5344CB8AC3E}">
-        <p14:creationId xmlns:p14="http://schemas.microsoft.com/office/powerpoint/2010/main" val="2126397570"/>
+        <p14:creationId xmlns:p14="http://schemas.microsoft.com/office/powerpoint/2010/main" val="1332643520"/>
       </p:ext>
     </p:extLst>
   </p:cSld>
@@ -1559,7 +2710,7 @@
 </p:notes>
 </file>
 
-<file path=ppt/notesSlides/notesSlide7.xml><?xml version="1.0" encoding="utf-8"?>
+<file path=ppt/notesSlides/notesSlide8.xml><?xml version="1.0" encoding="utf-8"?>
 <p:notes xmlns:a="http://schemas.openxmlformats.org/drawingml/2006/main" xmlns:r="http://schemas.openxmlformats.org/officeDocument/2006/relationships" xmlns:p="http://schemas.openxmlformats.org/presentationml/2006/main" showMasterSp="0" showMasterPhAnim="0">
   <p:cSld>
     <p:spTree>
@@ -1651,120 +2802,260 @@
               </a:spcAft>
               <a:buNone/>
             </a:pPr>
-            <a:endParaRPr/>
+            <a:r>
+              <a:rPr lang="en-US" dirty="0"/>
+              <a:t>Was </a:t>
+            </a:r>
+            <a:r>
+              <a:rPr lang="en-US" dirty="0" err="1"/>
+              <a:t>ermöglicht</a:t>
+            </a:r>
+            <a:r>
+              <a:rPr lang="en-US" dirty="0"/>
+              <a:t> </a:t>
+            </a:r>
+            <a:r>
+              <a:rPr lang="en-US" dirty="0" err="1"/>
+              <a:t>diese</a:t>
+            </a:r>
+            <a:r>
+              <a:rPr lang="en-US" dirty="0"/>
+              <a:t> </a:t>
+            </a:r>
+            <a:r>
+              <a:rPr lang="en-US" dirty="0" err="1"/>
+              <a:t>Technisk</a:t>
+            </a:r>
+            <a:endParaRPr lang="en-US" dirty="0"/>
+          </a:p>
+          <a:p>
+            <a:pPr marL="0" lvl="0" indent="0" algn="l" rtl="0">
+              <a:spcBef>
+                <a:spcPts val="0"/>
+              </a:spcBef>
+              <a:spcAft>
+                <a:spcPts val="0"/>
+              </a:spcAft>
+              <a:buNone/>
+            </a:pPr>
+            <a:r>
+              <a:rPr lang="en-US" dirty="0"/>
+              <a:t>Was </a:t>
+            </a:r>
+            <a:r>
+              <a:rPr lang="en-US" dirty="0" err="1"/>
+              <a:t>haben</a:t>
+            </a:r>
+            <a:r>
+              <a:rPr lang="en-US" dirty="0"/>
+              <a:t> </a:t>
+            </a:r>
+            <a:r>
+              <a:rPr lang="en-US" dirty="0" err="1"/>
+              <a:t>wir</a:t>
+            </a:r>
+            <a:r>
+              <a:rPr lang="en-US" dirty="0"/>
+              <a:t> </a:t>
+            </a:r>
+            <a:r>
+              <a:rPr lang="en-US" dirty="0" err="1"/>
+              <a:t>gemeinsam</a:t>
+            </a:r>
+            <a:r>
+              <a:rPr lang="en-US" dirty="0"/>
+              <a:t> </a:t>
+            </a:r>
+            <a:r>
+              <a:rPr lang="en-US" dirty="0" err="1"/>
+              <a:t>erarbeitet</a:t>
+            </a:r>
+            <a:r>
+              <a:rPr lang="en-US" dirty="0"/>
+              <a:t>, was </a:t>
+            </a:r>
+            <a:r>
+              <a:rPr lang="en-US" dirty="0" err="1"/>
+              <a:t>wir</a:t>
+            </a:r>
+            <a:r>
+              <a:rPr lang="en-US" dirty="0"/>
+              <a:t> </a:t>
+            </a:r>
+            <a:r>
+              <a:rPr lang="en-US" dirty="0" err="1"/>
+              <a:t>als</a:t>
+            </a:r>
+            <a:r>
+              <a:rPr lang="en-US" dirty="0"/>
+              <a:t> </a:t>
+            </a:r>
+            <a:r>
+              <a:rPr lang="en-US" dirty="0" err="1"/>
+              <a:t>unser</a:t>
+            </a:r>
+            <a:r>
+              <a:rPr lang="en-US" dirty="0"/>
+              <a:t> Team (</a:t>
+            </a:r>
+            <a:r>
+              <a:rPr lang="en-US" dirty="0" err="1"/>
+              <a:t>z.B</a:t>
+            </a:r>
+            <a:r>
+              <a:rPr lang="en-US" dirty="0"/>
+              <a:t>. </a:t>
+            </a:r>
+            <a:r>
+              <a:rPr lang="en-US" dirty="0" err="1"/>
+              <a:t>wir</a:t>
+            </a:r>
+            <a:r>
+              <a:rPr lang="en-US" dirty="0"/>
+              <a:t> plus electron)</a:t>
+            </a:r>
+          </a:p>
+          <a:p>
+            <a:pPr marL="0" lvl="0" indent="0" algn="l" rtl="0">
+              <a:spcBef>
+                <a:spcPts val="0"/>
+              </a:spcBef>
+              <a:spcAft>
+                <a:spcPts val="0"/>
+              </a:spcAft>
+              <a:buNone/>
+            </a:pPr>
+            <a:endParaRPr lang="en-US" dirty="0"/>
+          </a:p>
+          <a:p>
+            <a:pPr marL="0" lvl="0" indent="0" algn="l" rtl="0">
+              <a:spcBef>
+                <a:spcPts val="0"/>
+              </a:spcBef>
+              <a:spcAft>
+                <a:spcPts val="0"/>
+              </a:spcAft>
+              <a:buNone/>
+            </a:pPr>
+            <a:r>
+              <a:rPr lang="en-US" dirty="0"/>
+              <a:t>Technik: Angular (GUI), Ionic (</a:t>
+            </a:r>
+            <a:r>
+              <a:rPr lang="en-US" dirty="0" err="1"/>
+              <a:t>cordova</a:t>
+            </a:r>
+            <a:r>
+              <a:rPr lang="en-US" dirty="0"/>
+              <a:t>, Mobile App Builder), Electron (Desktop)</a:t>
+            </a:r>
+          </a:p>
+          <a:p>
+            <a:pPr marL="0" lvl="0" indent="0" algn="l" rtl="0">
+              <a:spcBef>
+                <a:spcPts val="0"/>
+              </a:spcBef>
+              <a:spcAft>
+                <a:spcPts val="0"/>
+              </a:spcAft>
+              <a:buNone/>
+            </a:pPr>
+            <a:endParaRPr lang="en-US" dirty="0"/>
+          </a:p>
+          <a:p>
+            <a:pPr marL="0" lvl="0" indent="0" algn="l" rtl="0">
+              <a:spcBef>
+                <a:spcPts val="0"/>
+              </a:spcBef>
+              <a:spcAft>
+                <a:spcPts val="0"/>
+              </a:spcAft>
+              <a:buNone/>
+            </a:pPr>
+            <a:r>
+              <a:rPr lang="en-US" dirty="0" err="1"/>
+              <a:t>Ggf</a:t>
+            </a:r>
+            <a:r>
+              <a:rPr lang="en-US" dirty="0"/>
+              <a:t>. Falls Zeit </a:t>
+            </a:r>
+            <a:r>
+              <a:rPr lang="en-US" dirty="0" err="1"/>
+              <a:t>für</a:t>
+            </a:r>
+            <a:r>
+              <a:rPr lang="en-US" dirty="0"/>
+              <a:t> </a:t>
+            </a:r>
+            <a:r>
+              <a:rPr lang="en-US" dirty="0" err="1"/>
+              <a:t>grobes</a:t>
+            </a:r>
+            <a:r>
+              <a:rPr lang="en-US" dirty="0"/>
+              <a:t> </a:t>
+            </a:r>
+            <a:r>
+              <a:rPr lang="en-US" dirty="0" err="1"/>
+              <a:t>technisches</a:t>
+            </a:r>
+            <a:r>
+              <a:rPr lang="en-US" dirty="0"/>
+              <a:t> </a:t>
+            </a:r>
+            <a:r>
+              <a:rPr lang="en-US" dirty="0" err="1"/>
+              <a:t>Verständnis</a:t>
+            </a:r>
+            <a:r>
+              <a:rPr lang="en-US" dirty="0"/>
+              <a:t> und </a:t>
+            </a:r>
+            <a:r>
+              <a:rPr lang="en-US" dirty="0" err="1"/>
+              <a:t>für</a:t>
+            </a:r>
+            <a:r>
+              <a:rPr lang="en-US" dirty="0"/>
+              <a:t> den </a:t>
+            </a:r>
+            <a:r>
+              <a:rPr lang="en-US" dirty="0" err="1"/>
+              <a:t>Unterschied</a:t>
+            </a:r>
+            <a:r>
+              <a:rPr lang="en-US" dirty="0"/>
+              <a:t> </a:t>
+            </a:r>
+            <a:r>
+              <a:rPr lang="en-US" dirty="0" err="1"/>
+              <a:t>architektur</a:t>
+            </a:r>
+            <a:r>
+              <a:rPr lang="en-US" dirty="0"/>
+              <a:t> </a:t>
+            </a:r>
+            <a:r>
+              <a:rPr lang="en-US" dirty="0" err="1"/>
+              <a:t>Bilder</a:t>
+            </a:r>
+            <a:r>
+              <a:rPr lang="en-US" dirty="0"/>
+              <a:t> </a:t>
+            </a:r>
+            <a:r>
+              <a:rPr lang="en-US" dirty="0" err="1"/>
+              <a:t>aus</a:t>
+            </a:r>
+            <a:r>
+              <a:rPr lang="en-US" dirty="0"/>
+              <a:t> der README</a:t>
+            </a:r>
           </a:p>
         </p:txBody>
       </p:sp>
     </p:spTree>
-  </p:cSld>
-  <p:clrMapOvr>
-    <a:masterClrMapping/>
-  </p:clrMapOvr>
-</p:notes>
-</file>
-
-<file path=ppt/notesSlides/notesSlide8.xml><?xml version="1.0" encoding="utf-8"?>
-<p:notes xmlns:a="http://schemas.openxmlformats.org/drawingml/2006/main" xmlns:r="http://schemas.openxmlformats.org/officeDocument/2006/relationships" xmlns:p="http://schemas.openxmlformats.org/presentationml/2006/main" showMasterSp="0" showMasterPhAnim="0">
-  <p:cSld>
-    <p:spTree>
-      <p:nvGrpSpPr>
-        <p:cNvPr id="1" name="Shape 171"/>
-        <p:cNvGrpSpPr/>
-        <p:nvPr/>
-      </p:nvGrpSpPr>
-      <p:grpSpPr>
-        <a:xfrm>
-          <a:off x="0" y="0"/>
-          <a:ext cx="0" cy="0"/>
-          <a:chOff x="0" y="0"/>
-          <a:chExt cx="0" cy="0"/>
-        </a:xfrm>
-      </p:grpSpPr>
-      <p:sp>
-        <p:nvSpPr>
-          <p:cNvPr id="172" name="Google Shape;172;g35f391192_029:notes"/>
-          <p:cNvSpPr>
-            <a:spLocks noGrp="1" noRot="1" noChangeAspect="1"/>
-          </p:cNvSpPr>
-          <p:nvPr>
-            <p:ph type="sldImg" idx="2"/>
-          </p:nvPr>
-        </p:nvSpPr>
-        <p:spPr>
-          <a:xfrm>
-            <a:off x="381000" y="685800"/>
-            <a:ext cx="6096000" cy="3429000"/>
-          </a:xfrm>
-          <a:custGeom>
-            <a:avLst/>
-            <a:gdLst/>
-            <a:ahLst/>
-            <a:cxnLst/>
-            <a:rect l="l" t="t" r="r" b="b"/>
-            <a:pathLst>
-              <a:path w="120000" h="120000" extrusionOk="0">
-                <a:moveTo>
-                  <a:pt x="0" y="0"/>
-                </a:moveTo>
-                <a:lnTo>
-                  <a:pt x="120000" y="0"/>
-                </a:lnTo>
-                <a:lnTo>
-                  <a:pt x="120000" y="120000"/>
-                </a:lnTo>
-                <a:lnTo>
-                  <a:pt x="0" y="120000"/>
-                </a:lnTo>
-                <a:close/>
-              </a:path>
-            </a:pathLst>
-          </a:custGeom>
-        </p:spPr>
-      </p:sp>
-      <p:sp>
-        <p:nvSpPr>
-          <p:cNvPr id="173" name="Google Shape;173;g35f391192_029:notes"/>
-          <p:cNvSpPr txBox="1">
-            <a:spLocks noGrp="1"/>
-          </p:cNvSpPr>
-          <p:nvPr>
-            <p:ph type="body" idx="1"/>
-          </p:nvPr>
-        </p:nvSpPr>
-        <p:spPr>
-          <a:xfrm>
-            <a:off x="685800" y="4343400"/>
-            <a:ext cx="5486400" cy="4114800"/>
-          </a:xfrm>
-          <a:prstGeom prst="rect">
-            <a:avLst/>
-          </a:prstGeom>
-        </p:spPr>
-        <p:txBody>
-          <a:bodyPr spcFirstLastPara="1" wrap="square" lIns="91425" tIns="91425" rIns="91425" bIns="91425" anchor="t" anchorCtr="0">
-            <a:noAutofit/>
-          </a:bodyPr>
-          <a:lstStyle/>
-          <a:p>
-            <a:pPr marL="0" lvl="0" indent="0" algn="l" rtl="0">
-              <a:spcBef>
-                <a:spcPts val="0"/>
-              </a:spcBef>
-              <a:spcAft>
-                <a:spcPts val="0"/>
-              </a:spcAft>
-              <a:buNone/>
-            </a:pPr>
-            <a:endParaRPr/>
-          </a:p>
-        </p:txBody>
-      </p:sp>
-    </p:spTree>
-    <p:extLst>
-      <p:ext uri="{BB962C8B-B14F-4D97-AF65-F5344CB8AC3E}">
-        <p14:creationId xmlns:p14="http://schemas.microsoft.com/office/powerpoint/2010/main" val="3214402996"/>
-      </p:ext>
-    </p:extLst>
   </p:cSld>
   <p:clrMapOvr>
     <a:masterClrMapping/>
@@ -1864,7 +3155,123 @@
               </a:spcAft>
               <a:buNone/>
             </a:pPr>
-            <a:endParaRPr/>
+            <a:r>
+              <a:rPr lang="en-US" dirty="0" err="1"/>
+              <a:t>Ggf</a:t>
+            </a:r>
+            <a:r>
+              <a:rPr lang="en-US" dirty="0"/>
+              <a:t>. </a:t>
+            </a:r>
+            <a:r>
+              <a:rPr lang="en-US" dirty="0" err="1"/>
+              <a:t>Im</a:t>
+            </a:r>
+            <a:r>
+              <a:rPr lang="en-US" dirty="0"/>
+              <a:t> </a:t>
+            </a:r>
+            <a:r>
+              <a:rPr lang="en-US" dirty="0" err="1"/>
+              <a:t>nebenssatz</a:t>
+            </a:r>
+            <a:r>
+              <a:rPr lang="en-US" dirty="0"/>
+              <a:t> </a:t>
+            </a:r>
+            <a:r>
+              <a:rPr lang="en-US" dirty="0" err="1"/>
+              <a:t>erwähnen</a:t>
+            </a:r>
+            <a:r>
+              <a:rPr lang="en-US" dirty="0"/>
+              <a:t>, das </a:t>
+            </a:r>
+            <a:r>
+              <a:rPr lang="en-US" dirty="0" err="1"/>
+              <a:t>Anmelden</a:t>
+            </a:r>
+            <a:r>
+              <a:rPr lang="en-US" dirty="0"/>
+              <a:t> und </a:t>
+            </a:r>
+            <a:r>
+              <a:rPr lang="en-US" dirty="0" err="1"/>
+              <a:t>Registrieren</a:t>
+            </a:r>
+            <a:r>
+              <a:rPr lang="en-US" dirty="0"/>
+              <a:t> </a:t>
+            </a:r>
+            <a:r>
+              <a:rPr lang="en-US" dirty="0" err="1"/>
+              <a:t>fertig</a:t>
+            </a:r>
+            <a:r>
+              <a:rPr lang="en-US" dirty="0"/>
+              <a:t> </a:t>
+            </a:r>
+            <a:r>
+              <a:rPr lang="en-US" dirty="0" err="1"/>
+              <a:t>ist</a:t>
+            </a:r>
+            <a:r>
+              <a:rPr lang="en-US" dirty="0"/>
+              <a:t>, </a:t>
+            </a:r>
+            <a:r>
+              <a:rPr lang="en-US" dirty="0" err="1"/>
+              <a:t>aber</a:t>
+            </a:r>
+            <a:r>
+              <a:rPr lang="en-US" dirty="0"/>
+              <a:t> </a:t>
+            </a:r>
+            <a:r>
+              <a:rPr lang="en-US" dirty="0" err="1"/>
+              <a:t>aus</a:t>
+            </a:r>
+            <a:r>
+              <a:rPr lang="en-US" dirty="0"/>
+              <a:t> </a:t>
+            </a:r>
+            <a:r>
+              <a:rPr lang="en-US" dirty="0" err="1"/>
+              <a:t>banalität</a:t>
+            </a:r>
+            <a:r>
+              <a:rPr lang="en-US" dirty="0"/>
+              <a:t> und </a:t>
+            </a:r>
+            <a:r>
+              <a:rPr lang="en-US" dirty="0" err="1"/>
+              <a:t>zeitgründen</a:t>
+            </a:r>
+            <a:r>
+              <a:rPr lang="en-US" dirty="0"/>
+              <a:t> </a:t>
+            </a:r>
+            <a:r>
+              <a:rPr lang="en-US" dirty="0" err="1"/>
+              <a:t>nicht</a:t>
+            </a:r>
+            <a:r>
+              <a:rPr lang="en-US" dirty="0"/>
+              <a:t> </a:t>
+            </a:r>
+            <a:r>
+              <a:rPr lang="en-US" dirty="0" err="1"/>
+              <a:t>vorgeführt</a:t>
+            </a:r>
+            <a:r>
+              <a:rPr lang="en-US" dirty="0"/>
+              <a:t> </a:t>
+            </a:r>
+            <a:r>
+              <a:rPr lang="en-US" dirty="0" err="1"/>
+              <a:t>wird</a:t>
+            </a:r>
+            <a:endParaRPr dirty="0"/>
           </a:p>
         </p:txBody>
       </p:sp>
@@ -2593,235 +4000,6 @@
       </p:grpSpPr>
       <p:grpSp>
         <p:nvGrpSpPr>
-          <p:cNvPr id="15" name="Gruppieren 15">
-            <a:extLst>
-              <a:ext uri="{FF2B5EF4-FFF2-40B4-BE49-F238E27FC236}">
-                <a16:creationId xmlns:a16="http://schemas.microsoft.com/office/drawing/2014/main" id="{E8868B4A-5659-4AF3-AF8D-A557D6415EDF}"/>
-              </a:ext>
-            </a:extLst>
-          </p:cNvPr>
-          <p:cNvGrpSpPr/>
-          <p:nvPr userDrawn="1"/>
-        </p:nvGrpSpPr>
-        <p:grpSpPr>
-          <a:xfrm>
-            <a:off x="-6626" y="4955532"/>
-            <a:ext cx="9161411" cy="239942"/>
-            <a:chOff x="-6626" y="4955532"/>
-            <a:chExt cx="9161411" cy="239942"/>
-          </a:xfrm>
-        </p:grpSpPr>
-        <p:grpSp>
-          <p:nvGrpSpPr>
-            <p:cNvPr id="16" name="Gruppieren 13">
-              <a:extLst>
-                <a:ext uri="{FF2B5EF4-FFF2-40B4-BE49-F238E27FC236}">
-                  <a16:creationId xmlns:a16="http://schemas.microsoft.com/office/drawing/2014/main" id="{37A85ADD-C90F-417F-8107-73BF28BEBD4C}"/>
-                </a:ext>
-              </a:extLst>
-            </p:cNvPr>
-            <p:cNvGrpSpPr/>
-            <p:nvPr userDrawn="1"/>
-          </p:nvGrpSpPr>
-          <p:grpSpPr>
-            <a:xfrm>
-              <a:off x="-6626" y="4955532"/>
-              <a:ext cx="9154785" cy="239942"/>
-              <a:chOff x="-6626" y="4955532"/>
-              <a:chExt cx="9154785" cy="239942"/>
-            </a:xfrm>
-          </p:grpSpPr>
-          <p:pic>
-            <p:nvPicPr>
-              <p:cNvPr id="18" name="Grafik 2">
-                <a:extLst>
-                  <a:ext uri="{FF2B5EF4-FFF2-40B4-BE49-F238E27FC236}">
-                    <a16:creationId xmlns:a16="http://schemas.microsoft.com/office/drawing/2014/main" id="{EA9EFE60-6233-4E7E-B127-EDBA3BC87980}"/>
-                  </a:ext>
-                </a:extLst>
-              </p:cNvPr>
-              <p:cNvPicPr>
-                <a:picLocks noChangeAspect="1"/>
-              </p:cNvPicPr>
-              <p:nvPr userDrawn="1"/>
-            </p:nvPicPr>
-            <p:blipFill>
-              <a:blip r:embed="rId2">
-                <a:alphaModFix amt="90000"/>
-              </a:blip>
-              <a:stretch>
-                <a:fillRect/>
-              </a:stretch>
-            </p:blipFill>
-            <p:spPr>
-              <a:xfrm>
-                <a:off x="0" y="5017062"/>
-                <a:ext cx="9148159" cy="126438"/>
-              </a:xfrm>
-              <a:prstGeom prst="rect">
-                <a:avLst/>
-              </a:prstGeom>
-            </p:spPr>
-          </p:pic>
-          <p:grpSp>
-            <p:nvGrpSpPr>
-              <p:cNvPr id="19" name="Gruppieren 12">
-                <a:extLst>
-                  <a:ext uri="{FF2B5EF4-FFF2-40B4-BE49-F238E27FC236}">
-                    <a16:creationId xmlns:a16="http://schemas.microsoft.com/office/drawing/2014/main" id="{CDEF0BF8-14F3-4DDE-8B43-A218F96D79D2}"/>
-                  </a:ext>
-                </a:extLst>
-              </p:cNvPr>
-              <p:cNvGrpSpPr/>
-              <p:nvPr userDrawn="1"/>
-            </p:nvGrpSpPr>
-            <p:grpSpPr>
-              <a:xfrm>
-                <a:off x="-6626" y="4955532"/>
-                <a:ext cx="6094347" cy="239942"/>
-                <a:chOff x="-6626" y="4955532"/>
-                <a:chExt cx="6094347" cy="239942"/>
-              </a:xfrm>
-            </p:grpSpPr>
-            <p:sp>
-              <p:nvSpPr>
-                <p:cNvPr id="20" name="Textfeld 9">
-                  <a:extLst>
-                    <a:ext uri="{FF2B5EF4-FFF2-40B4-BE49-F238E27FC236}">
-                      <a16:creationId xmlns:a16="http://schemas.microsoft.com/office/drawing/2014/main" id="{0C94E978-C257-49C9-A469-65B1C5F10A32}"/>
-                    </a:ext>
-                  </a:extLst>
-                </p:cNvPr>
-                <p:cNvSpPr txBox="1"/>
-                <p:nvPr userDrawn="1"/>
-              </p:nvSpPr>
-              <p:spPr>
-                <a:xfrm>
-                  <a:off x="-6626" y="4964642"/>
-                  <a:ext cx="3062177" cy="230832"/>
-                </a:xfrm>
-                <a:prstGeom prst="rect">
-                  <a:avLst/>
-                </a:prstGeom>
-                <a:noFill/>
-              </p:spPr>
-              <p:txBody>
-                <a:bodyPr wrap="square" rtlCol="0" anchor="ctr" anchorCtr="1">
-                  <a:spAutoFit/>
-                </a:bodyPr>
-                <a:lstStyle/>
-                <a:p>
-                  <a:r>
-                    <a:rPr lang="de-DE" sz="900" baseline="0" dirty="0">
-                      <a:solidFill>
-                        <a:schemeClr val="bg1"/>
-                      </a:solidFill>
-                      <a:latin typeface="+mj-lt"/>
-                    </a:rPr>
-                    <a:t>Technische Hochschule Köln Deutz</a:t>
-                  </a:r>
-                </a:p>
-              </p:txBody>
-            </p:sp>
-            <p:sp>
-              <p:nvSpPr>
-                <p:cNvPr id="21" name="Textfeld 11">
-                  <a:extLst>
-                    <a:ext uri="{FF2B5EF4-FFF2-40B4-BE49-F238E27FC236}">
-                      <a16:creationId xmlns:a16="http://schemas.microsoft.com/office/drawing/2014/main" id="{90B40845-E47D-4017-AE91-6E22F5FFD276}"/>
-                    </a:ext>
-                  </a:extLst>
-                </p:cNvPr>
-                <p:cNvSpPr txBox="1"/>
-                <p:nvPr userDrawn="1"/>
-              </p:nvSpPr>
-              <p:spPr>
-                <a:xfrm>
-                  <a:off x="3056279" y="4955532"/>
-                  <a:ext cx="3031442" cy="230832"/>
-                </a:xfrm>
-                <a:prstGeom prst="rect">
-                  <a:avLst/>
-                </a:prstGeom>
-                <a:noFill/>
-              </p:spPr>
-              <p:txBody>
-                <a:bodyPr wrap="square" rtlCol="0" anchor="ctr" anchorCtr="1">
-                  <a:spAutoFit/>
-                </a:bodyPr>
-                <a:lstStyle/>
-                <a:p>
-                  <a:r>
-                    <a:rPr lang="de-DE" sz="900" dirty="0">
-                      <a:solidFill>
-                        <a:schemeClr val="bg1"/>
-                      </a:solidFill>
-                    </a:rPr>
-                    <a:t>www.</a:t>
-                  </a:r>
-                  <a:r>
-                    <a:rPr lang="de-DE" sz="900" baseline="0" dirty="0">
-                      <a:solidFill>
-                        <a:schemeClr val="bg1"/>
-                      </a:solidFill>
-                    </a:rPr>
-                    <a:t>driving-e-car</a:t>
-                  </a:r>
-                  <a:r>
-                    <a:rPr lang="de-DE" sz="900" dirty="0">
-                      <a:solidFill>
-                        <a:schemeClr val="bg1"/>
-                      </a:solidFill>
-                    </a:rPr>
-                    <a:t>.de</a:t>
-                  </a:r>
-                </a:p>
-              </p:txBody>
-            </p:sp>
-          </p:grpSp>
-        </p:grpSp>
-        <p:sp>
-          <p:nvSpPr>
-            <p:cNvPr id="17" name="Textfeld 14">
-              <a:extLst>
-                <a:ext uri="{FF2B5EF4-FFF2-40B4-BE49-F238E27FC236}">
-                  <a16:creationId xmlns:a16="http://schemas.microsoft.com/office/drawing/2014/main" id="{CED9DAEE-E459-4B27-B69A-5A5606575D25}"/>
-                </a:ext>
-              </a:extLst>
-            </p:cNvPr>
-            <p:cNvSpPr txBox="1"/>
-            <p:nvPr userDrawn="1"/>
-          </p:nvSpPr>
-          <p:spPr>
-            <a:xfrm>
-              <a:off x="6112559" y="4963845"/>
-              <a:ext cx="3042226" cy="230832"/>
-            </a:xfrm>
-            <a:prstGeom prst="rect">
-              <a:avLst/>
-            </a:prstGeom>
-            <a:noFill/>
-          </p:spPr>
-          <p:txBody>
-            <a:bodyPr wrap="square" rtlCol="0" anchor="ctr" anchorCtr="1">
-              <a:spAutoFit/>
-            </a:bodyPr>
-            <a:lstStyle/>
-            <a:p>
-              <a:r>
-                <a:rPr lang="de-DE" sz="900" baseline="0" dirty="0">
-                  <a:solidFill>
-                    <a:schemeClr val="bg1"/>
-                  </a:solidFill>
-                </a:rPr>
-                <a:t>WS 18/19</a:t>
-              </a:r>
-            </a:p>
-          </p:txBody>
-        </p:sp>
-      </p:grpSp>
-      <p:grpSp>
-        <p:nvGrpSpPr>
           <p:cNvPr id="23" name="Google Shape;23;p3"/>
           <p:cNvGrpSpPr/>
           <p:nvPr/>
@@ -3593,7 +4771,7 @@
           <p:nvPr userDrawn="1"/>
         </p:nvPicPr>
         <p:blipFill>
-          <a:blip r:embed="rId3">
+          <a:blip r:embed="rId2">
             <a:extLst>
               <a:ext uri="{28A0092B-C50C-407E-A947-70E740481C1C}">
                 <a14:useLocalDpi xmlns:a14="http://schemas.microsoft.com/office/drawing/2010/main" val="0"/>
@@ -3614,6 +4792,370 @@
           </a:prstGeom>
         </p:spPr>
       </p:pic>
+      <p:grpSp>
+        <p:nvGrpSpPr>
+          <p:cNvPr id="35" name="Group 34">
+            <a:extLst>
+              <a:ext uri="{FF2B5EF4-FFF2-40B4-BE49-F238E27FC236}">
+                <a16:creationId xmlns:a16="http://schemas.microsoft.com/office/drawing/2014/main" id="{CA604364-4049-43BF-984A-48E60019012D}"/>
+              </a:ext>
+            </a:extLst>
+          </p:cNvPr>
+          <p:cNvGrpSpPr/>
+          <p:nvPr userDrawn="1"/>
+        </p:nvGrpSpPr>
+        <p:grpSpPr>
+          <a:xfrm>
+            <a:off x="0" y="4952538"/>
+            <a:ext cx="9144000" cy="230832"/>
+            <a:chOff x="0" y="4952538"/>
+            <a:chExt cx="9144000" cy="230832"/>
+          </a:xfrm>
+        </p:grpSpPr>
+        <p:sp>
+          <p:nvSpPr>
+            <p:cNvPr id="36" name="Rectangle 35">
+              <a:extLst>
+                <a:ext uri="{FF2B5EF4-FFF2-40B4-BE49-F238E27FC236}">
+                  <a16:creationId xmlns:a16="http://schemas.microsoft.com/office/drawing/2014/main" id="{7F82D902-5CDC-48A2-8AD6-E690B8151991}"/>
+                </a:ext>
+              </a:extLst>
+            </p:cNvPr>
+            <p:cNvSpPr/>
+            <p:nvPr userDrawn="1"/>
+          </p:nvSpPr>
+          <p:spPr>
+            <a:xfrm>
+              <a:off x="0" y="5012713"/>
+              <a:ext cx="9144000" cy="137243"/>
+            </a:xfrm>
+            <a:prstGeom prst="rect">
+              <a:avLst/>
+            </a:prstGeom>
+            <a:solidFill>
+              <a:srgbClr val="818181"/>
+            </a:solidFill>
+            <a:ln>
+              <a:noFill/>
+            </a:ln>
+          </p:spPr>
+          <p:style>
+            <a:lnRef idx="2">
+              <a:schemeClr val="accent1">
+                <a:shade val="50000"/>
+              </a:schemeClr>
+            </a:lnRef>
+            <a:fillRef idx="1">
+              <a:schemeClr val="accent1"/>
+            </a:fillRef>
+            <a:effectRef idx="0">
+              <a:schemeClr val="accent1"/>
+            </a:effectRef>
+            <a:fontRef idx="minor">
+              <a:schemeClr val="lt1"/>
+            </a:fontRef>
+          </p:style>
+          <p:txBody>
+            <a:bodyPr rtlCol="0" anchor="ctr"/>
+            <a:lstStyle/>
+            <a:p>
+              <a:pPr algn="ctr"/>
+              <a:endParaRPr lang="en-DE"/>
+            </a:p>
+          </p:txBody>
+        </p:sp>
+        <p:sp>
+          <p:nvSpPr>
+            <p:cNvPr id="37" name="TextBox 36">
+              <a:extLst>
+                <a:ext uri="{FF2B5EF4-FFF2-40B4-BE49-F238E27FC236}">
+                  <a16:creationId xmlns:a16="http://schemas.microsoft.com/office/drawing/2014/main" id="{A5D6BC1A-444B-4533-8C40-05730D684831}"/>
+                </a:ext>
+              </a:extLst>
+            </p:cNvPr>
+            <p:cNvSpPr txBox="1"/>
+            <p:nvPr userDrawn="1"/>
+          </p:nvSpPr>
+          <p:spPr>
+            <a:xfrm>
+              <a:off x="158548" y="4952538"/>
+              <a:ext cx="8826904" cy="230832"/>
+            </a:xfrm>
+            <a:prstGeom prst="rect">
+              <a:avLst/>
+            </a:prstGeom>
+            <a:noFill/>
+          </p:spPr>
+          <p:txBody>
+            <a:bodyPr wrap="square" rtlCol="0">
+              <a:spAutoFit/>
+            </a:bodyPr>
+            <a:lstStyle/>
+            <a:p>
+              <a:pPr algn="ctr"/>
+              <a:r>
+                <a:rPr lang="de-DE" sz="900" b="0" i="0" u="none" strike="noStrike" cap="none" baseline="0" dirty="0">
+                  <a:solidFill>
+                    <a:schemeClr val="bg1"/>
+                  </a:solidFill>
+                  <a:latin typeface="+mj-lt"/>
+                  <a:cs typeface="Arial"/>
+                  <a:sym typeface="Arial"/>
+                </a:rPr>
+                <a:t>Matthias Eberlein, Florian Heinrich, Fahri Kus, Simon </a:t>
+              </a:r>
+              <a:r>
+                <a:rPr lang="de-DE" sz="900" b="0" i="0" u="none" strike="noStrike" cap="none" baseline="0" dirty="0" err="1">
+                  <a:solidFill>
+                    <a:schemeClr val="bg1"/>
+                  </a:solidFill>
+                  <a:latin typeface="+mj-lt"/>
+                  <a:cs typeface="Arial"/>
+                  <a:sym typeface="Arial"/>
+                </a:rPr>
+                <a:t>Kreuziger</a:t>
+              </a:r>
+              <a:endParaRPr lang="en-DE" sz="900" b="0" i="0" u="none" strike="noStrike" cap="none" baseline="0" dirty="0">
+                <a:solidFill>
+                  <a:schemeClr val="bg1"/>
+                </a:solidFill>
+                <a:latin typeface="+mj-lt"/>
+                <a:cs typeface="Arial"/>
+                <a:sym typeface="Arial"/>
+              </a:endParaRPr>
+            </a:p>
+          </p:txBody>
+        </p:sp>
+      </p:grpSp>
+      <p:grpSp>
+        <p:nvGrpSpPr>
+          <p:cNvPr id="38" name="Gruppieren 15">
+            <a:extLst>
+              <a:ext uri="{FF2B5EF4-FFF2-40B4-BE49-F238E27FC236}">
+                <a16:creationId xmlns:a16="http://schemas.microsoft.com/office/drawing/2014/main" id="{B4666526-6F3C-4F68-9808-5D51FF34FC17}"/>
+              </a:ext>
+            </a:extLst>
+          </p:cNvPr>
+          <p:cNvGrpSpPr/>
+          <p:nvPr userDrawn="1"/>
+        </p:nvGrpSpPr>
+        <p:grpSpPr>
+          <a:xfrm>
+            <a:off x="-6626" y="-67987"/>
+            <a:ext cx="9161411" cy="239942"/>
+            <a:chOff x="-6626" y="4955532"/>
+            <a:chExt cx="9161411" cy="239942"/>
+          </a:xfrm>
+        </p:grpSpPr>
+        <p:grpSp>
+          <p:nvGrpSpPr>
+            <p:cNvPr id="39" name="Gruppieren 13">
+              <a:extLst>
+                <a:ext uri="{FF2B5EF4-FFF2-40B4-BE49-F238E27FC236}">
+                  <a16:creationId xmlns:a16="http://schemas.microsoft.com/office/drawing/2014/main" id="{490496E6-45EA-4ADD-8609-EF43B8842189}"/>
+                </a:ext>
+              </a:extLst>
+            </p:cNvPr>
+            <p:cNvGrpSpPr/>
+            <p:nvPr userDrawn="1"/>
+          </p:nvGrpSpPr>
+          <p:grpSpPr>
+            <a:xfrm>
+              <a:off x="-6626" y="4955532"/>
+              <a:ext cx="9154785" cy="239942"/>
+              <a:chOff x="-6626" y="4955532"/>
+              <a:chExt cx="9154785" cy="239942"/>
+            </a:xfrm>
+          </p:grpSpPr>
+          <p:pic>
+            <p:nvPicPr>
+              <p:cNvPr id="41" name="Grafik 2">
+                <a:extLst>
+                  <a:ext uri="{FF2B5EF4-FFF2-40B4-BE49-F238E27FC236}">
+                    <a16:creationId xmlns:a16="http://schemas.microsoft.com/office/drawing/2014/main" id="{18EB6387-5BB9-4C1B-98F2-81C3CDB65020}"/>
+                  </a:ext>
+                </a:extLst>
+              </p:cNvPr>
+              <p:cNvPicPr>
+                <a:picLocks noChangeAspect="1"/>
+              </p:cNvPicPr>
+              <p:nvPr userDrawn="1"/>
+            </p:nvPicPr>
+            <p:blipFill>
+              <a:blip r:embed="rId3">
+                <a:alphaModFix amt="90000"/>
+              </a:blip>
+              <a:stretch>
+                <a:fillRect/>
+              </a:stretch>
+            </p:blipFill>
+            <p:spPr>
+              <a:xfrm>
+                <a:off x="0" y="5017062"/>
+                <a:ext cx="9148159" cy="126438"/>
+              </a:xfrm>
+              <a:prstGeom prst="rect">
+                <a:avLst/>
+              </a:prstGeom>
+            </p:spPr>
+          </p:pic>
+          <p:grpSp>
+            <p:nvGrpSpPr>
+              <p:cNvPr id="42" name="Gruppieren 12">
+                <a:extLst>
+                  <a:ext uri="{FF2B5EF4-FFF2-40B4-BE49-F238E27FC236}">
+                    <a16:creationId xmlns:a16="http://schemas.microsoft.com/office/drawing/2014/main" id="{A3B1CD16-691B-4B3E-B7A6-DF6916054B16}"/>
+                  </a:ext>
+                </a:extLst>
+              </p:cNvPr>
+              <p:cNvGrpSpPr/>
+              <p:nvPr userDrawn="1"/>
+            </p:nvGrpSpPr>
+            <p:grpSpPr>
+              <a:xfrm>
+                <a:off x="-6626" y="4955532"/>
+                <a:ext cx="6094347" cy="239942"/>
+                <a:chOff x="-6626" y="4955532"/>
+                <a:chExt cx="6094347" cy="239942"/>
+              </a:xfrm>
+            </p:grpSpPr>
+            <p:sp>
+              <p:nvSpPr>
+                <p:cNvPr id="43" name="Textfeld 9">
+                  <a:extLst>
+                    <a:ext uri="{FF2B5EF4-FFF2-40B4-BE49-F238E27FC236}">
+                      <a16:creationId xmlns:a16="http://schemas.microsoft.com/office/drawing/2014/main" id="{355EF4AF-F4F2-4220-AAB8-142C6B344CCF}"/>
+                    </a:ext>
+                  </a:extLst>
+                </p:cNvPr>
+                <p:cNvSpPr txBox="1"/>
+                <p:nvPr userDrawn="1"/>
+              </p:nvSpPr>
+              <p:spPr>
+                <a:xfrm>
+                  <a:off x="-6626" y="4964642"/>
+                  <a:ext cx="3062177" cy="230832"/>
+                </a:xfrm>
+                <a:prstGeom prst="rect">
+                  <a:avLst/>
+                </a:prstGeom>
+                <a:noFill/>
+              </p:spPr>
+              <p:txBody>
+                <a:bodyPr wrap="square" rtlCol="0" anchor="ctr" anchorCtr="1">
+                  <a:spAutoFit/>
+                </a:bodyPr>
+                <a:lstStyle/>
+                <a:p>
+                  <a:r>
+                    <a:rPr lang="de-DE" sz="900" baseline="0" dirty="0">
+                      <a:solidFill>
+                        <a:schemeClr val="bg1"/>
+                      </a:solidFill>
+                      <a:latin typeface="+mj-lt"/>
+                    </a:rPr>
+                    <a:t>Technische Hochschule Köln Deutz</a:t>
+                  </a:r>
+                </a:p>
+              </p:txBody>
+            </p:sp>
+            <p:sp>
+              <p:nvSpPr>
+                <p:cNvPr id="44" name="Textfeld 11">
+                  <a:extLst>
+                    <a:ext uri="{FF2B5EF4-FFF2-40B4-BE49-F238E27FC236}">
+                      <a16:creationId xmlns:a16="http://schemas.microsoft.com/office/drawing/2014/main" id="{3E40D9CA-8CAC-4BA2-BB35-AF3B3011EB95}"/>
+                    </a:ext>
+                  </a:extLst>
+                </p:cNvPr>
+                <p:cNvSpPr txBox="1"/>
+                <p:nvPr userDrawn="1"/>
+              </p:nvSpPr>
+              <p:spPr>
+                <a:xfrm>
+                  <a:off x="3056279" y="4955532"/>
+                  <a:ext cx="3031442" cy="230832"/>
+                </a:xfrm>
+                <a:prstGeom prst="rect">
+                  <a:avLst/>
+                </a:prstGeom>
+                <a:noFill/>
+              </p:spPr>
+              <p:txBody>
+                <a:bodyPr wrap="square" rtlCol="0" anchor="ctr" anchorCtr="1">
+                  <a:spAutoFit/>
+                </a:bodyPr>
+                <a:lstStyle/>
+                <a:p>
+                  <a:r>
+                    <a:rPr lang="de-DE" sz="900" dirty="0">
+                      <a:solidFill>
+                        <a:schemeClr val="bg1"/>
+                      </a:solidFill>
+                    </a:rPr>
+                    <a:t>www.</a:t>
+                  </a:r>
+                  <a:r>
+                    <a:rPr lang="de-DE" sz="900" baseline="0" dirty="0">
+                      <a:solidFill>
+                        <a:schemeClr val="bg1"/>
+                      </a:solidFill>
+                    </a:rPr>
+                    <a:t>driving-e-car</a:t>
+                  </a:r>
+                  <a:r>
+                    <a:rPr lang="de-DE" sz="900" dirty="0">
+                      <a:solidFill>
+                        <a:schemeClr val="bg1"/>
+                      </a:solidFill>
+                    </a:rPr>
+                    <a:t>.de</a:t>
+                  </a:r>
+                </a:p>
+              </p:txBody>
+            </p:sp>
+          </p:grpSp>
+        </p:grpSp>
+        <p:sp>
+          <p:nvSpPr>
+            <p:cNvPr id="40" name="Textfeld 14">
+              <a:extLst>
+                <a:ext uri="{FF2B5EF4-FFF2-40B4-BE49-F238E27FC236}">
+                  <a16:creationId xmlns:a16="http://schemas.microsoft.com/office/drawing/2014/main" id="{76CBA897-18B7-4125-97EC-B4D5D2343355}"/>
+                </a:ext>
+              </a:extLst>
+            </p:cNvPr>
+            <p:cNvSpPr txBox="1"/>
+            <p:nvPr userDrawn="1"/>
+          </p:nvSpPr>
+          <p:spPr>
+            <a:xfrm>
+              <a:off x="6112559" y="4963845"/>
+              <a:ext cx="3042226" cy="230832"/>
+            </a:xfrm>
+            <a:prstGeom prst="rect">
+              <a:avLst/>
+            </a:prstGeom>
+            <a:noFill/>
+          </p:spPr>
+          <p:txBody>
+            <a:bodyPr wrap="square" rtlCol="0" anchor="ctr" anchorCtr="1">
+              <a:spAutoFit/>
+            </a:bodyPr>
+            <a:lstStyle/>
+            <a:p>
+              <a:r>
+                <a:rPr lang="de-DE" sz="900" baseline="0" dirty="0">
+                  <a:solidFill>
+                    <a:schemeClr val="bg1"/>
+                  </a:solidFill>
+                </a:rPr>
+                <a:t>WS 18/19</a:t>
+              </a:r>
+            </a:p>
+          </p:txBody>
+        </p:sp>
+      </p:grpSp>
     </p:spTree>
   </p:cSld>
   <p:clrMapOvr>
@@ -5858,6 +7400,141 @@
           <a:chExt cx="0" cy="0"/>
         </a:xfrm>
       </p:grpSpPr>
+      <p:grpSp>
+        <p:nvGrpSpPr>
+          <p:cNvPr id="9" name="Group 8">
+            <a:extLst>
+              <a:ext uri="{FF2B5EF4-FFF2-40B4-BE49-F238E27FC236}">
+                <a16:creationId xmlns:a16="http://schemas.microsoft.com/office/drawing/2014/main" id="{1AFAAD68-D17D-461E-BF17-19C3D85675AF}"/>
+              </a:ext>
+            </a:extLst>
+          </p:cNvPr>
+          <p:cNvGrpSpPr/>
+          <p:nvPr userDrawn="1"/>
+        </p:nvGrpSpPr>
+        <p:grpSpPr>
+          <a:xfrm>
+            <a:off x="0" y="4952538"/>
+            <a:ext cx="9144000" cy="230832"/>
+            <a:chOff x="0" y="4952538"/>
+            <a:chExt cx="9144000" cy="230832"/>
+          </a:xfrm>
+        </p:grpSpPr>
+        <p:sp>
+          <p:nvSpPr>
+            <p:cNvPr id="5" name="Rectangle 4">
+              <a:extLst>
+                <a:ext uri="{FF2B5EF4-FFF2-40B4-BE49-F238E27FC236}">
+                  <a16:creationId xmlns:a16="http://schemas.microsoft.com/office/drawing/2014/main" id="{76AB65C4-4DAA-44E7-990E-FF7B4F560B25}"/>
+                </a:ext>
+              </a:extLst>
+            </p:cNvPr>
+            <p:cNvSpPr/>
+            <p:nvPr userDrawn="1"/>
+          </p:nvSpPr>
+          <p:spPr>
+            <a:xfrm>
+              <a:off x="0" y="5012713"/>
+              <a:ext cx="9144000" cy="137243"/>
+            </a:xfrm>
+            <a:prstGeom prst="rect">
+              <a:avLst/>
+            </a:prstGeom>
+            <a:solidFill>
+              <a:srgbClr val="818181"/>
+            </a:solidFill>
+            <a:ln>
+              <a:noFill/>
+            </a:ln>
+          </p:spPr>
+          <p:style>
+            <a:lnRef idx="2">
+              <a:schemeClr val="accent1">
+                <a:shade val="50000"/>
+              </a:schemeClr>
+            </a:lnRef>
+            <a:fillRef idx="1">
+              <a:schemeClr val="accent1"/>
+            </a:fillRef>
+            <a:effectRef idx="0">
+              <a:schemeClr val="accent1"/>
+            </a:effectRef>
+            <a:fontRef idx="minor">
+              <a:schemeClr val="lt1"/>
+            </a:fontRef>
+          </p:style>
+          <p:txBody>
+            <a:bodyPr rtlCol="0" anchor="ctr"/>
+            <a:lstStyle/>
+            <a:p>
+              <a:pPr algn="ctr"/>
+              <a:endParaRPr lang="en-DE"/>
+            </a:p>
+          </p:txBody>
+        </p:sp>
+        <p:sp>
+          <p:nvSpPr>
+            <p:cNvPr id="4" name="TextBox 3">
+              <a:extLst>
+                <a:ext uri="{FF2B5EF4-FFF2-40B4-BE49-F238E27FC236}">
+                  <a16:creationId xmlns:a16="http://schemas.microsoft.com/office/drawing/2014/main" id="{ADE5E036-F03A-4A40-80A5-46C9CE7FFF6A}"/>
+                </a:ext>
+              </a:extLst>
+            </p:cNvPr>
+            <p:cNvSpPr txBox="1"/>
+            <p:nvPr userDrawn="1"/>
+          </p:nvSpPr>
+          <p:spPr>
+            <a:xfrm>
+              <a:off x="158548" y="4952538"/>
+              <a:ext cx="8826904" cy="230832"/>
+            </a:xfrm>
+            <a:prstGeom prst="rect">
+              <a:avLst/>
+            </a:prstGeom>
+            <a:noFill/>
+          </p:spPr>
+          <p:txBody>
+            <a:bodyPr wrap="square" rtlCol="0">
+              <a:spAutoFit/>
+            </a:bodyPr>
+            <a:lstStyle/>
+            <a:p>
+              <a:pPr algn="ctr"/>
+              <a:r>
+                <a:rPr lang="de-DE" sz="900" b="0" i="0" u="none" strike="noStrike" cap="none" baseline="0" dirty="0">
+                  <a:solidFill>
+                    <a:schemeClr val="bg1"/>
+                  </a:solidFill>
+                  <a:latin typeface="+mj-lt"/>
+                  <a:cs typeface="Arial"/>
+                  <a:sym typeface="Arial"/>
+                </a:rPr>
+                <a:t>Matthias Eberlein, Florian Heinrich, Fahri Kus, Simon </a:t>
+              </a:r>
+              <a:r>
+                <a:rPr lang="de-DE" sz="900" b="0" i="0" u="none" strike="noStrike" cap="none" baseline="0" dirty="0" err="1">
+                  <a:solidFill>
+                    <a:schemeClr val="bg1"/>
+                  </a:solidFill>
+                  <a:latin typeface="+mj-lt"/>
+                  <a:cs typeface="Arial"/>
+                  <a:sym typeface="Arial"/>
+                </a:rPr>
+                <a:t>Kreuziger</a:t>
+              </a:r>
+              <a:endParaRPr lang="en-DE" sz="900" b="0" i="0" u="none" strike="noStrike" cap="none" baseline="0" dirty="0">
+                <a:solidFill>
+                  <a:schemeClr val="bg1"/>
+                </a:solidFill>
+                <a:latin typeface="+mj-lt"/>
+                <a:cs typeface="Arial"/>
+                <a:sym typeface="Arial"/>
+              </a:endParaRPr>
+            </a:p>
+          </p:txBody>
+        </p:sp>
+      </p:grpSp>
       <p:sp>
         <p:nvSpPr>
           <p:cNvPr id="6" name="Google Shape;6;p1"/>
@@ -6493,10 +8170,10 @@
       </p:sp>
       <p:grpSp>
         <p:nvGrpSpPr>
-          <p:cNvPr id="16" name="Gruppieren 15">
+          <p:cNvPr id="18" name="Gruppieren 15">
             <a:extLst>
               <a:ext uri="{FF2B5EF4-FFF2-40B4-BE49-F238E27FC236}">
-                <a16:creationId xmlns:a16="http://schemas.microsoft.com/office/drawing/2014/main" id="{B2729CDD-7C4D-E64D-AD79-CC443C428981}"/>
+                <a16:creationId xmlns:a16="http://schemas.microsoft.com/office/drawing/2014/main" id="{0854F103-C5AE-45BE-8C80-24B23EA59E45}"/>
               </a:ext>
             </a:extLst>
           </p:cNvPr>
@@ -6505,7 +8182,7 @@
         </p:nvGrpSpPr>
         <p:grpSpPr>
           <a:xfrm>
-            <a:off x="-6626" y="4955532"/>
+            <a:off x="-6626" y="-67987"/>
             <a:ext cx="9161411" cy="239942"/>
             <a:chOff x="-6626" y="4955532"/>
             <a:chExt cx="9161411" cy="239942"/>
@@ -6513,10 +8190,10 @@
         </p:grpSpPr>
         <p:grpSp>
           <p:nvGrpSpPr>
-            <p:cNvPr id="14" name="Gruppieren 13">
+            <p:cNvPr id="19" name="Gruppieren 13">
               <a:extLst>
                 <a:ext uri="{FF2B5EF4-FFF2-40B4-BE49-F238E27FC236}">
-                  <a16:creationId xmlns:a16="http://schemas.microsoft.com/office/drawing/2014/main" id="{F3C97CF1-5ECC-1049-8D2E-38E3C063FB6B}"/>
+                  <a16:creationId xmlns:a16="http://schemas.microsoft.com/office/drawing/2014/main" id="{4895FB6F-35B7-4EEA-A12A-AA3A1BFEFB7E}"/>
                 </a:ext>
               </a:extLst>
             </p:cNvPr>
@@ -6533,10 +8210,10 @@
           </p:grpSpPr>
           <p:pic>
             <p:nvPicPr>
-              <p:cNvPr id="3" name="Grafik 2">
+              <p:cNvPr id="21" name="Grafik 2">
                 <a:extLst>
                   <a:ext uri="{FF2B5EF4-FFF2-40B4-BE49-F238E27FC236}">
-                    <a16:creationId xmlns:a16="http://schemas.microsoft.com/office/drawing/2014/main" id="{37B02ABE-DBA6-214E-AD2E-868B216E0BA9}"/>
+                    <a16:creationId xmlns:a16="http://schemas.microsoft.com/office/drawing/2014/main" id="{C8379682-FBF8-47D6-B4E5-30A954BE2A88}"/>
                   </a:ext>
                 </a:extLst>
               </p:cNvPr>
@@ -6565,10 +8242,10 @@
           </p:pic>
           <p:grpSp>
             <p:nvGrpSpPr>
-              <p:cNvPr id="13" name="Gruppieren 12">
+              <p:cNvPr id="22" name="Gruppieren 12">
                 <a:extLst>
                   <a:ext uri="{FF2B5EF4-FFF2-40B4-BE49-F238E27FC236}">
-                    <a16:creationId xmlns:a16="http://schemas.microsoft.com/office/drawing/2014/main" id="{16A3CF85-556E-2746-BB39-777ABFC6B942}"/>
+                    <a16:creationId xmlns:a16="http://schemas.microsoft.com/office/drawing/2014/main" id="{BB0200B5-576B-4EED-A8E7-B59B232CCC7F}"/>
                   </a:ext>
                 </a:extLst>
               </p:cNvPr>
@@ -6585,10 +8262,10 @@
             </p:grpSpPr>
             <p:sp>
               <p:nvSpPr>
-                <p:cNvPr id="10" name="Textfeld 9">
+                <p:cNvPr id="23" name="Textfeld 9">
                   <a:extLst>
                     <a:ext uri="{FF2B5EF4-FFF2-40B4-BE49-F238E27FC236}">
-                      <a16:creationId xmlns:a16="http://schemas.microsoft.com/office/drawing/2014/main" id="{497961AB-2777-454A-980F-96671A096370}"/>
+                      <a16:creationId xmlns:a16="http://schemas.microsoft.com/office/drawing/2014/main" id="{AE6F1098-02DF-4E76-BA13-D6B5A7895F1B}"/>
                     </a:ext>
                   </a:extLst>
                 </p:cNvPr>
@@ -6625,10 +8302,10 @@
             </p:sp>
             <p:sp>
               <p:nvSpPr>
-                <p:cNvPr id="12" name="Textfeld 11">
+                <p:cNvPr id="24" name="Textfeld 11">
                   <a:extLst>
                     <a:ext uri="{FF2B5EF4-FFF2-40B4-BE49-F238E27FC236}">
-                      <a16:creationId xmlns:a16="http://schemas.microsoft.com/office/drawing/2014/main" id="{318436B2-337E-C04A-8DF4-E8C0D2A5929B}"/>
+                      <a16:creationId xmlns:a16="http://schemas.microsoft.com/office/drawing/2014/main" id="{14CE7D0F-485E-40C6-ACD0-9B58C9B99693}"/>
                     </a:ext>
                   </a:extLst>
                 </p:cNvPr>
@@ -6682,10 +8359,10 @@
         </p:grpSp>
         <p:sp>
           <p:nvSpPr>
-            <p:cNvPr id="15" name="Textfeld 14">
+            <p:cNvPr id="20" name="Textfeld 14">
               <a:extLst>
                 <a:ext uri="{FF2B5EF4-FFF2-40B4-BE49-F238E27FC236}">
-                  <a16:creationId xmlns:a16="http://schemas.microsoft.com/office/drawing/2014/main" id="{78CB34FE-211F-1B46-9743-B6160B4A5B78}"/>
+                  <a16:creationId xmlns:a16="http://schemas.microsoft.com/office/drawing/2014/main" id="{E1943A1A-C8DE-4042-A1A4-8CF8E812061E}"/>
                 </a:ext>
               </a:extLst>
             </p:cNvPr>
@@ -6748,7 +8425,7 @@
         </p:blipFill>
         <p:spPr>
           <a:xfrm>
-            <a:off x="8286108" y="34293"/>
+            <a:off x="8286108" y="128883"/>
             <a:ext cx="836292" cy="734057"/>
           </a:xfrm>
           <a:prstGeom prst="rect">
@@ -7553,60 +9230,10 @@
       </p:grpSpPr>
       <p:sp>
         <p:nvSpPr>
-          <p:cNvPr id="2" name="Title 1">
+          <p:cNvPr id="2" name="Slide Number Placeholder 1">
             <a:extLst>
               <a:ext uri="{FF2B5EF4-FFF2-40B4-BE49-F238E27FC236}">
-                <a16:creationId xmlns:a16="http://schemas.microsoft.com/office/drawing/2014/main" id="{B5E0DC24-B072-4A64-9325-BD32EAB5BD76}"/>
-              </a:ext>
-            </a:extLst>
-          </p:cNvPr>
-          <p:cNvSpPr>
-            <a:spLocks noGrp="1"/>
-          </p:cNvSpPr>
-          <p:nvPr>
-            <p:ph type="title"/>
-          </p:nvPr>
-        </p:nvSpPr>
-        <p:spPr/>
-        <p:txBody>
-          <a:bodyPr/>
-          <a:lstStyle/>
-          <a:p>
-            <a:endParaRPr lang="en-DE"/>
-          </a:p>
-        </p:txBody>
-      </p:sp>
-      <p:sp>
-        <p:nvSpPr>
-          <p:cNvPr id="3" name="Text Placeholder 2">
-            <a:extLst>
-              <a:ext uri="{FF2B5EF4-FFF2-40B4-BE49-F238E27FC236}">
-                <a16:creationId xmlns:a16="http://schemas.microsoft.com/office/drawing/2014/main" id="{521ED6C7-8E16-4390-A5E2-A4C1181FA0C3}"/>
-              </a:ext>
-            </a:extLst>
-          </p:cNvPr>
-          <p:cNvSpPr>
-            <a:spLocks noGrp="1"/>
-          </p:cNvSpPr>
-          <p:nvPr>
-            <p:ph type="body" idx="1"/>
-          </p:nvPr>
-        </p:nvSpPr>
-        <p:spPr/>
-        <p:txBody>
-          <a:bodyPr/>
-          <a:lstStyle/>
-          <a:p>
-            <a:endParaRPr lang="en-DE"/>
-          </a:p>
-        </p:txBody>
-      </p:sp>
-      <p:sp>
-        <p:nvSpPr>
-          <p:cNvPr id="4" name="Slide Number Placeholder 3">
-            <a:extLst>
-              <a:ext uri="{FF2B5EF4-FFF2-40B4-BE49-F238E27FC236}">
-                <a16:creationId xmlns:a16="http://schemas.microsoft.com/office/drawing/2014/main" id="{9C863EFF-DB0B-4BD3-9CC1-CEC07ECFEF8D}"/>
+                <a16:creationId xmlns:a16="http://schemas.microsoft.com/office/drawing/2014/main" id="{C0F4C8B9-5D6E-475E-BB24-44D0CF261143}"/>
               </a:ext>
             </a:extLst>
           </p:cNvPr>
@@ -7639,16 +9266,552 @@
           </a:p>
         </p:txBody>
       </p:sp>
+      <p:pic>
+        <p:nvPicPr>
+          <p:cNvPr id="4" name="Picture 3">
+            <a:extLst>
+              <a:ext uri="{FF2B5EF4-FFF2-40B4-BE49-F238E27FC236}">
+                <a16:creationId xmlns:a16="http://schemas.microsoft.com/office/drawing/2014/main" id="{0F9154CD-D602-489F-A690-E8715AC178C0}"/>
+              </a:ext>
+            </a:extLst>
+          </p:cNvPr>
+          <p:cNvPicPr>
+            <a:picLocks noChangeAspect="1"/>
+          </p:cNvPicPr>
+          <p:nvPr/>
+        </p:nvPicPr>
+        <p:blipFill>
+          <a:blip r:embed="rId2"/>
+          <a:stretch>
+            <a:fillRect/>
+          </a:stretch>
+        </p:blipFill>
+        <p:spPr>
+          <a:xfrm>
+            <a:off x="2585036" y="2214079"/>
+            <a:ext cx="715341" cy="715341"/>
+          </a:xfrm>
+          <a:prstGeom prst="rect">
+            <a:avLst/>
+          </a:prstGeom>
+        </p:spPr>
+      </p:pic>
+      <p:pic>
+        <p:nvPicPr>
+          <p:cNvPr id="6" name="Picture 5">
+            <a:extLst>
+              <a:ext uri="{FF2B5EF4-FFF2-40B4-BE49-F238E27FC236}">
+                <a16:creationId xmlns:a16="http://schemas.microsoft.com/office/drawing/2014/main" id="{4AF51BAB-B172-4248-ABBE-007E3B67AE0E}"/>
+              </a:ext>
+            </a:extLst>
+          </p:cNvPr>
+          <p:cNvPicPr>
+            <a:picLocks noChangeAspect="1"/>
+          </p:cNvPicPr>
+          <p:nvPr/>
+        </p:nvPicPr>
+        <p:blipFill>
+          <a:blip r:embed="rId3"/>
+          <a:stretch>
+            <a:fillRect/>
+          </a:stretch>
+        </p:blipFill>
+        <p:spPr>
+          <a:xfrm>
+            <a:off x="1640910" y="2862909"/>
+            <a:ext cx="764362" cy="764362"/>
+          </a:xfrm>
+          <a:prstGeom prst="rect">
+            <a:avLst/>
+          </a:prstGeom>
+        </p:spPr>
+      </p:pic>
+      <p:pic>
+        <p:nvPicPr>
+          <p:cNvPr id="8" name="Graphic 7">
+            <a:extLst>
+              <a:ext uri="{FF2B5EF4-FFF2-40B4-BE49-F238E27FC236}">
+                <a16:creationId xmlns:a16="http://schemas.microsoft.com/office/drawing/2014/main" id="{13DF5454-2016-483D-99B5-E838068FA08B}"/>
+              </a:ext>
+            </a:extLst>
+          </p:cNvPr>
+          <p:cNvPicPr>
+            <a:picLocks noChangeAspect="1"/>
+          </p:cNvPicPr>
+          <p:nvPr/>
+        </p:nvPicPr>
+        <p:blipFill rotWithShape="1">
+          <a:blip r:embed="rId4">
+            <a:extLst>
+              <a:ext uri="{96DAC541-7B7A-43D3-8B79-37D633B846F1}">
+                <asvg:svgBlip xmlns:asvg="http://schemas.microsoft.com/office/drawing/2016/SVG/main" r:embed="rId5"/>
+              </a:ext>
+            </a:extLst>
+          </a:blip>
+          <a:srcRect t="30144" b="32176"/>
+          <a:stretch/>
+        </p:blipFill>
+        <p:spPr>
+          <a:xfrm>
+            <a:off x="1144887" y="2280591"/>
+            <a:ext cx="1545427" cy="582318"/>
+          </a:xfrm>
+          <a:prstGeom prst="rect">
+            <a:avLst/>
+          </a:prstGeom>
+        </p:spPr>
+      </p:pic>
+      <p:pic>
+        <p:nvPicPr>
+          <p:cNvPr id="10" name="Picture 9">
+            <a:extLst>
+              <a:ext uri="{FF2B5EF4-FFF2-40B4-BE49-F238E27FC236}">
+                <a16:creationId xmlns:a16="http://schemas.microsoft.com/office/drawing/2014/main" id="{DBE082E9-9AA0-4CF3-96AB-98D888BE2FA5}"/>
+              </a:ext>
+            </a:extLst>
+          </p:cNvPr>
+          <p:cNvPicPr>
+            <a:picLocks noChangeAspect="1"/>
+          </p:cNvPicPr>
+          <p:nvPr/>
+        </p:nvPicPr>
+        <p:blipFill>
+          <a:blip r:embed="rId6"/>
+          <a:stretch>
+            <a:fillRect/>
+          </a:stretch>
+        </p:blipFill>
+        <p:spPr>
+          <a:xfrm>
+            <a:off x="1555885" y="1224591"/>
+            <a:ext cx="934412" cy="934412"/>
+          </a:xfrm>
+          <a:prstGeom prst="rect">
+            <a:avLst/>
+          </a:prstGeom>
+        </p:spPr>
+      </p:pic>
+      <p:pic>
+        <p:nvPicPr>
+          <p:cNvPr id="11" name="Graphic 10">
+            <a:extLst>
+              <a:ext uri="{FF2B5EF4-FFF2-40B4-BE49-F238E27FC236}">
+                <a16:creationId xmlns:a16="http://schemas.microsoft.com/office/drawing/2014/main" id="{1298EC2B-C9FE-4281-954F-C223DAE59DCD}"/>
+              </a:ext>
+            </a:extLst>
+          </p:cNvPr>
+          <p:cNvPicPr>
+            <a:picLocks noChangeAspect="1"/>
+          </p:cNvPicPr>
+          <p:nvPr/>
+        </p:nvPicPr>
+        <p:blipFill>
+          <a:blip r:embed="rId7">
+            <a:extLst>
+              <a:ext uri="{96DAC541-7B7A-43D3-8B79-37D633B846F1}">
+                <asvg:svgBlip xmlns:asvg="http://schemas.microsoft.com/office/drawing/2016/SVG/main" r:embed="rId8"/>
+              </a:ext>
+            </a:extLst>
+          </a:blip>
+          <a:stretch>
+            <a:fillRect/>
+          </a:stretch>
+        </p:blipFill>
+        <p:spPr>
+          <a:xfrm>
+            <a:off x="1392941" y="3627271"/>
+            <a:ext cx="1260299" cy="891076"/>
+          </a:xfrm>
+          <a:prstGeom prst="rect">
+            <a:avLst/>
+          </a:prstGeom>
+        </p:spPr>
+      </p:pic>
+      <p:pic>
+        <p:nvPicPr>
+          <p:cNvPr id="13" name="Graphic 12">
+            <a:extLst>
+              <a:ext uri="{FF2B5EF4-FFF2-40B4-BE49-F238E27FC236}">
+                <a16:creationId xmlns:a16="http://schemas.microsoft.com/office/drawing/2014/main" id="{DE2E503C-1E45-494D-880A-FBCC392BB804}"/>
+              </a:ext>
+            </a:extLst>
+          </p:cNvPr>
+          <p:cNvPicPr>
+            <a:picLocks noChangeAspect="1"/>
+          </p:cNvPicPr>
+          <p:nvPr/>
+        </p:nvPicPr>
+        <p:blipFill>
+          <a:blip r:embed="rId9">
+            <a:extLst>
+              <a:ext uri="{96DAC541-7B7A-43D3-8B79-37D633B846F1}">
+                <asvg:svgBlip xmlns:asvg="http://schemas.microsoft.com/office/drawing/2016/SVG/main" r:embed="rId10"/>
+              </a:ext>
+            </a:extLst>
+          </a:blip>
+          <a:stretch>
+            <a:fillRect/>
+          </a:stretch>
+        </p:blipFill>
+        <p:spPr>
+          <a:xfrm>
+            <a:off x="1280682" y="291156"/>
+            <a:ext cx="1484819" cy="908508"/>
+          </a:xfrm>
+          <a:prstGeom prst="rect">
+            <a:avLst/>
+          </a:prstGeom>
+        </p:spPr>
+      </p:pic>
+      <p:sp>
+        <p:nvSpPr>
+          <p:cNvPr id="14" name="TextBox 13">
+            <a:extLst>
+              <a:ext uri="{FF2B5EF4-FFF2-40B4-BE49-F238E27FC236}">
+                <a16:creationId xmlns:a16="http://schemas.microsoft.com/office/drawing/2014/main" id="{DA50B76E-80ED-4260-9FF0-7CC4270DA2A5}"/>
+              </a:ext>
+            </a:extLst>
+          </p:cNvPr>
+          <p:cNvSpPr txBox="1"/>
+          <p:nvPr/>
+        </p:nvSpPr>
+        <p:spPr>
+          <a:xfrm>
+            <a:off x="3106270" y="389965"/>
+            <a:ext cx="4316506" cy="523220"/>
+          </a:xfrm>
+          <a:prstGeom prst="rect">
+            <a:avLst/>
+          </a:prstGeom>
+          <a:noFill/>
+        </p:spPr>
+        <p:txBody>
+          <a:bodyPr wrap="square" rtlCol="0">
+            <a:spAutoFit/>
+          </a:bodyPr>
+          <a:lstStyle/>
+          <a:p>
+            <a:r>
+              <a:rPr lang="en-US" dirty="0"/>
+              <a:t>open-source, cross-platform JavaScript run-time environment</a:t>
+            </a:r>
+            <a:endParaRPr lang="en-DE" dirty="0"/>
+          </a:p>
+        </p:txBody>
+      </p:sp>
+      <p:sp>
+        <p:nvSpPr>
+          <p:cNvPr id="15" name="TextBox 14">
+            <a:extLst>
+              <a:ext uri="{FF2B5EF4-FFF2-40B4-BE49-F238E27FC236}">
+                <a16:creationId xmlns:a16="http://schemas.microsoft.com/office/drawing/2014/main" id="{3A040DB7-5F62-4459-B8AE-78A77242C204}"/>
+              </a:ext>
+            </a:extLst>
+          </p:cNvPr>
+          <p:cNvSpPr txBox="1"/>
+          <p:nvPr/>
+        </p:nvSpPr>
+        <p:spPr>
+          <a:xfrm>
+            <a:off x="3106270" y="1440975"/>
+            <a:ext cx="4316506" cy="523220"/>
+          </a:xfrm>
+          <a:prstGeom prst="rect">
+            <a:avLst/>
+          </a:prstGeom>
+          <a:noFill/>
+        </p:spPr>
+        <p:txBody>
+          <a:bodyPr wrap="square" rtlCol="0">
+            <a:spAutoFit/>
+          </a:bodyPr>
+          <a:lstStyle/>
+          <a:p>
+            <a:r>
+              <a:rPr lang="en-US" dirty="0" err="1"/>
+              <a:t>clientseitiges</a:t>
+            </a:r>
+            <a:r>
+              <a:rPr lang="en-US" dirty="0"/>
+              <a:t> JavaScript-</a:t>
+            </a:r>
+            <a:r>
+              <a:rPr lang="en-US" dirty="0" err="1"/>
+              <a:t>Webframework</a:t>
+            </a:r>
+            <a:r>
+              <a:rPr lang="en-US" dirty="0"/>
+              <a:t> </a:t>
+            </a:r>
+            <a:r>
+              <a:rPr lang="en-US" dirty="0" err="1"/>
+              <a:t>für</a:t>
+            </a:r>
+            <a:r>
+              <a:rPr lang="en-US" dirty="0"/>
+              <a:t> die </a:t>
+            </a:r>
+            <a:r>
+              <a:rPr lang="en-US" dirty="0" err="1"/>
+              <a:t>Benutzeroberfläche</a:t>
+            </a:r>
+            <a:endParaRPr lang="en-DE" dirty="0"/>
+          </a:p>
+        </p:txBody>
+      </p:sp>
+      <p:sp>
+        <p:nvSpPr>
+          <p:cNvPr id="16" name="TextBox 15">
+            <a:extLst>
+              <a:ext uri="{FF2B5EF4-FFF2-40B4-BE49-F238E27FC236}">
+                <a16:creationId xmlns:a16="http://schemas.microsoft.com/office/drawing/2014/main" id="{51107462-9D9B-4708-BEB4-F9B534E84795}"/>
+              </a:ext>
+            </a:extLst>
+          </p:cNvPr>
+          <p:cNvSpPr txBox="1"/>
+          <p:nvPr/>
+        </p:nvSpPr>
+        <p:spPr>
+          <a:xfrm>
+            <a:off x="3480141" y="2310139"/>
+            <a:ext cx="4316506" cy="523220"/>
+          </a:xfrm>
+          <a:prstGeom prst="rect">
+            <a:avLst/>
+          </a:prstGeom>
+          <a:noFill/>
+        </p:spPr>
+        <p:txBody>
+          <a:bodyPr wrap="square" rtlCol="0">
+            <a:spAutoFit/>
+          </a:bodyPr>
+          <a:lstStyle/>
+          <a:p>
+            <a:r>
+              <a:rPr lang="en-US" dirty="0"/>
+              <a:t>open-source framework </a:t>
+            </a:r>
+            <a:r>
+              <a:rPr lang="en-US" dirty="0" err="1"/>
+              <a:t>zur</a:t>
+            </a:r>
+            <a:r>
+              <a:rPr lang="en-US" dirty="0"/>
+              <a:t> </a:t>
+            </a:r>
+            <a:r>
+              <a:rPr lang="en-US" dirty="0" err="1"/>
+              <a:t>erstellung</a:t>
+            </a:r>
+            <a:r>
+              <a:rPr lang="en-US" dirty="0"/>
+              <a:t> von Mobile </a:t>
+            </a:r>
+            <a:r>
+              <a:rPr lang="en-US" dirty="0" err="1"/>
+              <a:t>Applikationen</a:t>
+            </a:r>
+            <a:r>
+              <a:rPr lang="en-US" dirty="0"/>
+              <a:t>. </a:t>
+            </a:r>
+            <a:r>
+              <a:rPr lang="en-US" dirty="0" err="1"/>
+              <a:t>Basiert</a:t>
+            </a:r>
+            <a:r>
+              <a:rPr lang="en-US" dirty="0"/>
+              <a:t> auf Cordova.</a:t>
+            </a:r>
+            <a:endParaRPr lang="en-DE" dirty="0"/>
+          </a:p>
+        </p:txBody>
+      </p:sp>
+      <p:sp>
+        <p:nvSpPr>
+          <p:cNvPr id="17" name="TextBox 16">
+            <a:extLst>
+              <a:ext uri="{FF2B5EF4-FFF2-40B4-BE49-F238E27FC236}">
+                <a16:creationId xmlns:a16="http://schemas.microsoft.com/office/drawing/2014/main" id="{610FD7EF-2D2B-4707-8A7D-B16321FF863A}"/>
+              </a:ext>
+            </a:extLst>
+          </p:cNvPr>
+          <p:cNvSpPr txBox="1"/>
+          <p:nvPr/>
+        </p:nvSpPr>
+        <p:spPr>
+          <a:xfrm>
+            <a:off x="3106270" y="2985759"/>
+            <a:ext cx="4316506" cy="738664"/>
+          </a:xfrm>
+          <a:prstGeom prst="rect">
+            <a:avLst/>
+          </a:prstGeom>
+          <a:noFill/>
+        </p:spPr>
+        <p:txBody>
+          <a:bodyPr wrap="square" rtlCol="0">
+            <a:spAutoFit/>
+          </a:bodyPr>
+          <a:lstStyle/>
+          <a:p>
+            <a:r>
+              <a:rPr lang="en-US" dirty="0"/>
+              <a:t>open-source framework, welches das </a:t>
+            </a:r>
+            <a:r>
+              <a:rPr lang="en-US" dirty="0" err="1"/>
+              <a:t>Ausführung</a:t>
+            </a:r>
+            <a:r>
+              <a:rPr lang="en-US" dirty="0"/>
+              <a:t> von cross-platform Desktop-</a:t>
+            </a:r>
+            <a:r>
+              <a:rPr lang="en-US" dirty="0" err="1"/>
+              <a:t>Anwendungen</a:t>
+            </a:r>
+            <a:r>
+              <a:rPr lang="en-US" dirty="0"/>
+              <a:t> </a:t>
+            </a:r>
+            <a:r>
+              <a:rPr lang="en-US" dirty="0" err="1"/>
+              <a:t>ermöglicht</a:t>
+            </a:r>
+            <a:endParaRPr lang="en-DE" dirty="0"/>
+          </a:p>
+        </p:txBody>
+      </p:sp>
+      <p:sp>
+        <p:nvSpPr>
+          <p:cNvPr id="18" name="TextBox 17">
+            <a:extLst>
+              <a:ext uri="{FF2B5EF4-FFF2-40B4-BE49-F238E27FC236}">
+                <a16:creationId xmlns:a16="http://schemas.microsoft.com/office/drawing/2014/main" id="{20F41F69-8918-4ED8-BA78-671C4890304E}"/>
+              </a:ext>
+            </a:extLst>
+          </p:cNvPr>
+          <p:cNvSpPr txBox="1"/>
+          <p:nvPr/>
+        </p:nvSpPr>
+        <p:spPr>
+          <a:xfrm>
+            <a:off x="3106270" y="3940256"/>
+            <a:ext cx="4316506" cy="523220"/>
+          </a:xfrm>
+          <a:prstGeom prst="rect">
+            <a:avLst/>
+          </a:prstGeom>
+          <a:noFill/>
+        </p:spPr>
+        <p:txBody>
+          <a:bodyPr wrap="square" rtlCol="0">
+            <a:spAutoFit/>
+          </a:bodyPr>
+          <a:lstStyle/>
+          <a:p>
+            <a:r>
+              <a:rPr lang="de-DE" dirty="0"/>
+              <a:t>freie Webanwendung zur Administration von MySQL-Datenbanken</a:t>
+            </a:r>
+            <a:endParaRPr lang="en-DE" dirty="0"/>
+          </a:p>
+        </p:txBody>
+      </p:sp>
     </p:spTree>
     <p:extLst>
       <p:ext uri="{BB962C8B-B14F-4D97-AF65-F5344CB8AC3E}">
-        <p14:creationId xmlns:p14="http://schemas.microsoft.com/office/powerpoint/2010/main" val="938323181"/>
+        <p14:creationId xmlns:p14="http://schemas.microsoft.com/office/powerpoint/2010/main" val="765475940"/>
       </p:ext>
     </p:extLst>
   </p:cSld>
   <p:clrMapOvr>
     <a:masterClrMapping/>
   </p:clrMapOvr>
+  <p:timing>
+    <p:tnLst>
+      <p:par>
+        <p:cTn id="1" dur="indefinite" restart="never" nodeType="tmRoot">
+          <p:childTnLst>
+            <p:seq concurrent="1" nextAc="seek">
+              <p:cTn id="2" dur="indefinite" nodeType="mainSeq">
+                <p:childTnLst>
+                  <p:par>
+                    <p:cTn id="3" fill="hold">
+                      <p:stCondLst>
+                        <p:cond delay="indefinite"/>
+                      </p:stCondLst>
+                      <p:childTnLst>
+                        <p:par>
+                          <p:cTn id="4" fill="hold">
+                            <p:stCondLst>
+                              <p:cond delay="0"/>
+                            </p:stCondLst>
+                            <p:childTnLst>
+                              <p:par>
+                                <p:cTn id="5" presetID="10" presetClass="entr" presetSubtype="0" fill="hold" nodeType="clickEffect">
+                                  <p:stCondLst>
+                                    <p:cond delay="0"/>
+                                  </p:stCondLst>
+                                  <p:childTnLst>
+                                    <p:set>
+                                      <p:cBhvr>
+                                        <p:cTn id="6" dur="1" fill="hold">
+                                          <p:stCondLst>
+                                            <p:cond delay="0"/>
+                                          </p:stCondLst>
+                                        </p:cTn>
+                                        <p:tgtEl>
+                                          <p:spTgt spid="11"/>
+                                        </p:tgtEl>
+                                        <p:attrNameLst>
+                                          <p:attrName>style.visibility</p:attrName>
+                                        </p:attrNameLst>
+                                      </p:cBhvr>
+                                      <p:to>
+                                        <p:strVal val="visible"/>
+                                      </p:to>
+                                    </p:set>
+                                    <p:animEffect transition="in" filter="fade">
+                                      <p:cBhvr>
+                                        <p:cTn id="7" dur="500"/>
+                                        <p:tgtEl>
+                                          <p:spTgt spid="11"/>
+                                        </p:tgtEl>
+                                      </p:cBhvr>
+                                    </p:animEffect>
+                                  </p:childTnLst>
+                                </p:cTn>
+                              </p:par>
+                            </p:childTnLst>
+                          </p:cTn>
+                        </p:par>
+                      </p:childTnLst>
+                    </p:cTn>
+                  </p:par>
+                </p:childTnLst>
+              </p:cTn>
+              <p:prevCondLst>
+                <p:cond evt="onPrev" delay="0">
+                  <p:tgtEl>
+                    <p:sldTgt/>
+                  </p:tgtEl>
+                </p:cond>
+              </p:prevCondLst>
+              <p:nextCondLst>
+                <p:cond evt="onNext" delay="0">
+                  <p:tgtEl>
+                    <p:sldTgt/>
+                  </p:tgtEl>
+                </p:cond>
+              </p:nextCondLst>
+            </p:seq>
+          </p:childTnLst>
+        </p:cTn>
+      </p:par>
+    </p:tnLst>
+  </p:timing>
 </p:sld>
 </file>
 
@@ -7787,11 +9950,10 @@
                   <a:srgbClr val="FFFFFF"/>
                 </a:solidFill>
                 <a:latin typeface="Poppins"/>
-                <a:ea typeface="Poppins"/>
                 <a:cs typeface="Poppins"/>
                 <a:sym typeface="Poppins"/>
               </a:rPr>
-              <a:t>4</a:t>
+              <a:t>3</a:t>
             </a:r>
             <a:endParaRPr sz="6000" dirty="0">
               <a:solidFill>
@@ -7801,6 +9963,204 @@
           </a:p>
         </p:txBody>
       </p:sp>
+      <p:grpSp>
+        <p:nvGrpSpPr>
+          <p:cNvPr id="4" name="Group 3">
+            <a:extLst>
+              <a:ext uri="{FF2B5EF4-FFF2-40B4-BE49-F238E27FC236}">
+                <a16:creationId xmlns:a16="http://schemas.microsoft.com/office/drawing/2014/main" id="{629A416D-8C9E-46C2-9472-98881DC67EB2}"/>
+              </a:ext>
+            </a:extLst>
+          </p:cNvPr>
+          <p:cNvGrpSpPr/>
+          <p:nvPr/>
+        </p:nvGrpSpPr>
+        <p:grpSpPr>
+          <a:xfrm>
+            <a:off x="7480299" y="-511232"/>
+            <a:ext cx="1825761" cy="2980532"/>
+            <a:chOff x="7480299" y="-498532"/>
+            <a:chExt cx="1825761" cy="2980532"/>
+          </a:xfrm>
+        </p:grpSpPr>
+        <p:sp>
+          <p:nvSpPr>
+            <p:cNvPr id="2" name="Rectangle 1">
+              <a:extLst>
+                <a:ext uri="{FF2B5EF4-FFF2-40B4-BE49-F238E27FC236}">
+                  <a16:creationId xmlns:a16="http://schemas.microsoft.com/office/drawing/2014/main" id="{65F9DB6D-EC6A-407B-BC38-834A9E4575C0}"/>
+                </a:ext>
+              </a:extLst>
+            </p:cNvPr>
+            <p:cNvSpPr/>
+            <p:nvPr/>
+          </p:nvSpPr>
+          <p:spPr>
+            <a:xfrm rot="2700000">
+              <a:off x="7749296" y="925236"/>
+              <a:ext cx="2519663" cy="593865"/>
+            </a:xfrm>
+            <a:prstGeom prst="rect">
+              <a:avLst/>
+            </a:prstGeom>
+            <a:solidFill>
+              <a:srgbClr val="898989"/>
+            </a:solidFill>
+            <a:ln>
+              <a:noFill/>
+            </a:ln>
+          </p:spPr>
+          <p:style>
+            <a:lnRef idx="2">
+              <a:schemeClr val="accent1">
+                <a:shade val="50000"/>
+              </a:schemeClr>
+            </a:lnRef>
+            <a:fillRef idx="1">
+              <a:schemeClr val="accent1"/>
+            </a:fillRef>
+            <a:effectRef idx="0">
+              <a:schemeClr val="accent1"/>
+            </a:effectRef>
+            <a:fontRef idx="minor">
+              <a:schemeClr val="lt1"/>
+            </a:fontRef>
+          </p:style>
+          <p:txBody>
+            <a:bodyPr rtlCol="0" anchor="ctr"/>
+            <a:lstStyle/>
+            <a:p>
+              <a:pPr algn="ctr"/>
+              <a:endParaRPr lang="en-DE" sz="2800" b="1" spc="600" dirty="0">
+                <a:latin typeface="Poppins" panose="020B0604020202020204" charset="0"/>
+                <a:cs typeface="Poppins" panose="020B0604020202020204" charset="0"/>
+              </a:endParaRPr>
+            </a:p>
+          </p:txBody>
+        </p:sp>
+        <p:sp>
+          <p:nvSpPr>
+            <p:cNvPr id="3" name="Isosceles Triangle 2">
+              <a:extLst>
+                <a:ext uri="{FF2B5EF4-FFF2-40B4-BE49-F238E27FC236}">
+                  <a16:creationId xmlns:a16="http://schemas.microsoft.com/office/drawing/2014/main" id="{4BC6571E-796D-474E-B9AC-6955C43C6D20}"/>
+                </a:ext>
+              </a:extLst>
+            </p:cNvPr>
+            <p:cNvSpPr/>
+            <p:nvPr/>
+          </p:nvSpPr>
+          <p:spPr>
+            <a:xfrm rot="10800000">
+              <a:off x="7480299" y="124543"/>
+              <a:ext cx="846417" cy="732705"/>
+            </a:xfrm>
+            <a:prstGeom prst="triangle">
+              <a:avLst>
+                <a:gd name="adj" fmla="val 11181"/>
+              </a:avLst>
+            </a:prstGeom>
+            <a:solidFill>
+              <a:srgbClr val="898989"/>
+            </a:solidFill>
+            <a:ln>
+              <a:noFill/>
+            </a:ln>
+          </p:spPr>
+          <p:style>
+            <a:lnRef idx="2">
+              <a:schemeClr val="accent1">
+                <a:shade val="50000"/>
+              </a:schemeClr>
+            </a:lnRef>
+            <a:fillRef idx="1">
+              <a:schemeClr val="accent1"/>
+            </a:fillRef>
+            <a:effectRef idx="0">
+              <a:schemeClr val="accent1"/>
+            </a:effectRef>
+            <a:fontRef idx="minor">
+              <a:schemeClr val="lt1"/>
+            </a:fontRef>
+          </p:style>
+          <p:txBody>
+            <a:bodyPr rot="0" spcFirstLastPara="0" vertOverflow="overflow" horzOverflow="overflow" vert="horz" wrap="square" lIns="91440" tIns="45720" rIns="91440" bIns="45720" numCol="1" spcCol="0" rtlCol="0" fromWordArt="0" anchor="ctr" anchorCtr="0" forceAA="0" compatLnSpc="1">
+              <a:prstTxWarp prst="textNoShape">
+                <a:avLst/>
+              </a:prstTxWarp>
+              <a:noAutofit/>
+            </a:bodyPr>
+            <a:lstStyle/>
+            <a:p>
+              <a:pPr algn="ctr"/>
+              <a:endParaRPr lang="en-DE" sz="2800" b="1" spc="600">
+                <a:latin typeface="Poppins" panose="020B0604020202020204" charset="0"/>
+                <a:cs typeface="Poppins" panose="020B0604020202020204" charset="0"/>
+              </a:endParaRPr>
+            </a:p>
+          </p:txBody>
+        </p:sp>
+        <p:sp>
+          <p:nvSpPr>
+            <p:cNvPr id="7" name="Rectangle 6">
+              <a:extLst>
+                <a:ext uri="{FF2B5EF4-FFF2-40B4-BE49-F238E27FC236}">
+                  <a16:creationId xmlns:a16="http://schemas.microsoft.com/office/drawing/2014/main" id="{C734B3B5-6191-4132-99FB-4DB3376D7563}"/>
+                </a:ext>
+              </a:extLst>
+            </p:cNvPr>
+            <p:cNvSpPr/>
+            <p:nvPr/>
+          </p:nvSpPr>
+          <p:spPr>
+            <a:xfrm rot="2700000">
+              <a:off x="7272683" y="464367"/>
+              <a:ext cx="2519663" cy="593865"/>
+            </a:xfrm>
+            <a:prstGeom prst="rect">
+              <a:avLst/>
+            </a:prstGeom>
+            <a:noFill/>
+            <a:ln>
+              <a:noFill/>
+            </a:ln>
+          </p:spPr>
+          <p:style>
+            <a:lnRef idx="2">
+              <a:schemeClr val="accent1">
+                <a:shade val="50000"/>
+              </a:schemeClr>
+            </a:lnRef>
+            <a:fillRef idx="1">
+              <a:schemeClr val="accent1"/>
+            </a:fillRef>
+            <a:effectRef idx="0">
+              <a:schemeClr val="accent1"/>
+            </a:effectRef>
+            <a:fontRef idx="minor">
+              <a:schemeClr val="lt1"/>
+            </a:fontRef>
+          </p:style>
+          <p:txBody>
+            <a:bodyPr rtlCol="0" anchor="ctr"/>
+            <a:lstStyle/>
+            <a:p>
+              <a:pPr algn="ctr"/>
+              <a:r>
+                <a:rPr lang="en-US" sz="2800" b="1" spc="600" dirty="0">
+                  <a:latin typeface="Poppins" panose="020B0604020202020204" charset="0"/>
+                  <a:cs typeface="Poppins" panose="020B0604020202020204" charset="0"/>
+                </a:rPr>
+                <a:t>DEMO</a:t>
+              </a:r>
+              <a:endParaRPr lang="en-DE" sz="2800" b="1" spc="600" dirty="0">
+                <a:latin typeface="Poppins" panose="020B0604020202020204" charset="0"/>
+                <a:cs typeface="Poppins" panose="020B0604020202020204" charset="0"/>
+              </a:endParaRPr>
+            </a:p>
+          </p:txBody>
+        </p:sp>
+      </p:grpSp>
     </p:spTree>
     <p:extLst>
       <p:ext uri="{BB962C8B-B14F-4D97-AF65-F5344CB8AC3E}">
@@ -7815,6 +10175,580 @@
 </file>
 
 <file path=ppt/slides/slide12.xml><?xml version="1.0" encoding="utf-8"?>
+<p:sld xmlns:a="http://schemas.openxmlformats.org/drawingml/2006/main" xmlns:r="http://schemas.openxmlformats.org/officeDocument/2006/relationships" xmlns:p="http://schemas.openxmlformats.org/presentationml/2006/main">
+  <p:cSld>
+    <p:spTree>
+      <p:nvGrpSpPr>
+        <p:cNvPr id="1" name=""/>
+        <p:cNvGrpSpPr/>
+        <p:nvPr/>
+      </p:nvGrpSpPr>
+      <p:grpSpPr>
+        <a:xfrm>
+          <a:off x="0" y="0"/>
+          <a:ext cx="0" cy="0"/>
+          <a:chOff x="0" y="0"/>
+          <a:chExt cx="0" cy="0"/>
+        </a:xfrm>
+      </p:grpSpPr>
+      <p:sp>
+        <p:nvSpPr>
+          <p:cNvPr id="2" name="Title 1">
+            <a:extLst>
+              <a:ext uri="{FF2B5EF4-FFF2-40B4-BE49-F238E27FC236}">
+                <a16:creationId xmlns:a16="http://schemas.microsoft.com/office/drawing/2014/main" id="{B94B0667-0BB5-416B-9DF3-70F98FE6168C}"/>
+              </a:ext>
+            </a:extLst>
+          </p:cNvPr>
+          <p:cNvSpPr>
+            <a:spLocks noGrp="1"/>
+          </p:cNvSpPr>
+          <p:nvPr>
+            <p:ph type="title"/>
+          </p:nvPr>
+        </p:nvSpPr>
+        <p:spPr/>
+        <p:txBody>
+          <a:bodyPr/>
+          <a:lstStyle/>
+          <a:p>
+            <a:endParaRPr lang="en-DE"/>
+          </a:p>
+        </p:txBody>
+      </p:sp>
+      <p:sp>
+        <p:nvSpPr>
+          <p:cNvPr id="3" name="Text Placeholder 2">
+            <a:extLst>
+              <a:ext uri="{FF2B5EF4-FFF2-40B4-BE49-F238E27FC236}">
+                <a16:creationId xmlns:a16="http://schemas.microsoft.com/office/drawing/2014/main" id="{51701602-80CD-42C6-8A06-79DC9E729894}"/>
+              </a:ext>
+            </a:extLst>
+          </p:cNvPr>
+          <p:cNvSpPr>
+            <a:spLocks noGrp="1"/>
+          </p:cNvSpPr>
+          <p:nvPr>
+            <p:ph type="body" idx="1"/>
+          </p:nvPr>
+        </p:nvSpPr>
+        <p:spPr/>
+        <p:txBody>
+          <a:bodyPr/>
+          <a:lstStyle/>
+          <a:p>
+            <a:endParaRPr lang="en-DE"/>
+          </a:p>
+        </p:txBody>
+      </p:sp>
+      <p:sp>
+        <p:nvSpPr>
+          <p:cNvPr id="4" name="Slide Number Placeholder 3">
+            <a:extLst>
+              <a:ext uri="{FF2B5EF4-FFF2-40B4-BE49-F238E27FC236}">
+                <a16:creationId xmlns:a16="http://schemas.microsoft.com/office/drawing/2014/main" id="{42581076-4232-46C9-8D6A-6C816E942F65}"/>
+              </a:ext>
+            </a:extLst>
+          </p:cNvPr>
+          <p:cNvSpPr>
+            <a:spLocks noGrp="1"/>
+          </p:cNvSpPr>
+          <p:nvPr>
+            <p:ph type="sldNum" idx="12"/>
+          </p:nvPr>
+        </p:nvSpPr>
+        <p:spPr/>
+        <p:txBody>
+          <a:bodyPr/>
+          <a:lstStyle/>
+          <a:p>
+            <a:pPr marL="0" lvl="0" indent="0" algn="ctr" rtl="0">
+              <a:spcBef>
+                <a:spcPts val="0"/>
+              </a:spcBef>
+              <a:spcAft>
+                <a:spcPts val="0"/>
+              </a:spcAft>
+              <a:buNone/>
+            </a:pPr>
+            <a:fld id="{00000000-1234-1234-1234-123412341234}" type="slidenum">
+              <a:rPr lang="en" smtClean="0"/>
+              <a:t>12</a:t>
+            </a:fld>
+            <a:endParaRPr lang="en"/>
+          </a:p>
+        </p:txBody>
+      </p:sp>
+    </p:spTree>
+    <p:extLst>
+      <p:ext uri="{BB962C8B-B14F-4D97-AF65-F5344CB8AC3E}">
+        <p14:creationId xmlns:p14="http://schemas.microsoft.com/office/powerpoint/2010/main" val="383329481"/>
+      </p:ext>
+    </p:extLst>
+  </p:cSld>
+  <p:clrMapOvr>
+    <a:masterClrMapping/>
+  </p:clrMapOvr>
+</p:sld>
+</file>
+
+<file path=ppt/slides/slide13.xml><?xml version="1.0" encoding="utf-8"?>
+<p:sld xmlns:a="http://schemas.openxmlformats.org/drawingml/2006/main" xmlns:r="http://schemas.openxmlformats.org/officeDocument/2006/relationships" xmlns:p="http://schemas.openxmlformats.org/presentationml/2006/main">
+  <p:cSld>
+    <p:spTree>
+      <p:nvGrpSpPr>
+        <p:cNvPr id="1" name=""/>
+        <p:cNvGrpSpPr/>
+        <p:nvPr/>
+      </p:nvGrpSpPr>
+      <p:grpSpPr>
+        <a:xfrm>
+          <a:off x="0" y="0"/>
+          <a:ext cx="0" cy="0"/>
+          <a:chOff x="0" y="0"/>
+          <a:chExt cx="0" cy="0"/>
+        </a:xfrm>
+      </p:grpSpPr>
+      <p:sp>
+        <p:nvSpPr>
+          <p:cNvPr id="7" name="Heart 6">
+            <a:extLst>
+              <a:ext uri="{FF2B5EF4-FFF2-40B4-BE49-F238E27FC236}">
+                <a16:creationId xmlns:a16="http://schemas.microsoft.com/office/drawing/2014/main" id="{CE9A215E-5E4B-40DC-9F5F-C3F0A5A283B9}"/>
+              </a:ext>
+            </a:extLst>
+          </p:cNvPr>
+          <p:cNvSpPr/>
+          <p:nvPr/>
+        </p:nvSpPr>
+        <p:spPr>
+          <a:xfrm>
+            <a:off x="1628162" y="909901"/>
+            <a:ext cx="5488525" cy="3415553"/>
+          </a:xfrm>
+          <a:prstGeom prst="heart">
+            <a:avLst/>
+          </a:prstGeom>
+          <a:solidFill>
+            <a:srgbClr val="FF7171"/>
+          </a:solidFill>
+          <a:ln>
+            <a:noFill/>
+          </a:ln>
+        </p:spPr>
+        <p:style>
+          <a:lnRef idx="2">
+            <a:schemeClr val="accent1">
+              <a:shade val="50000"/>
+            </a:schemeClr>
+          </a:lnRef>
+          <a:fillRef idx="1">
+            <a:schemeClr val="accent1"/>
+          </a:fillRef>
+          <a:effectRef idx="0">
+            <a:schemeClr val="accent1"/>
+          </a:effectRef>
+          <a:fontRef idx="minor">
+            <a:schemeClr val="lt1"/>
+          </a:fontRef>
+        </p:style>
+        <p:txBody>
+          <a:bodyPr rtlCol="0" anchor="ctr"/>
+          <a:lstStyle/>
+          <a:p>
+            <a:pPr algn="ctr"/>
+            <a:endParaRPr lang="en-DE"/>
+          </a:p>
+        </p:txBody>
+      </p:sp>
+      <p:sp>
+        <p:nvSpPr>
+          <p:cNvPr id="2" name="Title 1">
+            <a:extLst>
+              <a:ext uri="{FF2B5EF4-FFF2-40B4-BE49-F238E27FC236}">
+                <a16:creationId xmlns:a16="http://schemas.microsoft.com/office/drawing/2014/main" id="{B5E0DC24-B072-4A64-9325-BD32EAB5BD76}"/>
+              </a:ext>
+            </a:extLst>
+          </p:cNvPr>
+          <p:cNvSpPr>
+            <a:spLocks noGrp="1"/>
+          </p:cNvSpPr>
+          <p:nvPr>
+            <p:ph type="title"/>
+          </p:nvPr>
+        </p:nvSpPr>
+        <p:spPr/>
+        <p:txBody>
+          <a:bodyPr/>
+          <a:lstStyle/>
+          <a:p>
+            <a:r>
+              <a:rPr lang="en-US" dirty="0"/>
+              <a:t>Driving-E-Car</a:t>
+            </a:r>
+            <a:endParaRPr lang="en-DE" dirty="0"/>
+          </a:p>
+        </p:txBody>
+      </p:sp>
+      <p:sp>
+        <p:nvSpPr>
+          <p:cNvPr id="4" name="Slide Number Placeholder 3">
+            <a:extLst>
+              <a:ext uri="{FF2B5EF4-FFF2-40B4-BE49-F238E27FC236}">
+                <a16:creationId xmlns:a16="http://schemas.microsoft.com/office/drawing/2014/main" id="{9C863EFF-DB0B-4BD3-9CC1-CEC07ECFEF8D}"/>
+              </a:ext>
+            </a:extLst>
+          </p:cNvPr>
+          <p:cNvSpPr>
+            <a:spLocks noGrp="1"/>
+          </p:cNvSpPr>
+          <p:nvPr>
+            <p:ph type="sldNum" idx="12"/>
+          </p:nvPr>
+        </p:nvSpPr>
+        <p:spPr/>
+        <p:txBody>
+          <a:bodyPr/>
+          <a:lstStyle/>
+          <a:p>
+            <a:pPr marL="0" lvl="0" indent="0" algn="ctr" rtl="0">
+              <a:spcBef>
+                <a:spcPts val="0"/>
+              </a:spcBef>
+              <a:spcAft>
+                <a:spcPts val="0"/>
+              </a:spcAft>
+              <a:buNone/>
+            </a:pPr>
+            <a:fld id="{00000000-1234-1234-1234-123412341234}" type="slidenum">
+              <a:rPr lang="en" smtClean="0"/>
+              <a:t>13</a:t>
+            </a:fld>
+            <a:endParaRPr lang="en"/>
+          </a:p>
+        </p:txBody>
+      </p:sp>
+      <p:pic>
+        <p:nvPicPr>
+          <p:cNvPr id="6" name="Picture 5">
+            <a:extLst>
+              <a:ext uri="{FF2B5EF4-FFF2-40B4-BE49-F238E27FC236}">
+                <a16:creationId xmlns:a16="http://schemas.microsoft.com/office/drawing/2014/main" id="{FD9E1C27-721B-43F5-BC79-2BF9601E0F78}"/>
+              </a:ext>
+            </a:extLst>
+          </p:cNvPr>
+          <p:cNvPicPr>
+            <a:picLocks noChangeAspect="1"/>
+          </p:cNvPicPr>
+          <p:nvPr/>
+        </p:nvPicPr>
+        <p:blipFill>
+          <a:blip r:embed="rId3"/>
+          <a:stretch>
+            <a:fillRect/>
+          </a:stretch>
+        </p:blipFill>
+        <p:spPr>
+          <a:xfrm>
+            <a:off x="7454722" y="3372565"/>
+            <a:ext cx="761671" cy="1523340"/>
+          </a:xfrm>
+          <a:prstGeom prst="rect">
+            <a:avLst/>
+          </a:prstGeom>
+        </p:spPr>
+      </p:pic>
+      <p:pic>
+        <p:nvPicPr>
+          <p:cNvPr id="5" name="Picture 4">
+            <a:extLst>
+              <a:ext uri="{FF2B5EF4-FFF2-40B4-BE49-F238E27FC236}">
+                <a16:creationId xmlns:a16="http://schemas.microsoft.com/office/drawing/2014/main" id="{98418DDF-C26B-4849-A4CB-DE302A94237F}"/>
+              </a:ext>
+            </a:extLst>
+          </p:cNvPr>
+          <p:cNvPicPr>
+            <a:picLocks noChangeAspect="1"/>
+          </p:cNvPicPr>
+          <p:nvPr/>
+        </p:nvPicPr>
+        <p:blipFill>
+          <a:blip r:embed="rId4"/>
+          <a:stretch>
+            <a:fillRect/>
+          </a:stretch>
+        </p:blipFill>
+        <p:spPr>
+          <a:xfrm>
+            <a:off x="225109" y="2339790"/>
+            <a:ext cx="1032775" cy="1032775"/>
+          </a:xfrm>
+          <a:prstGeom prst="rect">
+            <a:avLst/>
+          </a:prstGeom>
+        </p:spPr>
+      </p:pic>
+      <p:pic>
+        <p:nvPicPr>
+          <p:cNvPr id="10" name="Picture 9">
+            <a:extLst>
+              <a:ext uri="{FF2B5EF4-FFF2-40B4-BE49-F238E27FC236}">
+                <a16:creationId xmlns:a16="http://schemas.microsoft.com/office/drawing/2014/main" id="{F047623E-A92D-4FE5-BFF3-E87EF339C8C3}"/>
+              </a:ext>
+            </a:extLst>
+          </p:cNvPr>
+          <p:cNvPicPr>
+            <a:picLocks noChangeAspect="1"/>
+          </p:cNvPicPr>
+          <p:nvPr/>
+        </p:nvPicPr>
+        <p:blipFill>
+          <a:blip r:embed="rId5"/>
+          <a:stretch>
+            <a:fillRect/>
+          </a:stretch>
+        </p:blipFill>
+        <p:spPr>
+          <a:xfrm>
+            <a:off x="2353232" y="1821101"/>
+            <a:ext cx="3452500" cy="2070152"/>
+          </a:xfrm>
+          <a:prstGeom prst="rect">
+            <a:avLst/>
+          </a:prstGeom>
+        </p:spPr>
+      </p:pic>
+      <p:sp>
+        <p:nvSpPr>
+          <p:cNvPr id="19" name="Rectangle 18">
+            <a:extLst>
+              <a:ext uri="{FF2B5EF4-FFF2-40B4-BE49-F238E27FC236}">
+                <a16:creationId xmlns:a16="http://schemas.microsoft.com/office/drawing/2014/main" id="{CA088E2B-03FB-4898-921D-9016CF75BB05}"/>
+              </a:ext>
+            </a:extLst>
+          </p:cNvPr>
+          <p:cNvSpPr/>
+          <p:nvPr/>
+        </p:nvSpPr>
+        <p:spPr>
+          <a:xfrm>
+            <a:off x="5662911" y="1166125"/>
+            <a:ext cx="734182" cy="1173665"/>
+          </a:xfrm>
+          <a:prstGeom prst="rect">
+            <a:avLst/>
+          </a:prstGeom>
+        </p:spPr>
+        <p:style>
+          <a:lnRef idx="2">
+            <a:schemeClr val="accent1">
+              <a:shade val="50000"/>
+            </a:schemeClr>
+          </a:lnRef>
+          <a:fillRef idx="1">
+            <a:schemeClr val="accent1"/>
+          </a:fillRef>
+          <a:effectRef idx="0">
+            <a:schemeClr val="accent1"/>
+          </a:effectRef>
+          <a:fontRef idx="minor">
+            <a:schemeClr val="lt1"/>
+          </a:fontRef>
+        </p:style>
+        <p:txBody>
+          <a:bodyPr rtlCol="0" anchor="ctr"/>
+          <a:lstStyle/>
+          <a:p>
+            <a:pPr algn="ctr"/>
+            <a:endParaRPr lang="en-DE"/>
+          </a:p>
+        </p:txBody>
+      </p:sp>
+      <p:pic>
+        <p:nvPicPr>
+          <p:cNvPr id="20" name="Picture 19">
+            <a:extLst>
+              <a:ext uri="{FF2B5EF4-FFF2-40B4-BE49-F238E27FC236}">
+                <a16:creationId xmlns:a16="http://schemas.microsoft.com/office/drawing/2014/main" id="{E6CA06C3-9434-4294-8B0A-BF8E0C414CF7}"/>
+              </a:ext>
+            </a:extLst>
+          </p:cNvPr>
+          <p:cNvPicPr>
+            <a:picLocks noChangeAspect="1"/>
+          </p:cNvPicPr>
+          <p:nvPr/>
+        </p:nvPicPr>
+        <p:blipFill>
+          <a:blip r:embed="rId6"/>
+          <a:stretch>
+            <a:fillRect/>
+          </a:stretch>
+        </p:blipFill>
+        <p:spPr>
+          <a:xfrm>
+            <a:off x="5841638" y="1826745"/>
+            <a:ext cx="376727" cy="376727"/>
+          </a:xfrm>
+          <a:prstGeom prst="rect">
+            <a:avLst/>
+          </a:prstGeom>
+        </p:spPr>
+      </p:pic>
+      <p:pic>
+        <p:nvPicPr>
+          <p:cNvPr id="21" name="Picture 20">
+            <a:extLst>
+              <a:ext uri="{FF2B5EF4-FFF2-40B4-BE49-F238E27FC236}">
+                <a16:creationId xmlns:a16="http://schemas.microsoft.com/office/drawing/2014/main" id="{A8453B20-EB18-4322-9904-2970BDD52650}"/>
+              </a:ext>
+            </a:extLst>
+          </p:cNvPr>
+          <p:cNvPicPr>
+            <a:picLocks noChangeAspect="1"/>
+          </p:cNvPicPr>
+          <p:nvPr/>
+        </p:nvPicPr>
+        <p:blipFill>
+          <a:blip r:embed="rId7"/>
+          <a:stretch>
+            <a:fillRect/>
+          </a:stretch>
+        </p:blipFill>
+        <p:spPr>
+          <a:xfrm>
+            <a:off x="5809067" y="1332214"/>
+            <a:ext cx="441870" cy="441870"/>
+          </a:xfrm>
+          <a:prstGeom prst="rect">
+            <a:avLst/>
+          </a:prstGeom>
+        </p:spPr>
+      </p:pic>
+      <p:pic>
+        <p:nvPicPr>
+          <p:cNvPr id="13" name="Picture 12">
+            <a:extLst>
+              <a:ext uri="{FF2B5EF4-FFF2-40B4-BE49-F238E27FC236}">
+                <a16:creationId xmlns:a16="http://schemas.microsoft.com/office/drawing/2014/main" id="{27111254-2B8A-4EEE-AA34-0E64BED314FB}"/>
+              </a:ext>
+            </a:extLst>
+          </p:cNvPr>
+          <p:cNvPicPr>
+            <a:picLocks noChangeAspect="1"/>
+          </p:cNvPicPr>
+          <p:nvPr/>
+        </p:nvPicPr>
+        <p:blipFill rotWithShape="1">
+          <a:blip r:embed="rId8"/>
+          <a:srcRect l="-7227" b="14959"/>
+          <a:stretch/>
+        </p:blipFill>
+        <p:spPr>
+          <a:xfrm rot="5400000" flipH="1">
+            <a:off x="5602115" y="2372757"/>
+            <a:ext cx="734182" cy="582272"/>
+          </a:xfrm>
+          <a:prstGeom prst="rect">
+            <a:avLst/>
+          </a:prstGeom>
+        </p:spPr>
+      </p:pic>
+      <p:pic>
+        <p:nvPicPr>
+          <p:cNvPr id="22" name="Picture 21">
+            <a:extLst>
+              <a:ext uri="{FF2B5EF4-FFF2-40B4-BE49-F238E27FC236}">
+                <a16:creationId xmlns:a16="http://schemas.microsoft.com/office/drawing/2014/main" id="{5EC3AFA9-0BB5-4A76-A26E-F9F96F5ED6D6}"/>
+              </a:ext>
+            </a:extLst>
+          </p:cNvPr>
+          <p:cNvPicPr>
+            <a:picLocks noChangeAspect="1"/>
+          </p:cNvPicPr>
+          <p:nvPr/>
+        </p:nvPicPr>
+        <p:blipFill>
+          <a:blip r:embed="rId9"/>
+          <a:stretch>
+            <a:fillRect/>
+          </a:stretch>
+        </p:blipFill>
+        <p:spPr>
+          <a:xfrm>
+            <a:off x="178196" y="3400464"/>
+            <a:ext cx="1201197" cy="1201197"/>
+          </a:xfrm>
+          <a:prstGeom prst="rect">
+            <a:avLst/>
+          </a:prstGeom>
+        </p:spPr>
+      </p:pic>
+      <p:sp>
+        <p:nvSpPr>
+          <p:cNvPr id="23" name="Heart 22">
+            <a:extLst>
+              <a:ext uri="{FF2B5EF4-FFF2-40B4-BE49-F238E27FC236}">
+                <a16:creationId xmlns:a16="http://schemas.microsoft.com/office/drawing/2014/main" id="{F2FA11F2-5541-4ED8-A450-82B2D8D8EB19}"/>
+              </a:ext>
+            </a:extLst>
+          </p:cNvPr>
+          <p:cNvSpPr/>
+          <p:nvPr/>
+        </p:nvSpPr>
+        <p:spPr>
+          <a:xfrm>
+            <a:off x="7176399" y="2072104"/>
+            <a:ext cx="1343638" cy="1183578"/>
+          </a:xfrm>
+          <a:prstGeom prst="heart">
+            <a:avLst/>
+          </a:prstGeom>
+          <a:solidFill>
+            <a:srgbClr val="FF7171"/>
+          </a:solidFill>
+          <a:ln>
+            <a:noFill/>
+          </a:ln>
+        </p:spPr>
+        <p:style>
+          <a:lnRef idx="2">
+            <a:schemeClr val="accent1">
+              <a:shade val="50000"/>
+            </a:schemeClr>
+          </a:lnRef>
+          <a:fillRef idx="1">
+            <a:schemeClr val="accent1"/>
+          </a:fillRef>
+          <a:effectRef idx="0">
+            <a:schemeClr val="accent1"/>
+          </a:effectRef>
+          <a:fontRef idx="minor">
+            <a:schemeClr val="lt1"/>
+          </a:fontRef>
+        </p:style>
+        <p:txBody>
+          <a:bodyPr rtlCol="0" anchor="ctr"/>
+          <a:lstStyle/>
+          <a:p>
+            <a:pPr algn="ctr"/>
+            <a:endParaRPr lang="en-DE"/>
+          </a:p>
+        </p:txBody>
+      </p:sp>
+    </p:spTree>
+    <p:extLst>
+      <p:ext uri="{BB962C8B-B14F-4D97-AF65-F5344CB8AC3E}">
+        <p14:creationId xmlns:p14="http://schemas.microsoft.com/office/powerpoint/2010/main" val="2615780169"/>
+      </p:ext>
+    </p:extLst>
+  </p:cSld>
+  <p:clrMapOvr>
+    <a:masterClrMapping/>
+  </p:clrMapOvr>
+</p:sld>
+</file>
+
+<file path=ppt/slides/slide14.xml><?xml version="1.0" encoding="utf-8"?>
 <p:sld xmlns:a="http://schemas.openxmlformats.org/drawingml/2006/main" xmlns:r="http://schemas.openxmlformats.org/officeDocument/2006/relationships" xmlns:p="http://schemas.openxmlformats.org/presentationml/2006/main">
   <p:cSld>
     <p:spTree>
@@ -7959,11 +10893,10 @@
                   <a:srgbClr val="FFFFFF"/>
                 </a:solidFill>
                 <a:latin typeface="Poppins"/>
-                <a:ea typeface="Poppins"/>
                 <a:cs typeface="Poppins"/>
                 <a:sym typeface="Poppins"/>
               </a:rPr>
-              <a:t>5</a:t>
+              <a:t>4</a:t>
             </a:r>
             <a:endParaRPr sz="6000" dirty="0">
               <a:solidFill>
@@ -7986,7 +10919,7 @@
 </p:sld>
 </file>
 
-<file path=ppt/slides/slide13.xml><?xml version="1.0" encoding="utf-8"?>
+<file path=ppt/slides/slide15.xml><?xml version="1.0" encoding="utf-8"?>
 <p:sld xmlns:a="http://schemas.openxmlformats.org/drawingml/2006/main" xmlns:r="http://schemas.openxmlformats.org/officeDocument/2006/relationships" xmlns:p="http://schemas.openxmlformats.org/presentationml/2006/main">
   <p:cSld>
     <p:spTree>
@@ -8035,7 +10968,7 @@
             </a:pPr>
             <a:fld id="{00000000-1234-1234-1234-123412341234}" type="slidenum">
               <a:rPr lang="en" smtClean="0"/>
-              <a:t>13</a:t>
+              <a:t>15</a:t>
             </a:fld>
             <a:endParaRPr lang="en"/>
           </a:p>
@@ -8096,7 +11029,7 @@
               <p:nvPr/>
             </p:nvPicPr>
             <p:blipFill rotWithShape="1">
-              <a:blip r:embed="rId2"/>
+              <a:blip r:embed="rId3"/>
               <a:srcRect b="40710"/>
               <a:stretch/>
             </p:blipFill>
@@ -8125,7 +11058,7 @@
               <p:nvPr/>
             </p:nvPicPr>
             <p:blipFill rotWithShape="1">
-              <a:blip r:embed="rId2"/>
+              <a:blip r:embed="rId3"/>
               <a:srcRect t="83896"/>
               <a:stretch/>
             </p:blipFill>
@@ -8154,7 +11087,7 @@
               <p:nvPr/>
             </p:nvPicPr>
             <p:blipFill rotWithShape="1">
-              <a:blip r:embed="rId2"/>
+              <a:blip r:embed="rId3"/>
               <a:srcRect t="64677" b="22903"/>
               <a:stretch/>
             </p:blipFill>
@@ -8625,7 +11558,7 @@
                 <p:nvPr/>
               </p:nvPicPr>
               <p:blipFill rotWithShape="1">
-                <a:blip r:embed="rId3"/>
+                <a:blip r:embed="rId4"/>
                 <a:srcRect t="35502" b="61544"/>
                 <a:stretch/>
               </p:blipFill>
@@ -8654,7 +11587,7 @@
                 <p:nvPr/>
               </p:nvPicPr>
               <p:blipFill rotWithShape="1">
-                <a:blip r:embed="rId3"/>
+                <a:blip r:embed="rId4"/>
                 <a:srcRect b="28246"/>
                 <a:stretch/>
               </p:blipFill>
@@ -8684,7 +11617,7 @@
               <p:nvPr/>
             </p:nvPicPr>
             <p:blipFill rotWithShape="1">
-              <a:blip r:embed="rId3"/>
+              <a:blip r:embed="rId4"/>
               <a:srcRect t="96008" b="-6811"/>
               <a:stretch/>
             </p:blipFill>
@@ -9229,7 +12162,7 @@
 </p:sld>
 </file>
 
-<file path=ppt/slides/slide14.xml><?xml version="1.0" encoding="utf-8"?>
+<file path=ppt/slides/slide16.xml><?xml version="1.0" encoding="utf-8"?>
 <p:sld xmlns:a="http://schemas.openxmlformats.org/drawingml/2006/main" xmlns:r="http://schemas.openxmlformats.org/officeDocument/2006/relationships" xmlns:p="http://schemas.openxmlformats.org/presentationml/2006/main">
   <p:cSld>
     <p:spTree>
@@ -9533,7 +12466,7 @@
             </a:pPr>
             <a:fld id="{00000000-1234-1234-1234-123412341234}" type="slidenum">
               <a:rPr lang="de-DE" smtClean="0"/>
-              <a:t>14</a:t>
+              <a:t>16</a:t>
             </a:fld>
             <a:endParaRPr lang="de-DE"/>
           </a:p>
@@ -10742,64 +13675,6 @@
               <a:solidFill>
                 <a:srgbClr val="000000"/>
               </a:solidFill>
-              <a:latin typeface="Arial"/>
-            </a:endParaRPr>
-          </a:p>
-          <a:p>
-            <a:pPr indent="-329760"/>
-            <a:r>
-              <a:rPr lang="en-US" spc="-1" dirty="0">
-                <a:solidFill>
-                  <a:srgbClr val="000000"/>
-                </a:solidFill>
-              </a:rPr>
-              <a:t>Der </a:t>
-            </a:r>
-            <a:r>
-              <a:rPr lang="en-US" spc="-1" dirty="0" err="1">
-                <a:solidFill>
-                  <a:srgbClr val="000000"/>
-                </a:solidFill>
-              </a:rPr>
-              <a:t>Weg</a:t>
-            </a:r>
-            <a:r>
-              <a:rPr lang="en-US" spc="-1" dirty="0">
-                <a:solidFill>
-                  <a:srgbClr val="000000"/>
-                </a:solidFill>
-              </a:rPr>
-              <a:t> bis </a:t>
-            </a:r>
-            <a:r>
-              <a:rPr lang="en-US" spc="-1" dirty="0" err="1">
-                <a:solidFill>
-                  <a:srgbClr val="000000"/>
-                </a:solidFill>
-              </a:rPr>
-              <a:t>hier</a:t>
-            </a:r>
-            <a:r>
-              <a:rPr lang="en-US" spc="-1" dirty="0">
-                <a:solidFill>
-                  <a:srgbClr val="000000"/>
-                </a:solidFill>
-              </a:rPr>
-              <a:t> </a:t>
-            </a:r>
-            <a:r>
-              <a:rPr lang="en-US" spc="-1" dirty="0" err="1">
-                <a:solidFill>
-                  <a:srgbClr val="000000"/>
-                </a:solidFill>
-              </a:rPr>
-              <a:t>hin</a:t>
-            </a:r>
-            <a:endParaRPr lang="en-US" spc="-1" dirty="0">
-              <a:solidFill>
-                <a:srgbClr val="000000"/>
-              </a:solidFill>
-              <a:latin typeface="Arial"/>
             </a:endParaRPr>
           </a:p>
           <a:p>
@@ -11610,6 +14485,1213 @@
   <p:cSld>
     <p:spTree>
       <p:nvGrpSpPr>
+        <p:cNvPr id="1" name=""/>
+        <p:cNvGrpSpPr/>
+        <p:nvPr/>
+      </p:nvGrpSpPr>
+      <p:grpSpPr>
+        <a:xfrm>
+          <a:off x="0" y="0"/>
+          <a:ext cx="0" cy="0"/>
+          <a:chOff x="0" y="0"/>
+          <a:chExt cx="0" cy="0"/>
+        </a:xfrm>
+      </p:grpSpPr>
+      <p:sp>
+        <p:nvSpPr>
+          <p:cNvPr id="16" name="Cloud 15">
+            <a:extLst>
+              <a:ext uri="{FF2B5EF4-FFF2-40B4-BE49-F238E27FC236}">
+                <a16:creationId xmlns:a16="http://schemas.microsoft.com/office/drawing/2014/main" id="{FE329A19-5DA2-4C3A-A497-2FAB37BB9D50}"/>
+              </a:ext>
+            </a:extLst>
+          </p:cNvPr>
+          <p:cNvSpPr/>
+          <p:nvPr/>
+        </p:nvSpPr>
+        <p:spPr>
+          <a:xfrm>
+            <a:off x="1544997" y="1097305"/>
+            <a:ext cx="5329330" cy="2744787"/>
+          </a:xfrm>
+          <a:prstGeom prst="cloud">
+            <a:avLst/>
+          </a:prstGeom>
+        </p:spPr>
+        <p:style>
+          <a:lnRef idx="2">
+            <a:schemeClr val="accent1">
+              <a:shade val="50000"/>
+            </a:schemeClr>
+          </a:lnRef>
+          <a:fillRef idx="1">
+            <a:schemeClr val="accent1"/>
+          </a:fillRef>
+          <a:effectRef idx="0">
+            <a:schemeClr val="accent1"/>
+          </a:effectRef>
+          <a:fontRef idx="minor">
+            <a:schemeClr val="lt1"/>
+          </a:fontRef>
+        </p:style>
+        <p:txBody>
+          <a:bodyPr rtlCol="0" anchor="ctr"/>
+          <a:lstStyle/>
+          <a:p>
+            <a:pPr algn="ctr"/>
+            <a:endParaRPr lang="en-DE"/>
+          </a:p>
+        </p:txBody>
+      </p:sp>
+      <p:sp>
+        <p:nvSpPr>
+          <p:cNvPr id="15" name="Rectangle 14">
+            <a:extLst>
+              <a:ext uri="{FF2B5EF4-FFF2-40B4-BE49-F238E27FC236}">
+                <a16:creationId xmlns:a16="http://schemas.microsoft.com/office/drawing/2014/main" id="{A1960747-D4B7-4076-812F-1B2CDA895271}"/>
+              </a:ext>
+            </a:extLst>
+          </p:cNvPr>
+          <p:cNvSpPr/>
+          <p:nvPr/>
+        </p:nvSpPr>
+        <p:spPr>
+          <a:xfrm>
+            <a:off x="4733366" y="1166125"/>
+            <a:ext cx="1331258" cy="2128151"/>
+          </a:xfrm>
+          <a:prstGeom prst="rect">
+            <a:avLst/>
+          </a:prstGeom>
+        </p:spPr>
+        <p:style>
+          <a:lnRef idx="2">
+            <a:schemeClr val="accent1">
+              <a:shade val="50000"/>
+            </a:schemeClr>
+          </a:lnRef>
+          <a:fillRef idx="1">
+            <a:schemeClr val="accent1"/>
+          </a:fillRef>
+          <a:effectRef idx="0">
+            <a:schemeClr val="accent1"/>
+          </a:effectRef>
+          <a:fontRef idx="minor">
+            <a:schemeClr val="lt1"/>
+          </a:fontRef>
+        </p:style>
+        <p:txBody>
+          <a:bodyPr rtlCol="0" anchor="ctr"/>
+          <a:lstStyle/>
+          <a:p>
+            <a:pPr algn="ctr"/>
+            <a:endParaRPr lang="en-DE"/>
+          </a:p>
+        </p:txBody>
+      </p:sp>
+      <p:sp>
+        <p:nvSpPr>
+          <p:cNvPr id="2" name="Title 1">
+            <a:extLst>
+              <a:ext uri="{FF2B5EF4-FFF2-40B4-BE49-F238E27FC236}">
+                <a16:creationId xmlns:a16="http://schemas.microsoft.com/office/drawing/2014/main" id="{B5E0DC24-B072-4A64-9325-BD32EAB5BD76}"/>
+              </a:ext>
+            </a:extLst>
+          </p:cNvPr>
+          <p:cNvSpPr>
+            <a:spLocks noGrp="1"/>
+          </p:cNvSpPr>
+          <p:nvPr>
+            <p:ph type="title"/>
+          </p:nvPr>
+        </p:nvSpPr>
+        <p:spPr/>
+        <p:txBody>
+          <a:bodyPr/>
+          <a:lstStyle/>
+          <a:p>
+            <a:endParaRPr lang="en-DE" dirty="0"/>
+          </a:p>
+        </p:txBody>
+      </p:sp>
+      <p:sp>
+        <p:nvSpPr>
+          <p:cNvPr id="4" name="Slide Number Placeholder 3">
+            <a:extLst>
+              <a:ext uri="{FF2B5EF4-FFF2-40B4-BE49-F238E27FC236}">
+                <a16:creationId xmlns:a16="http://schemas.microsoft.com/office/drawing/2014/main" id="{9C863EFF-DB0B-4BD3-9CC1-CEC07ECFEF8D}"/>
+              </a:ext>
+            </a:extLst>
+          </p:cNvPr>
+          <p:cNvSpPr>
+            <a:spLocks noGrp="1"/>
+          </p:cNvSpPr>
+          <p:nvPr>
+            <p:ph type="sldNum" idx="12"/>
+          </p:nvPr>
+        </p:nvSpPr>
+        <p:spPr/>
+        <p:txBody>
+          <a:bodyPr/>
+          <a:lstStyle/>
+          <a:p>
+            <a:pPr marL="0" lvl="0" indent="0" algn="ctr" rtl="0">
+              <a:spcBef>
+                <a:spcPts val="0"/>
+              </a:spcBef>
+              <a:spcAft>
+                <a:spcPts val="0"/>
+              </a:spcAft>
+              <a:buNone/>
+            </a:pPr>
+            <a:fld id="{00000000-1234-1234-1234-123412341234}" type="slidenum">
+              <a:rPr lang="en" smtClean="0"/>
+              <a:t>5</a:t>
+            </a:fld>
+            <a:endParaRPr lang="en"/>
+          </a:p>
+        </p:txBody>
+      </p:sp>
+      <p:pic>
+        <p:nvPicPr>
+          <p:cNvPr id="8" name="Picture 7">
+            <a:extLst>
+              <a:ext uri="{FF2B5EF4-FFF2-40B4-BE49-F238E27FC236}">
+                <a16:creationId xmlns:a16="http://schemas.microsoft.com/office/drawing/2014/main" id="{EBCDBF93-E351-4AF4-A01A-D7C2B38E559F}"/>
+              </a:ext>
+            </a:extLst>
+          </p:cNvPr>
+          <p:cNvPicPr>
+            <a:picLocks noChangeAspect="1"/>
+          </p:cNvPicPr>
+          <p:nvPr/>
+        </p:nvPicPr>
+        <p:blipFill>
+          <a:blip r:embed="rId2"/>
+          <a:stretch>
+            <a:fillRect/>
+          </a:stretch>
+        </p:blipFill>
+        <p:spPr>
+          <a:xfrm>
+            <a:off x="1985870" y="2002025"/>
+            <a:ext cx="2223792" cy="1333407"/>
+          </a:xfrm>
+          <a:prstGeom prst="rect">
+            <a:avLst/>
+          </a:prstGeom>
+        </p:spPr>
+      </p:pic>
+      <p:pic>
+        <p:nvPicPr>
+          <p:cNvPr id="12" name="Picture 11">
+            <a:extLst>
+              <a:ext uri="{FF2B5EF4-FFF2-40B4-BE49-F238E27FC236}">
+                <a16:creationId xmlns:a16="http://schemas.microsoft.com/office/drawing/2014/main" id="{E5A2103A-94E8-46BB-8FF6-E49C0518BE4C}"/>
+              </a:ext>
+            </a:extLst>
+          </p:cNvPr>
+          <p:cNvPicPr>
+            <a:picLocks noChangeAspect="1"/>
+          </p:cNvPicPr>
+          <p:nvPr/>
+        </p:nvPicPr>
+        <p:blipFill>
+          <a:blip r:embed="rId3"/>
+          <a:stretch>
+            <a:fillRect/>
+          </a:stretch>
+        </p:blipFill>
+        <p:spPr>
+          <a:xfrm>
+            <a:off x="5072712" y="2469699"/>
+            <a:ext cx="683101" cy="683101"/>
+          </a:xfrm>
+          <a:prstGeom prst="rect">
+            <a:avLst/>
+          </a:prstGeom>
+        </p:spPr>
+      </p:pic>
+      <p:pic>
+        <p:nvPicPr>
+          <p:cNvPr id="14" name="Picture 13">
+            <a:extLst>
+              <a:ext uri="{FF2B5EF4-FFF2-40B4-BE49-F238E27FC236}">
+                <a16:creationId xmlns:a16="http://schemas.microsoft.com/office/drawing/2014/main" id="{26E3D096-88F0-403D-AB7A-CFF4325392DF}"/>
+              </a:ext>
+            </a:extLst>
+          </p:cNvPr>
+          <p:cNvPicPr>
+            <a:picLocks noChangeAspect="1"/>
+          </p:cNvPicPr>
+          <p:nvPr/>
+        </p:nvPicPr>
+        <p:blipFill>
+          <a:blip r:embed="rId4"/>
+          <a:stretch>
+            <a:fillRect/>
+          </a:stretch>
+        </p:blipFill>
+        <p:spPr>
+          <a:xfrm>
+            <a:off x="5013651" y="1529016"/>
+            <a:ext cx="801221" cy="801221"/>
+          </a:xfrm>
+          <a:prstGeom prst="rect">
+            <a:avLst/>
+          </a:prstGeom>
+        </p:spPr>
+      </p:pic>
+      <p:sp>
+        <p:nvSpPr>
+          <p:cNvPr id="17" name="Oval 16">
+            <a:extLst>
+              <a:ext uri="{FF2B5EF4-FFF2-40B4-BE49-F238E27FC236}">
+                <a16:creationId xmlns:a16="http://schemas.microsoft.com/office/drawing/2014/main" id="{11486821-1AA3-4DB8-91ED-3B2863FBC2F7}"/>
+              </a:ext>
+            </a:extLst>
+          </p:cNvPr>
+          <p:cNvSpPr/>
+          <p:nvPr/>
+        </p:nvSpPr>
+        <p:spPr>
+          <a:xfrm>
+            <a:off x="764088" y="3018329"/>
+            <a:ext cx="268941" cy="268941"/>
+          </a:xfrm>
+          <a:prstGeom prst="ellipse">
+            <a:avLst/>
+          </a:prstGeom>
+        </p:spPr>
+        <p:style>
+          <a:lnRef idx="2">
+            <a:schemeClr val="accent1">
+              <a:shade val="50000"/>
+            </a:schemeClr>
+          </a:lnRef>
+          <a:fillRef idx="1">
+            <a:schemeClr val="accent1"/>
+          </a:fillRef>
+          <a:effectRef idx="0">
+            <a:schemeClr val="accent1"/>
+          </a:effectRef>
+          <a:fontRef idx="minor">
+            <a:schemeClr val="lt1"/>
+          </a:fontRef>
+        </p:style>
+        <p:txBody>
+          <a:bodyPr rtlCol="0" anchor="ctr"/>
+          <a:lstStyle/>
+          <a:p>
+            <a:pPr algn="ctr"/>
+            <a:endParaRPr lang="en-DE"/>
+          </a:p>
+        </p:txBody>
+      </p:sp>
+      <p:sp>
+        <p:nvSpPr>
+          <p:cNvPr id="18" name="Oval 17">
+            <a:extLst>
+              <a:ext uri="{FF2B5EF4-FFF2-40B4-BE49-F238E27FC236}">
+                <a16:creationId xmlns:a16="http://schemas.microsoft.com/office/drawing/2014/main" id="{AEB691D4-5E6C-4E61-8602-B4F66439CD50}"/>
+              </a:ext>
+            </a:extLst>
+          </p:cNvPr>
+          <p:cNvSpPr/>
+          <p:nvPr/>
+        </p:nvSpPr>
+        <p:spPr>
+          <a:xfrm>
+            <a:off x="1160801" y="2697488"/>
+            <a:ext cx="395932" cy="455312"/>
+          </a:xfrm>
+          <a:prstGeom prst="ellipse">
+            <a:avLst/>
+          </a:prstGeom>
+        </p:spPr>
+        <p:style>
+          <a:lnRef idx="2">
+            <a:schemeClr val="accent1">
+              <a:shade val="50000"/>
+            </a:schemeClr>
+          </a:lnRef>
+          <a:fillRef idx="1">
+            <a:schemeClr val="accent1"/>
+          </a:fillRef>
+          <a:effectRef idx="0">
+            <a:schemeClr val="accent1"/>
+          </a:effectRef>
+          <a:fontRef idx="minor">
+            <a:schemeClr val="lt1"/>
+          </a:fontRef>
+        </p:style>
+        <p:txBody>
+          <a:bodyPr rtlCol="0" anchor="ctr"/>
+          <a:lstStyle/>
+          <a:p>
+            <a:pPr algn="ctr"/>
+            <a:endParaRPr lang="en-DE"/>
+          </a:p>
+        </p:txBody>
+      </p:sp>
+      <p:pic>
+        <p:nvPicPr>
+          <p:cNvPr id="22" name="Picture 21">
+            <a:extLst>
+              <a:ext uri="{FF2B5EF4-FFF2-40B4-BE49-F238E27FC236}">
+                <a16:creationId xmlns:a16="http://schemas.microsoft.com/office/drawing/2014/main" id="{3E2A5BDE-3588-49D3-AA80-A29F7B642D4C}"/>
+              </a:ext>
+            </a:extLst>
+          </p:cNvPr>
+          <p:cNvPicPr>
+            <a:picLocks noChangeAspect="1"/>
+          </p:cNvPicPr>
+          <p:nvPr/>
+        </p:nvPicPr>
+        <p:blipFill>
+          <a:blip r:embed="rId5"/>
+          <a:stretch>
+            <a:fillRect/>
+          </a:stretch>
+        </p:blipFill>
+        <p:spPr>
+          <a:xfrm>
+            <a:off x="178196" y="3400464"/>
+            <a:ext cx="1201197" cy="1201197"/>
+          </a:xfrm>
+          <a:prstGeom prst="rect">
+            <a:avLst/>
+          </a:prstGeom>
+        </p:spPr>
+      </p:pic>
+    </p:spTree>
+    <p:extLst>
+      <p:ext uri="{BB962C8B-B14F-4D97-AF65-F5344CB8AC3E}">
+        <p14:creationId xmlns:p14="http://schemas.microsoft.com/office/powerpoint/2010/main" val="2532445428"/>
+      </p:ext>
+    </p:extLst>
+  </p:cSld>
+  <p:clrMapOvr>
+    <a:masterClrMapping/>
+  </p:clrMapOvr>
+</p:sld>
+</file>
+
+<file path=ppt/slides/slide6.xml><?xml version="1.0" encoding="utf-8"?>
+<p:sld xmlns:a="http://schemas.openxmlformats.org/drawingml/2006/main" xmlns:r="http://schemas.openxmlformats.org/officeDocument/2006/relationships" xmlns:p="http://schemas.openxmlformats.org/presentationml/2006/main">
+  <p:cSld>
+    <p:spTree>
+      <p:nvGrpSpPr>
+        <p:cNvPr id="1" name=""/>
+        <p:cNvGrpSpPr/>
+        <p:nvPr/>
+      </p:nvGrpSpPr>
+      <p:grpSpPr>
+        <a:xfrm>
+          <a:off x="0" y="0"/>
+          <a:ext cx="0" cy="0"/>
+          <a:chOff x="0" y="0"/>
+          <a:chExt cx="0" cy="0"/>
+        </a:xfrm>
+      </p:grpSpPr>
+      <p:sp>
+        <p:nvSpPr>
+          <p:cNvPr id="2" name="Title 1">
+            <a:extLst>
+              <a:ext uri="{FF2B5EF4-FFF2-40B4-BE49-F238E27FC236}">
+                <a16:creationId xmlns:a16="http://schemas.microsoft.com/office/drawing/2014/main" id="{6136D400-25DC-48D4-BDB8-9CE098B0D423}"/>
+              </a:ext>
+            </a:extLst>
+          </p:cNvPr>
+          <p:cNvSpPr>
+            <a:spLocks noGrp="1"/>
+          </p:cNvSpPr>
+          <p:nvPr>
+            <p:ph type="title"/>
+          </p:nvPr>
+        </p:nvSpPr>
+        <p:spPr/>
+        <p:txBody>
+          <a:bodyPr/>
+          <a:lstStyle/>
+          <a:p>
+            <a:endParaRPr lang="en-DE"/>
+          </a:p>
+        </p:txBody>
+      </p:sp>
+      <p:sp>
+        <p:nvSpPr>
+          <p:cNvPr id="3" name="Text Placeholder 2">
+            <a:extLst>
+              <a:ext uri="{FF2B5EF4-FFF2-40B4-BE49-F238E27FC236}">
+                <a16:creationId xmlns:a16="http://schemas.microsoft.com/office/drawing/2014/main" id="{33FF9405-DDF2-4B02-A776-B815CD4B634D}"/>
+              </a:ext>
+            </a:extLst>
+          </p:cNvPr>
+          <p:cNvSpPr>
+            <a:spLocks noGrp="1"/>
+          </p:cNvSpPr>
+          <p:nvPr>
+            <p:ph type="body" idx="1"/>
+          </p:nvPr>
+        </p:nvSpPr>
+        <p:spPr/>
+        <p:txBody>
+          <a:bodyPr/>
+          <a:lstStyle/>
+          <a:p>
+            <a:r>
+              <a:rPr lang="en-US" dirty="0"/>
+              <a:t>Was </a:t>
+            </a:r>
+            <a:r>
+              <a:rPr lang="en-US" dirty="0" err="1"/>
+              <a:t>für</a:t>
+            </a:r>
+            <a:r>
+              <a:rPr lang="en-US" dirty="0"/>
+              <a:t> </a:t>
+            </a:r>
+            <a:r>
+              <a:rPr lang="en-US" dirty="0" err="1"/>
+              <a:t>ein</a:t>
+            </a:r>
+            <a:r>
+              <a:rPr lang="en-US" dirty="0"/>
+              <a:t> E-Auto?</a:t>
+            </a:r>
+          </a:p>
+          <a:p>
+            <a:r>
+              <a:rPr lang="en-US" dirty="0"/>
+              <a:t>Welches E-Auto?</a:t>
+            </a:r>
+          </a:p>
+          <a:p>
+            <a:r>
+              <a:rPr lang="en-US" dirty="0" err="1"/>
+              <a:t>Worauf</a:t>
+            </a:r>
+            <a:r>
+              <a:rPr lang="en-US" dirty="0"/>
+              <a:t> muss man </a:t>
+            </a:r>
+            <a:r>
+              <a:rPr lang="en-US" dirty="0" err="1"/>
+              <a:t>achten</a:t>
+            </a:r>
+            <a:r>
+              <a:rPr lang="en-US" dirty="0"/>
+              <a:t>?</a:t>
+            </a:r>
+          </a:p>
+          <a:p>
+            <a:r>
+              <a:rPr lang="en-US" dirty="0" err="1"/>
+              <a:t>Kann</a:t>
+            </a:r>
+            <a:r>
+              <a:rPr lang="en-US" dirty="0"/>
+              <a:t> ich </a:t>
+            </a:r>
+            <a:r>
+              <a:rPr lang="en-US" dirty="0" err="1"/>
+              <a:t>mir</a:t>
+            </a:r>
+            <a:r>
+              <a:rPr lang="en-US" dirty="0"/>
+              <a:t> das </a:t>
+            </a:r>
+            <a:r>
+              <a:rPr lang="en-US" dirty="0" err="1"/>
+              <a:t>überhaupt</a:t>
+            </a:r>
+            <a:r>
+              <a:rPr lang="en-US" dirty="0"/>
+              <a:t> </a:t>
+            </a:r>
+            <a:r>
+              <a:rPr lang="en-US" dirty="0" err="1"/>
+              <a:t>leisten</a:t>
+            </a:r>
+            <a:r>
+              <a:rPr lang="en-US" dirty="0"/>
+              <a:t>?</a:t>
+            </a:r>
+          </a:p>
+          <a:p>
+            <a:r>
+              <a:rPr lang="en-US" dirty="0"/>
+              <a:t>…</a:t>
+            </a:r>
+            <a:endParaRPr lang="en-DE" dirty="0"/>
+          </a:p>
+        </p:txBody>
+      </p:sp>
+      <p:sp>
+        <p:nvSpPr>
+          <p:cNvPr id="4" name="Slide Number Placeholder 3">
+            <a:extLst>
+              <a:ext uri="{FF2B5EF4-FFF2-40B4-BE49-F238E27FC236}">
+                <a16:creationId xmlns:a16="http://schemas.microsoft.com/office/drawing/2014/main" id="{65E6FCDC-2A09-4C9D-A05A-F8CB7B1FEC91}"/>
+              </a:ext>
+            </a:extLst>
+          </p:cNvPr>
+          <p:cNvSpPr>
+            <a:spLocks noGrp="1"/>
+          </p:cNvSpPr>
+          <p:nvPr>
+            <p:ph type="sldNum" idx="12"/>
+          </p:nvPr>
+        </p:nvSpPr>
+        <p:spPr/>
+        <p:txBody>
+          <a:bodyPr/>
+          <a:lstStyle/>
+          <a:p>
+            <a:pPr marL="0" lvl="0" indent="0" algn="ctr" rtl="0">
+              <a:spcBef>
+                <a:spcPts val="0"/>
+              </a:spcBef>
+              <a:spcAft>
+                <a:spcPts val="0"/>
+              </a:spcAft>
+              <a:buNone/>
+            </a:pPr>
+            <a:fld id="{00000000-1234-1234-1234-123412341234}" type="slidenum">
+              <a:rPr lang="en" smtClean="0"/>
+              <a:t>6</a:t>
+            </a:fld>
+            <a:endParaRPr lang="en"/>
+          </a:p>
+        </p:txBody>
+      </p:sp>
+      <p:pic>
+        <p:nvPicPr>
+          <p:cNvPr id="5" name="Picture 4">
+            <a:extLst>
+              <a:ext uri="{FF2B5EF4-FFF2-40B4-BE49-F238E27FC236}">
+                <a16:creationId xmlns:a16="http://schemas.microsoft.com/office/drawing/2014/main" id="{F708C17B-AA7C-4314-BFA1-87112082C7D8}"/>
+              </a:ext>
+            </a:extLst>
+          </p:cNvPr>
+          <p:cNvPicPr>
+            <a:picLocks noChangeAspect="1"/>
+          </p:cNvPicPr>
+          <p:nvPr/>
+        </p:nvPicPr>
+        <p:blipFill>
+          <a:blip r:embed="rId3"/>
+          <a:stretch>
+            <a:fillRect/>
+          </a:stretch>
+        </p:blipFill>
+        <p:spPr>
+          <a:xfrm>
+            <a:off x="7354678" y="1976055"/>
+            <a:ext cx="1201197" cy="1201197"/>
+          </a:xfrm>
+          <a:prstGeom prst="rect">
+            <a:avLst/>
+          </a:prstGeom>
+        </p:spPr>
+      </p:pic>
+      <p:pic>
+        <p:nvPicPr>
+          <p:cNvPr id="7" name="Picture 6">
+            <a:extLst>
+              <a:ext uri="{FF2B5EF4-FFF2-40B4-BE49-F238E27FC236}">
+                <a16:creationId xmlns:a16="http://schemas.microsoft.com/office/drawing/2014/main" id="{0D51FAA4-9155-4174-8957-24E6879247E4}"/>
+              </a:ext>
+            </a:extLst>
+          </p:cNvPr>
+          <p:cNvPicPr>
+            <a:picLocks noChangeAspect="1"/>
+          </p:cNvPicPr>
+          <p:nvPr/>
+        </p:nvPicPr>
+        <p:blipFill>
+          <a:blip r:embed="rId4"/>
+          <a:stretch>
+            <a:fillRect/>
+          </a:stretch>
+        </p:blipFill>
+        <p:spPr>
+          <a:xfrm>
+            <a:off x="7726523" y="1334875"/>
+            <a:ext cx="457506" cy="457506"/>
+          </a:xfrm>
+          <a:prstGeom prst="rect">
+            <a:avLst/>
+          </a:prstGeom>
+        </p:spPr>
+      </p:pic>
+      <p:pic>
+        <p:nvPicPr>
+          <p:cNvPr id="9" name="Picture 8">
+            <a:extLst>
+              <a:ext uri="{FF2B5EF4-FFF2-40B4-BE49-F238E27FC236}">
+                <a16:creationId xmlns:a16="http://schemas.microsoft.com/office/drawing/2014/main" id="{26DC6605-5DD4-48B6-983E-2F132263E0C2}"/>
+              </a:ext>
+            </a:extLst>
+          </p:cNvPr>
+          <p:cNvPicPr>
+            <a:picLocks noChangeAspect="1"/>
+          </p:cNvPicPr>
+          <p:nvPr/>
+        </p:nvPicPr>
+        <p:blipFill>
+          <a:blip r:embed="rId4"/>
+          <a:stretch>
+            <a:fillRect/>
+          </a:stretch>
+        </p:blipFill>
+        <p:spPr>
+          <a:xfrm>
+            <a:off x="6782303" y="2342997"/>
+            <a:ext cx="457506" cy="457506"/>
+          </a:xfrm>
+          <a:prstGeom prst="rect">
+            <a:avLst/>
+          </a:prstGeom>
+        </p:spPr>
+      </p:pic>
+      <p:pic>
+        <p:nvPicPr>
+          <p:cNvPr id="11" name="Picture 10">
+            <a:extLst>
+              <a:ext uri="{FF2B5EF4-FFF2-40B4-BE49-F238E27FC236}">
+                <a16:creationId xmlns:a16="http://schemas.microsoft.com/office/drawing/2014/main" id="{82D97513-75E6-4BDA-A974-6C7499BEC9CB}"/>
+              </a:ext>
+            </a:extLst>
+          </p:cNvPr>
+          <p:cNvPicPr>
+            <a:picLocks noChangeAspect="1"/>
+          </p:cNvPicPr>
+          <p:nvPr/>
+        </p:nvPicPr>
+        <p:blipFill>
+          <a:blip r:embed="rId4"/>
+          <a:stretch>
+            <a:fillRect/>
+          </a:stretch>
+        </p:blipFill>
+        <p:spPr>
+          <a:xfrm>
+            <a:off x="7726523" y="3360926"/>
+            <a:ext cx="457506" cy="457506"/>
+          </a:xfrm>
+          <a:prstGeom prst="rect">
+            <a:avLst/>
+          </a:prstGeom>
+        </p:spPr>
+      </p:pic>
+      <p:pic>
+        <p:nvPicPr>
+          <p:cNvPr id="13" name="Picture 12">
+            <a:extLst>
+              <a:ext uri="{FF2B5EF4-FFF2-40B4-BE49-F238E27FC236}">
+                <a16:creationId xmlns:a16="http://schemas.microsoft.com/office/drawing/2014/main" id="{63EC463D-EB5B-400E-B1FC-314B538CF423}"/>
+              </a:ext>
+            </a:extLst>
+          </p:cNvPr>
+          <p:cNvPicPr>
+            <a:picLocks noChangeAspect="1"/>
+          </p:cNvPicPr>
+          <p:nvPr/>
+        </p:nvPicPr>
+        <p:blipFill>
+          <a:blip r:embed="rId4"/>
+          <a:stretch>
+            <a:fillRect/>
+          </a:stretch>
+        </p:blipFill>
+        <p:spPr>
+          <a:xfrm>
+            <a:off x="8670744" y="2342997"/>
+            <a:ext cx="457506" cy="457506"/>
+          </a:xfrm>
+          <a:prstGeom prst="rect">
+            <a:avLst/>
+          </a:prstGeom>
+        </p:spPr>
+      </p:pic>
+      <p:pic>
+        <p:nvPicPr>
+          <p:cNvPr id="14" name="Picture 13">
+            <a:extLst>
+              <a:ext uri="{FF2B5EF4-FFF2-40B4-BE49-F238E27FC236}">
+                <a16:creationId xmlns:a16="http://schemas.microsoft.com/office/drawing/2014/main" id="{21A94D50-6954-4573-A16A-E6B140C4D74C}"/>
+              </a:ext>
+            </a:extLst>
+          </p:cNvPr>
+          <p:cNvPicPr>
+            <a:picLocks noChangeAspect="1"/>
+          </p:cNvPicPr>
+          <p:nvPr/>
+        </p:nvPicPr>
+        <p:blipFill>
+          <a:blip r:embed="rId4"/>
+          <a:stretch>
+            <a:fillRect/>
+          </a:stretch>
+        </p:blipFill>
+        <p:spPr>
+          <a:xfrm>
+            <a:off x="8416466" y="1701817"/>
+            <a:ext cx="457506" cy="457506"/>
+          </a:xfrm>
+          <a:prstGeom prst="rect">
+            <a:avLst/>
+          </a:prstGeom>
+        </p:spPr>
+      </p:pic>
+      <p:pic>
+        <p:nvPicPr>
+          <p:cNvPr id="15" name="Picture 14">
+            <a:extLst>
+              <a:ext uri="{FF2B5EF4-FFF2-40B4-BE49-F238E27FC236}">
+                <a16:creationId xmlns:a16="http://schemas.microsoft.com/office/drawing/2014/main" id="{09A8E6A4-4966-4955-AD0E-18193B5E12AE}"/>
+              </a:ext>
+            </a:extLst>
+          </p:cNvPr>
+          <p:cNvPicPr>
+            <a:picLocks noChangeAspect="1"/>
+          </p:cNvPicPr>
+          <p:nvPr/>
+        </p:nvPicPr>
+        <p:blipFill>
+          <a:blip r:embed="rId4"/>
+          <a:stretch>
+            <a:fillRect/>
+          </a:stretch>
+        </p:blipFill>
+        <p:spPr>
+          <a:xfrm>
+            <a:off x="8441991" y="3190592"/>
+            <a:ext cx="457506" cy="457506"/>
+          </a:xfrm>
+          <a:prstGeom prst="rect">
+            <a:avLst/>
+          </a:prstGeom>
+        </p:spPr>
+      </p:pic>
+      <p:pic>
+        <p:nvPicPr>
+          <p:cNvPr id="16" name="Picture 15">
+            <a:extLst>
+              <a:ext uri="{FF2B5EF4-FFF2-40B4-BE49-F238E27FC236}">
+                <a16:creationId xmlns:a16="http://schemas.microsoft.com/office/drawing/2014/main" id="{82A73A46-56FD-4776-9BF8-268B5A1DAFF2}"/>
+              </a:ext>
+            </a:extLst>
+          </p:cNvPr>
+          <p:cNvPicPr>
+            <a:picLocks noChangeAspect="1"/>
+          </p:cNvPicPr>
+          <p:nvPr/>
+        </p:nvPicPr>
+        <p:blipFill>
+          <a:blip r:embed="rId4"/>
+          <a:stretch>
+            <a:fillRect/>
+          </a:stretch>
+        </p:blipFill>
+        <p:spPr>
+          <a:xfrm>
+            <a:off x="7058806" y="1650723"/>
+            <a:ext cx="457506" cy="457506"/>
+          </a:xfrm>
+          <a:prstGeom prst="rect">
+            <a:avLst/>
+          </a:prstGeom>
+        </p:spPr>
+      </p:pic>
+      <p:pic>
+        <p:nvPicPr>
+          <p:cNvPr id="17" name="Picture 16">
+            <a:extLst>
+              <a:ext uri="{FF2B5EF4-FFF2-40B4-BE49-F238E27FC236}">
+                <a16:creationId xmlns:a16="http://schemas.microsoft.com/office/drawing/2014/main" id="{4489623B-0AA5-474D-8664-2508B5090A10}"/>
+              </a:ext>
+            </a:extLst>
+          </p:cNvPr>
+          <p:cNvPicPr>
+            <a:picLocks noChangeAspect="1"/>
+          </p:cNvPicPr>
+          <p:nvPr/>
+        </p:nvPicPr>
+        <p:blipFill>
+          <a:blip r:embed="rId4"/>
+          <a:stretch>
+            <a:fillRect/>
+          </a:stretch>
+        </p:blipFill>
+        <p:spPr>
+          <a:xfrm>
+            <a:off x="7000339" y="3183267"/>
+            <a:ext cx="457506" cy="457506"/>
+          </a:xfrm>
+          <a:prstGeom prst="rect">
+            <a:avLst/>
+          </a:prstGeom>
+        </p:spPr>
+      </p:pic>
+    </p:spTree>
+    <p:extLst>
+      <p:ext uri="{BB962C8B-B14F-4D97-AF65-F5344CB8AC3E}">
+        <p14:creationId xmlns:p14="http://schemas.microsoft.com/office/powerpoint/2010/main" val="676434645"/>
+      </p:ext>
+    </p:extLst>
+  </p:cSld>
+  <p:clrMapOvr>
+    <a:masterClrMapping/>
+  </p:clrMapOvr>
+  <p:timing>
+    <p:tnLst>
+      <p:par>
+        <p:cTn id="1" dur="indefinite" restart="never" nodeType="tmRoot">
+          <p:childTnLst>
+            <p:seq concurrent="1" nextAc="seek">
+              <p:cTn id="2" dur="indefinite" nodeType="mainSeq">
+                <p:childTnLst>
+                  <p:par>
+                    <p:cTn id="3" fill="hold">
+                      <p:stCondLst>
+                        <p:cond delay="indefinite"/>
+                      </p:stCondLst>
+                      <p:childTnLst>
+                        <p:par>
+                          <p:cTn id="4" fill="hold">
+                            <p:stCondLst>
+                              <p:cond delay="0"/>
+                            </p:stCondLst>
+                            <p:childTnLst>
+                              <p:par>
+                                <p:cTn id="5" presetID="10" presetClass="entr" presetSubtype="0" fill="hold" grpId="0" nodeType="clickEffect">
+                                  <p:stCondLst>
+                                    <p:cond delay="0"/>
+                                  </p:stCondLst>
+                                  <p:childTnLst>
+                                    <p:set>
+                                      <p:cBhvr>
+                                        <p:cTn id="6" dur="1" fill="hold">
+                                          <p:stCondLst>
+                                            <p:cond delay="0"/>
+                                          </p:stCondLst>
+                                        </p:cTn>
+                                        <p:tgtEl>
+                                          <p:spTgt spid="3">
+                                            <p:txEl>
+                                              <p:pRg st="0" end="0"/>
+                                            </p:txEl>
+                                          </p:spTgt>
+                                        </p:tgtEl>
+                                        <p:attrNameLst>
+                                          <p:attrName>style.visibility</p:attrName>
+                                        </p:attrNameLst>
+                                      </p:cBhvr>
+                                      <p:to>
+                                        <p:strVal val="visible"/>
+                                      </p:to>
+                                    </p:set>
+                                    <p:animEffect transition="in" filter="fade">
+                                      <p:cBhvr>
+                                        <p:cTn id="7" dur="500"/>
+                                        <p:tgtEl>
+                                          <p:spTgt spid="3">
+                                            <p:txEl>
+                                              <p:pRg st="0" end="0"/>
+                                            </p:txEl>
+                                          </p:spTgt>
+                                        </p:tgtEl>
+                                      </p:cBhvr>
+                                    </p:animEffect>
+                                  </p:childTnLst>
+                                </p:cTn>
+                              </p:par>
+                            </p:childTnLst>
+                          </p:cTn>
+                        </p:par>
+                      </p:childTnLst>
+                    </p:cTn>
+                  </p:par>
+                  <p:par>
+                    <p:cTn id="8" fill="hold">
+                      <p:stCondLst>
+                        <p:cond delay="indefinite"/>
+                      </p:stCondLst>
+                      <p:childTnLst>
+                        <p:par>
+                          <p:cTn id="9" fill="hold">
+                            <p:stCondLst>
+                              <p:cond delay="0"/>
+                            </p:stCondLst>
+                            <p:childTnLst>
+                              <p:par>
+                                <p:cTn id="10" presetID="10" presetClass="entr" presetSubtype="0" fill="hold" grpId="0" nodeType="clickEffect">
+                                  <p:stCondLst>
+                                    <p:cond delay="0"/>
+                                  </p:stCondLst>
+                                  <p:childTnLst>
+                                    <p:set>
+                                      <p:cBhvr>
+                                        <p:cTn id="11" dur="1" fill="hold">
+                                          <p:stCondLst>
+                                            <p:cond delay="0"/>
+                                          </p:stCondLst>
+                                        </p:cTn>
+                                        <p:tgtEl>
+                                          <p:spTgt spid="3">
+                                            <p:txEl>
+                                              <p:pRg st="1" end="1"/>
+                                            </p:txEl>
+                                          </p:spTgt>
+                                        </p:tgtEl>
+                                        <p:attrNameLst>
+                                          <p:attrName>style.visibility</p:attrName>
+                                        </p:attrNameLst>
+                                      </p:cBhvr>
+                                      <p:to>
+                                        <p:strVal val="visible"/>
+                                      </p:to>
+                                    </p:set>
+                                    <p:animEffect transition="in" filter="fade">
+                                      <p:cBhvr>
+                                        <p:cTn id="12" dur="500"/>
+                                        <p:tgtEl>
+                                          <p:spTgt spid="3">
+                                            <p:txEl>
+                                              <p:pRg st="1" end="1"/>
+                                            </p:txEl>
+                                          </p:spTgt>
+                                        </p:tgtEl>
+                                      </p:cBhvr>
+                                    </p:animEffect>
+                                  </p:childTnLst>
+                                </p:cTn>
+                              </p:par>
+                            </p:childTnLst>
+                          </p:cTn>
+                        </p:par>
+                      </p:childTnLst>
+                    </p:cTn>
+                  </p:par>
+                  <p:par>
+                    <p:cTn id="13" fill="hold">
+                      <p:stCondLst>
+                        <p:cond delay="indefinite"/>
+                      </p:stCondLst>
+                      <p:childTnLst>
+                        <p:par>
+                          <p:cTn id="14" fill="hold">
+                            <p:stCondLst>
+                              <p:cond delay="0"/>
+                            </p:stCondLst>
+                            <p:childTnLst>
+                              <p:par>
+                                <p:cTn id="15" presetID="10" presetClass="entr" presetSubtype="0" fill="hold" grpId="0" nodeType="clickEffect">
+                                  <p:stCondLst>
+                                    <p:cond delay="0"/>
+                                  </p:stCondLst>
+                                  <p:childTnLst>
+                                    <p:set>
+                                      <p:cBhvr>
+                                        <p:cTn id="16" dur="1" fill="hold">
+                                          <p:stCondLst>
+                                            <p:cond delay="0"/>
+                                          </p:stCondLst>
+                                        </p:cTn>
+                                        <p:tgtEl>
+                                          <p:spTgt spid="3">
+                                            <p:txEl>
+                                              <p:pRg st="2" end="2"/>
+                                            </p:txEl>
+                                          </p:spTgt>
+                                        </p:tgtEl>
+                                        <p:attrNameLst>
+                                          <p:attrName>style.visibility</p:attrName>
+                                        </p:attrNameLst>
+                                      </p:cBhvr>
+                                      <p:to>
+                                        <p:strVal val="visible"/>
+                                      </p:to>
+                                    </p:set>
+                                    <p:animEffect transition="in" filter="fade">
+                                      <p:cBhvr>
+                                        <p:cTn id="17" dur="500"/>
+                                        <p:tgtEl>
+                                          <p:spTgt spid="3">
+                                            <p:txEl>
+                                              <p:pRg st="2" end="2"/>
+                                            </p:txEl>
+                                          </p:spTgt>
+                                        </p:tgtEl>
+                                      </p:cBhvr>
+                                    </p:animEffect>
+                                  </p:childTnLst>
+                                </p:cTn>
+                              </p:par>
+                            </p:childTnLst>
+                          </p:cTn>
+                        </p:par>
+                      </p:childTnLst>
+                    </p:cTn>
+                  </p:par>
+                  <p:par>
+                    <p:cTn id="18" fill="hold">
+                      <p:stCondLst>
+                        <p:cond delay="indefinite"/>
+                      </p:stCondLst>
+                      <p:childTnLst>
+                        <p:par>
+                          <p:cTn id="19" fill="hold">
+                            <p:stCondLst>
+                              <p:cond delay="0"/>
+                            </p:stCondLst>
+                            <p:childTnLst>
+                              <p:par>
+                                <p:cTn id="20" presetID="10" presetClass="entr" presetSubtype="0" fill="hold" grpId="0" nodeType="clickEffect">
+                                  <p:stCondLst>
+                                    <p:cond delay="0"/>
+                                  </p:stCondLst>
+                                  <p:childTnLst>
+                                    <p:set>
+                                      <p:cBhvr>
+                                        <p:cTn id="21" dur="1" fill="hold">
+                                          <p:stCondLst>
+                                            <p:cond delay="0"/>
+                                          </p:stCondLst>
+                                        </p:cTn>
+                                        <p:tgtEl>
+                                          <p:spTgt spid="3">
+                                            <p:txEl>
+                                              <p:pRg st="3" end="3"/>
+                                            </p:txEl>
+                                          </p:spTgt>
+                                        </p:tgtEl>
+                                        <p:attrNameLst>
+                                          <p:attrName>style.visibility</p:attrName>
+                                        </p:attrNameLst>
+                                      </p:cBhvr>
+                                      <p:to>
+                                        <p:strVal val="visible"/>
+                                      </p:to>
+                                    </p:set>
+                                    <p:animEffect transition="in" filter="fade">
+                                      <p:cBhvr>
+                                        <p:cTn id="22" dur="500"/>
+                                        <p:tgtEl>
+                                          <p:spTgt spid="3">
+                                            <p:txEl>
+                                              <p:pRg st="3" end="3"/>
+                                            </p:txEl>
+                                          </p:spTgt>
+                                        </p:tgtEl>
+                                      </p:cBhvr>
+                                    </p:animEffect>
+                                  </p:childTnLst>
+                                </p:cTn>
+                              </p:par>
+                            </p:childTnLst>
+                          </p:cTn>
+                        </p:par>
+                      </p:childTnLst>
+                    </p:cTn>
+                  </p:par>
+                  <p:par>
+                    <p:cTn id="23" fill="hold">
+                      <p:stCondLst>
+                        <p:cond delay="indefinite"/>
+                      </p:stCondLst>
+                      <p:childTnLst>
+                        <p:par>
+                          <p:cTn id="24" fill="hold">
+                            <p:stCondLst>
+                              <p:cond delay="0"/>
+                            </p:stCondLst>
+                            <p:childTnLst>
+                              <p:par>
+                                <p:cTn id="25" presetID="10" presetClass="entr" presetSubtype="0" fill="hold" grpId="0" nodeType="clickEffect">
+                                  <p:stCondLst>
+                                    <p:cond delay="0"/>
+                                  </p:stCondLst>
+                                  <p:childTnLst>
+                                    <p:set>
+                                      <p:cBhvr>
+                                        <p:cTn id="26" dur="1" fill="hold">
+                                          <p:stCondLst>
+                                            <p:cond delay="0"/>
+                                          </p:stCondLst>
+                                        </p:cTn>
+                                        <p:tgtEl>
+                                          <p:spTgt spid="3">
+                                            <p:txEl>
+                                              <p:pRg st="4" end="4"/>
+                                            </p:txEl>
+                                          </p:spTgt>
+                                        </p:tgtEl>
+                                        <p:attrNameLst>
+                                          <p:attrName>style.visibility</p:attrName>
+                                        </p:attrNameLst>
+                                      </p:cBhvr>
+                                      <p:to>
+                                        <p:strVal val="visible"/>
+                                      </p:to>
+                                    </p:set>
+                                    <p:animEffect transition="in" filter="fade">
+                                      <p:cBhvr>
+                                        <p:cTn id="27" dur="500"/>
+                                        <p:tgtEl>
+                                          <p:spTgt spid="3">
+                                            <p:txEl>
+                                              <p:pRg st="4" end="4"/>
+                                            </p:txEl>
+                                          </p:spTgt>
+                                        </p:tgtEl>
+                                      </p:cBhvr>
+                                    </p:animEffect>
+                                  </p:childTnLst>
+                                </p:cTn>
+                              </p:par>
+                            </p:childTnLst>
+                          </p:cTn>
+                        </p:par>
+                      </p:childTnLst>
+                    </p:cTn>
+                  </p:par>
+                </p:childTnLst>
+              </p:cTn>
+              <p:prevCondLst>
+                <p:cond evt="onPrev" delay="0">
+                  <p:tgtEl>
+                    <p:sldTgt/>
+                  </p:tgtEl>
+                </p:cond>
+              </p:prevCondLst>
+              <p:nextCondLst>
+                <p:cond evt="onNext" delay="0">
+                  <p:tgtEl>
+                    <p:sldTgt/>
+                  </p:tgtEl>
+                </p:cond>
+              </p:nextCondLst>
+            </p:seq>
+          </p:childTnLst>
+        </p:cTn>
+      </p:par>
+    </p:tnLst>
+    <p:bldLst>
+      <p:bldP spid="3" grpId="0" build="p"/>
+    </p:bldLst>
+  </p:timing>
+</p:sld>
+</file>
+
+<file path=ppt/slides/slide7.xml><?xml version="1.0" encoding="utf-8"?>
+<p:sld xmlns:a="http://schemas.openxmlformats.org/drawingml/2006/main" xmlns:r="http://schemas.openxmlformats.org/officeDocument/2006/relationships" xmlns:p="http://schemas.openxmlformats.org/presentationml/2006/main">
+  <p:cSld>
+    <p:spTree>
+      <p:nvGrpSpPr>
         <p:cNvPr id="1" name="Shape 181"/>
         <p:cNvGrpSpPr/>
         <p:nvPr/>
@@ -11782,7 +15864,7 @@
             </a:pPr>
             <a:fld id="{00000000-1234-1234-1234-123412341234}" type="slidenum">
               <a:rPr lang="de-DE" smtClean="0"/>
-              <a:t>5</a:t>
+              <a:t>7</a:t>
             </a:fld>
             <a:endParaRPr lang="de-DE"/>
           </a:p>
@@ -11796,125 +15878,7 @@
 </p:sld>
 </file>
 
-<file path=ppt/slides/slide6.xml><?xml version="1.0" encoding="utf-8"?>
-<p:sld xmlns:a="http://schemas.openxmlformats.org/drawingml/2006/main" xmlns:r="http://schemas.openxmlformats.org/officeDocument/2006/relationships" xmlns:p="http://schemas.openxmlformats.org/presentationml/2006/main">
-  <p:cSld>
-    <p:spTree>
-      <p:nvGrpSpPr>
-        <p:cNvPr id="1" name=""/>
-        <p:cNvGrpSpPr/>
-        <p:nvPr/>
-      </p:nvGrpSpPr>
-      <p:grpSpPr>
-        <a:xfrm>
-          <a:off x="0" y="0"/>
-          <a:ext cx="0" cy="0"/>
-          <a:chOff x="0" y="0"/>
-          <a:chExt cx="0" cy="0"/>
-        </a:xfrm>
-      </p:grpSpPr>
-      <p:sp>
-        <p:nvSpPr>
-          <p:cNvPr id="2" name="Title 1">
-            <a:extLst>
-              <a:ext uri="{FF2B5EF4-FFF2-40B4-BE49-F238E27FC236}">
-                <a16:creationId xmlns:a16="http://schemas.microsoft.com/office/drawing/2014/main" id="{B5E0DC24-B072-4A64-9325-BD32EAB5BD76}"/>
-              </a:ext>
-            </a:extLst>
-          </p:cNvPr>
-          <p:cNvSpPr>
-            <a:spLocks noGrp="1"/>
-          </p:cNvSpPr>
-          <p:nvPr>
-            <p:ph type="title"/>
-          </p:nvPr>
-        </p:nvSpPr>
-        <p:spPr/>
-        <p:txBody>
-          <a:bodyPr/>
-          <a:lstStyle/>
-          <a:p>
-            <a:endParaRPr lang="en-DE"/>
-          </a:p>
-        </p:txBody>
-      </p:sp>
-      <p:sp>
-        <p:nvSpPr>
-          <p:cNvPr id="3" name="Text Placeholder 2">
-            <a:extLst>
-              <a:ext uri="{FF2B5EF4-FFF2-40B4-BE49-F238E27FC236}">
-                <a16:creationId xmlns:a16="http://schemas.microsoft.com/office/drawing/2014/main" id="{521ED6C7-8E16-4390-A5E2-A4C1181FA0C3}"/>
-              </a:ext>
-            </a:extLst>
-          </p:cNvPr>
-          <p:cNvSpPr>
-            <a:spLocks noGrp="1"/>
-          </p:cNvSpPr>
-          <p:nvPr>
-            <p:ph type="body" idx="1"/>
-          </p:nvPr>
-        </p:nvSpPr>
-        <p:spPr/>
-        <p:txBody>
-          <a:bodyPr/>
-          <a:lstStyle/>
-          <a:p>
-            <a:endParaRPr lang="en-DE"/>
-          </a:p>
-        </p:txBody>
-      </p:sp>
-      <p:sp>
-        <p:nvSpPr>
-          <p:cNvPr id="4" name="Slide Number Placeholder 3">
-            <a:extLst>
-              <a:ext uri="{FF2B5EF4-FFF2-40B4-BE49-F238E27FC236}">
-                <a16:creationId xmlns:a16="http://schemas.microsoft.com/office/drawing/2014/main" id="{9C863EFF-DB0B-4BD3-9CC1-CEC07ECFEF8D}"/>
-              </a:ext>
-            </a:extLst>
-          </p:cNvPr>
-          <p:cNvSpPr>
-            <a:spLocks noGrp="1"/>
-          </p:cNvSpPr>
-          <p:nvPr>
-            <p:ph type="sldNum" idx="12"/>
-          </p:nvPr>
-        </p:nvSpPr>
-        <p:spPr/>
-        <p:txBody>
-          <a:bodyPr/>
-          <a:lstStyle/>
-          <a:p>
-            <a:pPr marL="0" lvl="0" indent="0" algn="ctr" rtl="0">
-              <a:spcBef>
-                <a:spcPts val="0"/>
-              </a:spcBef>
-              <a:spcAft>
-                <a:spcPts val="0"/>
-              </a:spcAft>
-              <a:buNone/>
-            </a:pPr>
-            <a:fld id="{00000000-1234-1234-1234-123412341234}" type="slidenum">
-              <a:rPr lang="en" smtClean="0"/>
-              <a:t>6</a:t>
-            </a:fld>
-            <a:endParaRPr lang="en"/>
-          </a:p>
-        </p:txBody>
-      </p:sp>
-    </p:spTree>
-    <p:extLst>
-      <p:ext uri="{BB962C8B-B14F-4D97-AF65-F5344CB8AC3E}">
-        <p14:creationId xmlns:p14="http://schemas.microsoft.com/office/powerpoint/2010/main" val="2532445428"/>
-      </p:ext>
-    </p:extLst>
-  </p:cSld>
-  <p:clrMapOvr>
-    <a:masterClrMapping/>
-  </p:clrMapOvr>
-</p:sld>
-</file>
-
-<file path=ppt/slides/slide7.xml><?xml version="1.0" encoding="utf-8"?>
+<file path=ppt/slides/slide8.xml><?xml version="1.0" encoding="utf-8"?>
 <p:sld xmlns:a="http://schemas.openxmlformats.org/drawingml/2006/main" xmlns:r="http://schemas.openxmlformats.org/officeDocument/2006/relationships" xmlns:p="http://schemas.openxmlformats.org/presentationml/2006/main">
   <p:cSld>
     <p:spTree>
@@ -12055,7 +16019,7 @@
     </p:spTree>
     <p:extLst>
       <p:ext uri="{BB962C8B-B14F-4D97-AF65-F5344CB8AC3E}">
-        <p14:creationId xmlns:p14="http://schemas.microsoft.com/office/powerpoint/2010/main" val="3111686166"/>
+        <p14:creationId xmlns:p14="http://schemas.microsoft.com/office/powerpoint/2010/main" val="388768623"/>
       </p:ext>
     </p:extLst>
   </p:cSld>
@@ -12065,7 +16029,7 @@
 </p:sld>
 </file>
 
-<file path=ppt/slides/slide8.xml><?xml version="1.0" encoding="utf-8"?>
+<file path=ppt/slides/slide9.xml><?xml version="1.0" encoding="utf-8"?>
 <p:sld xmlns:a="http://schemas.openxmlformats.org/drawingml/2006/main" xmlns:r="http://schemas.openxmlformats.org/officeDocument/2006/relationships" xmlns:p="http://schemas.openxmlformats.org/presentationml/2006/main">
   <p:cSld>
     <p:spTree>
@@ -12207,7 +16171,7 @@
             </a:pPr>
             <a:fld id="{00000000-1234-1234-1234-123412341234}" type="slidenum">
               <a:rPr lang="de-DE" smtClean="0"/>
-              <a:t>8</a:t>
+              <a:t>9</a:t>
             </a:fld>
             <a:endParaRPr lang="de-DE"/>
           </a:p>
@@ -13680,179 +17644,6 @@
 </p:sld>
 </file>
 
-<file path=ppt/slides/slide9.xml><?xml version="1.0" encoding="utf-8"?>
-<p:sld xmlns:a="http://schemas.openxmlformats.org/drawingml/2006/main" xmlns:r="http://schemas.openxmlformats.org/officeDocument/2006/relationships" xmlns:p="http://schemas.openxmlformats.org/presentationml/2006/main">
-  <p:cSld>
-    <p:spTree>
-      <p:nvGrpSpPr>
-        <p:cNvPr id="1" name="Shape 174"/>
-        <p:cNvGrpSpPr/>
-        <p:nvPr/>
-      </p:nvGrpSpPr>
-      <p:grpSpPr>
-        <a:xfrm>
-          <a:off x="0" y="0"/>
-          <a:ext cx="0" cy="0"/>
-          <a:chOff x="0" y="0"/>
-          <a:chExt cx="0" cy="0"/>
-        </a:xfrm>
-      </p:grpSpPr>
-      <p:sp>
-        <p:nvSpPr>
-          <p:cNvPr id="175" name="Google Shape;175;p17"/>
-          <p:cNvSpPr txBox="1">
-            <a:spLocks noGrp="1"/>
-          </p:cNvSpPr>
-          <p:nvPr>
-            <p:ph type="ctrTitle"/>
-          </p:nvPr>
-        </p:nvSpPr>
-        <p:spPr>
-          <a:xfrm>
-            <a:off x="1629680" y="2246931"/>
-            <a:ext cx="5872871" cy="956700"/>
-          </a:xfrm>
-        </p:spPr>
-        <p:txBody>
-          <a:bodyPr/>
-          <a:lstStyle/>
-          <a:p>
-            <a:r>
-              <a:rPr lang="en-US" spc="-1" dirty="0"/>
-              <a:t>Der </a:t>
-            </a:r>
-            <a:r>
-              <a:rPr lang="en-US" spc="-1" dirty="0" err="1"/>
-              <a:t>Weg</a:t>
-            </a:r>
-            <a:br>
-              <a:rPr lang="en-US" spc="-1" dirty="0"/>
-            </a:br>
-            <a:r>
-              <a:rPr lang="en-US" spc="-1" dirty="0"/>
-              <a:t>bis </a:t>
-            </a:r>
-            <a:r>
-              <a:rPr lang="en-US" spc="-1" dirty="0" err="1"/>
-              <a:t>hier</a:t>
-            </a:r>
-            <a:r>
-              <a:rPr lang="en-US" spc="-1" dirty="0"/>
-              <a:t> </a:t>
-            </a:r>
-            <a:r>
-              <a:rPr lang="en-US" spc="-1" dirty="0" err="1"/>
-              <a:t>hin</a:t>
-            </a:r>
-            <a:endParaRPr lang="en-US" dirty="0"/>
-          </a:p>
-        </p:txBody>
-      </p:sp>
-      <p:sp>
-        <p:nvSpPr>
-          <p:cNvPr id="176" name="Google Shape;176;p17"/>
-          <p:cNvSpPr txBox="1">
-            <a:spLocks noGrp="1"/>
-          </p:cNvSpPr>
-          <p:nvPr>
-            <p:ph type="subTitle" idx="1"/>
-          </p:nvPr>
-        </p:nvSpPr>
-        <p:spPr/>
-        <p:txBody>
-          <a:bodyPr/>
-          <a:lstStyle/>
-          <a:p>
-            <a:r>
-              <a:rPr lang="en-US" spc="-1" dirty="0" err="1"/>
-              <a:t>Planung</a:t>
-            </a:r>
-            <a:r>
-              <a:rPr lang="en-US" spc="-1" dirty="0"/>
-              <a:t> und </a:t>
-            </a:r>
-            <a:r>
-              <a:rPr lang="en-US" spc="-1" dirty="0" err="1"/>
-              <a:t>Durchführung</a:t>
-            </a:r>
-            <a:endParaRPr lang="en-US" spc="-1" dirty="0">
-              <a:latin typeface="Arial"/>
-            </a:endParaRPr>
-          </a:p>
-        </p:txBody>
-      </p:sp>
-      <p:sp>
-        <p:nvSpPr>
-          <p:cNvPr id="177" name="Google Shape;177;p17"/>
-          <p:cNvSpPr txBox="1"/>
-          <p:nvPr/>
-        </p:nvSpPr>
-        <p:spPr>
-          <a:xfrm>
-            <a:off x="1030925" y="710500"/>
-            <a:ext cx="1392600" cy="1390800"/>
-          </a:xfrm>
-          <a:prstGeom prst="rect">
-            <a:avLst/>
-          </a:prstGeom>
-          <a:noFill/>
-          <a:ln>
-            <a:noFill/>
-          </a:ln>
-        </p:spPr>
-        <p:txBody>
-          <a:bodyPr spcFirstLastPara="1" wrap="square" lIns="91425" tIns="91425" rIns="91425" bIns="91425" anchor="ctr" anchorCtr="0">
-            <a:noAutofit/>
-          </a:bodyPr>
-          <a:lstStyle/>
-          <a:p>
-            <a:pPr marL="0" lvl="0" indent="0" algn="ctr" rtl="0">
-              <a:spcBef>
-                <a:spcPts val="0"/>
-              </a:spcBef>
-              <a:spcAft>
-                <a:spcPts val="0"/>
-              </a:spcAft>
-              <a:buClr>
-                <a:schemeClr val="dk1"/>
-              </a:buClr>
-              <a:buSzPts val="1100"/>
-              <a:buFont typeface="Arial"/>
-              <a:buNone/>
-            </a:pPr>
-            <a:r>
-              <a:rPr lang="en" sz="6000" b="1" dirty="0">
-                <a:solidFill>
-                  <a:srgbClr val="FFFFFF"/>
-                </a:solidFill>
-                <a:latin typeface="Poppins"/>
-                <a:ea typeface="Poppins"/>
-                <a:cs typeface="Poppins"/>
-                <a:sym typeface="Poppins"/>
-              </a:rPr>
-              <a:t>3</a:t>
-            </a:r>
-            <a:endParaRPr sz="6000" dirty="0">
-              <a:solidFill>
-                <a:srgbClr val="FFFFFF"/>
-              </a:solidFill>
-            </a:endParaRPr>
-          </a:p>
-        </p:txBody>
-      </p:sp>
-    </p:spTree>
-    <p:extLst>
-      <p:ext uri="{BB962C8B-B14F-4D97-AF65-F5344CB8AC3E}">
-        <p14:creationId xmlns:p14="http://schemas.microsoft.com/office/powerpoint/2010/main" val="4121788750"/>
-      </p:ext>
-    </p:extLst>
-  </p:cSld>
-  <p:clrMapOvr>
-    <a:masterClrMapping/>
-  </p:clrMapOvr>
-</p:sld>
-</file>
-
 <file path=ppt/theme/theme1.xml><?xml version="1.0" encoding="utf-8"?>
 <a:theme xmlns:a="http://schemas.openxmlformats.org/drawingml/2006/main" name="Cymbeline template">
   <a:themeElements>
